--- a/ポートフォリオコナミ.pptx
+++ b/ポートフォリオコナミ.pptx
@@ -12,11 +12,11 @@
     <p:sldId id="261" r:id="rId6"/>
     <p:sldId id="262" r:id="rId7"/>
     <p:sldId id="263" r:id="rId8"/>
-    <p:sldId id="264" r:id="rId9"/>
-    <p:sldId id="265" r:id="rId10"/>
-    <p:sldId id="266" r:id="rId11"/>
-    <p:sldId id="270" r:id="rId12"/>
-    <p:sldId id="271" r:id="rId13"/>
+    <p:sldId id="272" r:id="rId9"/>
+    <p:sldId id="266" r:id="rId10"/>
+    <p:sldId id="273" r:id="rId11"/>
+    <p:sldId id="274" r:id="rId12"/>
+    <p:sldId id="275" r:id="rId13"/>
     <p:sldId id="269" r:id="rId14"/>
   </p:sldIdLst>
   <p:sldSz cx="10691813" cy="7559675"/>
@@ -732,7 +732,7 @@
           <a:p>
             <a:fld id="{0EFB48BE-D444-4AA4-A2AB-2E35F8924030}" type="datetimeFigureOut">
               <a:rPr kumimoji="1" lang="ja-JP" altLang="en-US" smtClean="0"/>
-              <a:t>2024/1/19</a:t>
+              <a:t>2024/1/29</a:t>
             </a:fld>
             <a:endParaRPr kumimoji="1" lang="ja-JP" altLang="en-US"/>
           </a:p>
@@ -934,7 +934,7 @@
           <a:p>
             <a:fld id="{0EFB48BE-D444-4AA4-A2AB-2E35F8924030}" type="datetimeFigureOut">
               <a:rPr kumimoji="1" lang="ja-JP" altLang="en-US" smtClean="0"/>
-              <a:t>2024/1/19</a:t>
+              <a:t>2024/1/29</a:t>
             </a:fld>
             <a:endParaRPr kumimoji="1" lang="ja-JP" altLang="en-US"/>
           </a:p>
@@ -1146,7 +1146,7 @@
           <a:p>
             <a:fld id="{0EFB48BE-D444-4AA4-A2AB-2E35F8924030}" type="datetimeFigureOut">
               <a:rPr kumimoji="1" lang="ja-JP" altLang="en-US" smtClean="0"/>
-              <a:t>2024/1/19</a:t>
+              <a:t>2024/1/29</a:t>
             </a:fld>
             <a:endParaRPr kumimoji="1" lang="ja-JP" altLang="en-US"/>
           </a:p>
@@ -1348,7 +1348,7 @@
           <a:p>
             <a:fld id="{0EFB48BE-D444-4AA4-A2AB-2E35F8924030}" type="datetimeFigureOut">
               <a:rPr kumimoji="1" lang="ja-JP" altLang="en-US" smtClean="0"/>
-              <a:t>2024/1/19</a:t>
+              <a:t>2024/1/29</a:t>
             </a:fld>
             <a:endParaRPr kumimoji="1" lang="ja-JP" altLang="en-US"/>
           </a:p>
@@ -1592,7 +1592,7 @@
           <a:p>
             <a:fld id="{0EFB48BE-D444-4AA4-A2AB-2E35F8924030}" type="datetimeFigureOut">
               <a:rPr kumimoji="1" lang="ja-JP" altLang="en-US" smtClean="0"/>
-              <a:t>2024/1/19</a:t>
+              <a:t>2024/1/29</a:t>
             </a:fld>
             <a:endParaRPr kumimoji="1" lang="ja-JP" altLang="en-US"/>
           </a:p>
@@ -1888,7 +1888,7 @@
           <a:p>
             <a:fld id="{0EFB48BE-D444-4AA4-A2AB-2E35F8924030}" type="datetimeFigureOut">
               <a:rPr kumimoji="1" lang="ja-JP" altLang="en-US" smtClean="0"/>
-              <a:t>2024/1/19</a:t>
+              <a:t>2024/1/29</a:t>
             </a:fld>
             <a:endParaRPr kumimoji="1" lang="ja-JP" altLang="en-US"/>
           </a:p>
@@ -2319,7 +2319,7 @@
           <a:p>
             <a:fld id="{0EFB48BE-D444-4AA4-A2AB-2E35F8924030}" type="datetimeFigureOut">
               <a:rPr kumimoji="1" lang="ja-JP" altLang="en-US" smtClean="0"/>
-              <a:t>2024/1/19</a:t>
+              <a:t>2024/1/29</a:t>
             </a:fld>
             <a:endParaRPr kumimoji="1" lang="ja-JP" altLang="en-US"/>
           </a:p>
@@ -2437,7 +2437,7 @@
           <a:p>
             <a:fld id="{0EFB48BE-D444-4AA4-A2AB-2E35F8924030}" type="datetimeFigureOut">
               <a:rPr kumimoji="1" lang="ja-JP" altLang="en-US" smtClean="0"/>
-              <a:t>2024/1/19</a:t>
+              <a:t>2024/1/29</a:t>
             </a:fld>
             <a:endParaRPr kumimoji="1" lang="ja-JP" altLang="en-US"/>
           </a:p>
@@ -2532,7 +2532,7 @@
           <a:p>
             <a:fld id="{0EFB48BE-D444-4AA4-A2AB-2E35F8924030}" type="datetimeFigureOut">
               <a:rPr kumimoji="1" lang="ja-JP" altLang="en-US" smtClean="0"/>
-              <a:t>2024/1/19</a:t>
+              <a:t>2024/1/29</a:t>
             </a:fld>
             <a:endParaRPr kumimoji="1" lang="ja-JP" altLang="en-US"/>
           </a:p>
@@ -2841,7 +2841,7 @@
           <a:p>
             <a:fld id="{0EFB48BE-D444-4AA4-A2AB-2E35F8924030}" type="datetimeFigureOut">
               <a:rPr kumimoji="1" lang="ja-JP" altLang="en-US" smtClean="0"/>
-              <a:t>2024/1/19</a:t>
+              <a:t>2024/1/29</a:t>
             </a:fld>
             <a:endParaRPr kumimoji="1" lang="ja-JP" altLang="en-US"/>
           </a:p>
@@ -3098,7 +3098,7 @@
           <a:p>
             <a:fld id="{0EFB48BE-D444-4AA4-A2AB-2E35F8924030}" type="datetimeFigureOut">
               <a:rPr kumimoji="1" lang="ja-JP" altLang="en-US" smtClean="0"/>
-              <a:t>2024/1/19</a:t>
+              <a:t>2024/1/29</a:t>
             </a:fld>
             <a:endParaRPr kumimoji="1" lang="ja-JP" altLang="en-US"/>
           </a:p>
@@ -3343,7 +3343,7 @@
           <a:p>
             <a:fld id="{0EFB48BE-D444-4AA4-A2AB-2E35F8924030}" type="datetimeFigureOut">
               <a:rPr kumimoji="1" lang="ja-JP" altLang="en-US" smtClean="0"/>
-              <a:t>2024/1/19</a:t>
+              <a:t>2024/1/29</a:t>
             </a:fld>
             <a:endParaRPr kumimoji="1" lang="ja-JP" altLang="en-US"/>
           </a:p>
@@ -3900,42 +3900,6 @@
       </p:grpSpPr>
       <p:sp>
         <p:nvSpPr>
-          <p:cNvPr id="2" name="テキスト ボックス 1">
-            <a:extLst>
-              <a:ext uri="{FF2B5EF4-FFF2-40B4-BE49-F238E27FC236}">
-                <a16:creationId xmlns:a16="http://schemas.microsoft.com/office/drawing/2014/main" id="{58890BA2-147B-4C3F-853F-D8DB86E09C0F}"/>
-              </a:ext>
-            </a:extLst>
-          </p:cNvPr>
-          <p:cNvSpPr txBox="1"/>
-          <p:nvPr/>
-        </p:nvSpPr>
-        <p:spPr>
-          <a:xfrm>
-            <a:off x="491490" y="411480"/>
-            <a:ext cx="1800493" cy="369332"/>
-          </a:xfrm>
-          <a:prstGeom prst="rect">
-            <a:avLst/>
-          </a:prstGeom>
-          <a:noFill/>
-        </p:spPr>
-        <p:txBody>
-          <a:bodyPr wrap="none" rtlCol="0">
-            <a:spAutoFit/>
-          </a:bodyPr>
-          <a:lstStyle/>
-          <a:p>
-            <a:r>
-              <a:rPr kumimoji="1" lang="ja-JP" altLang="en-US" dirty="0"/>
-              <a:t>ゲーム作品一覧</a:t>
-            </a:r>
-            <a:endParaRPr kumimoji="1" lang="en-US" altLang="ja-JP" dirty="0"/>
-          </a:p>
-        </p:txBody>
-      </p:sp>
-      <p:sp>
-        <p:nvSpPr>
           <p:cNvPr id="3" name="テキスト ボックス 2">
             <a:extLst>
               <a:ext uri="{FF2B5EF4-FFF2-40B4-BE49-F238E27FC236}">
@@ -3948,8 +3912,8 @@
         </p:nvSpPr>
         <p:spPr>
           <a:xfrm>
-            <a:off x="491489" y="906780"/>
-            <a:ext cx="1569660" cy="369332"/>
+            <a:off x="491489" y="362494"/>
+            <a:ext cx="1481496" cy="369332"/>
           </a:xfrm>
           <a:prstGeom prst="rect">
             <a:avLst/>
@@ -3963,10 +3927,19 @@
           <a:lstStyle/>
           <a:p>
             <a:r>
-              <a:rPr kumimoji="1" lang="ja-JP" altLang="en-US" dirty="0"/>
-              <a:t>ゲーム作品１</a:t>
-            </a:r>
-            <a:endParaRPr kumimoji="1" lang="en-US" altLang="ja-JP" dirty="0"/>
+              <a:rPr kumimoji="1" lang="ja-JP" altLang="en-US" dirty="0">
+                <a:latin typeface="メイリオ" panose="020B0604030504040204" pitchFamily="50" charset="-128"/>
+                <a:ea typeface="メイリオ" panose="020B0604030504040204" pitchFamily="50" charset="-128"/>
+              </a:rPr>
+              <a:t>ゲーム作品</a:t>
+            </a:r>
+            <a:r>
+              <a:rPr kumimoji="1" lang="en-US" altLang="ja-JP" dirty="0">
+                <a:latin typeface="メイリオ" panose="020B0604030504040204" pitchFamily="50" charset="-128"/>
+                <a:ea typeface="メイリオ" panose="020B0604030504040204" pitchFamily="50" charset="-128"/>
+              </a:rPr>
+              <a:t>3</a:t>
+            </a:r>
           </a:p>
         </p:txBody>
       </p:sp>
@@ -3984,8 +3957,8 @@
         </p:nvSpPr>
         <p:spPr>
           <a:xfrm>
-            <a:off x="491490" y="4533900"/>
-            <a:ext cx="1569660" cy="369332"/>
+            <a:off x="491490" y="3989614"/>
+            <a:ext cx="1481496" cy="369332"/>
           </a:xfrm>
           <a:prstGeom prst="rect">
             <a:avLst/>
@@ -3999,10 +3972,19 @@
           <a:lstStyle/>
           <a:p>
             <a:r>
-              <a:rPr kumimoji="1" lang="ja-JP" altLang="en-US" dirty="0"/>
-              <a:t>ゲーム作品２</a:t>
-            </a:r>
-            <a:endParaRPr kumimoji="1" lang="en-US" altLang="ja-JP" dirty="0"/>
+              <a:rPr kumimoji="1" lang="ja-JP" altLang="en-US" dirty="0">
+                <a:latin typeface="メイリオ" panose="020B0604030504040204" pitchFamily="50" charset="-128"/>
+                <a:ea typeface="メイリオ" panose="020B0604030504040204" pitchFamily="50" charset="-128"/>
+              </a:rPr>
+              <a:t>ゲーム作品</a:t>
+            </a:r>
+            <a:r>
+              <a:rPr kumimoji="1" lang="en-US" altLang="ja-JP" dirty="0">
+                <a:latin typeface="メイリオ" panose="020B0604030504040204" pitchFamily="50" charset="-128"/>
+                <a:ea typeface="メイリオ" panose="020B0604030504040204" pitchFamily="50" charset="-128"/>
+              </a:rPr>
+              <a:t>4</a:t>
+            </a:r>
           </a:p>
         </p:txBody>
       </p:sp>
@@ -4020,7 +4002,7 @@
         </p:nvSpPr>
         <p:spPr>
           <a:xfrm>
-            <a:off x="582929" y="2181731"/>
+            <a:off x="582929" y="1637445"/>
             <a:ext cx="2526031" cy="1446550"/>
           </a:xfrm>
           <a:prstGeom prst="rect">
@@ -4056,7 +4038,7 @@
         </p:nvSpPr>
         <p:spPr>
           <a:xfrm>
-            <a:off x="491489" y="5427851"/>
+            <a:off x="491489" y="4883565"/>
             <a:ext cx="2526031" cy="1446550"/>
           </a:xfrm>
           <a:prstGeom prst="rect">
@@ -4092,8 +4074,8 @@
         </p:nvSpPr>
         <p:spPr>
           <a:xfrm>
-            <a:off x="4530088" y="1276112"/>
-            <a:ext cx="4552849" cy="2862322"/>
+            <a:off x="4530088" y="511739"/>
+            <a:ext cx="5929828" cy="3477875"/>
           </a:xfrm>
           <a:prstGeom prst="rect">
             <a:avLst/>
@@ -4108,207 +4090,229 @@
           <a:p>
             <a:r>
               <a:rPr kumimoji="1" lang="ja-JP" altLang="en-US" sz="2000" dirty="0">
-                <a:latin typeface="BIZ UDPゴシック" panose="020B0400000000000000" pitchFamily="50" charset="-128"/>
-                <a:ea typeface="BIZ UDPゴシック" panose="020B0400000000000000" pitchFamily="50" charset="-128"/>
+                <a:latin typeface="メイリオ" panose="020B0604030504040204" pitchFamily="50" charset="-128"/>
+                <a:ea typeface="メイリオ" panose="020B0604030504040204" pitchFamily="50" charset="-128"/>
               </a:rPr>
               <a:t>作品名</a:t>
             </a:r>
             <a:r>
               <a:rPr kumimoji="1" lang="en-US" altLang="ja-JP" sz="2000" dirty="0">
-                <a:latin typeface="BIZ UDPゴシック" panose="020B0400000000000000" pitchFamily="50" charset="-128"/>
-                <a:ea typeface="BIZ UDPゴシック" panose="020B0400000000000000" pitchFamily="50" charset="-128"/>
-              </a:rPr>
-              <a:t>			Don’t Fall</a:t>
-            </a:r>
-          </a:p>
-          <a:p>
-            <a:r>
-              <a:rPr kumimoji="1" lang="ja-JP" altLang="en-US" sz="2000" dirty="0">
-                <a:latin typeface="BIZ UDPゴシック" panose="020B0400000000000000" pitchFamily="50" charset="-128"/>
-                <a:ea typeface="BIZ UDPゴシック" panose="020B0400000000000000" pitchFamily="50" charset="-128"/>
+                <a:latin typeface="メイリオ" panose="020B0604030504040204" pitchFamily="50" charset="-128"/>
+                <a:ea typeface="メイリオ" panose="020B0604030504040204" pitchFamily="50" charset="-128"/>
+              </a:rPr>
+              <a:t>		MFM</a:t>
+            </a:r>
+          </a:p>
+          <a:p>
+            <a:r>
+              <a:rPr kumimoji="1" lang="ja-JP" altLang="en-US" sz="2000" dirty="0">
+                <a:latin typeface="メイリオ" panose="020B0604030504040204" pitchFamily="50" charset="-128"/>
+                <a:ea typeface="メイリオ" panose="020B0604030504040204" pitchFamily="50" charset="-128"/>
               </a:rPr>
               <a:t>ジャンル</a:t>
             </a:r>
             <a:r>
               <a:rPr kumimoji="1" lang="en-US" altLang="ja-JP" sz="2000" dirty="0">
-                <a:latin typeface="BIZ UDPゴシック" panose="020B0400000000000000" pitchFamily="50" charset="-128"/>
-                <a:ea typeface="BIZ UDPゴシック" panose="020B0400000000000000" pitchFamily="50" charset="-128"/>
-              </a:rPr>
-              <a:t>		3D</a:t>
-            </a:r>
-            <a:r>
-              <a:rPr kumimoji="1" lang="ja-JP" altLang="en-US" sz="2000" dirty="0">
-                <a:latin typeface="BIZ UDPゴシック" panose="020B0400000000000000" pitchFamily="50" charset="-128"/>
-                <a:ea typeface="BIZ UDPゴシック" panose="020B0400000000000000" pitchFamily="50" charset="-128"/>
-              </a:rPr>
-              <a:t>アクションゲーム</a:t>
+                <a:latin typeface="メイリオ" panose="020B0604030504040204" pitchFamily="50" charset="-128"/>
+                <a:ea typeface="メイリオ" panose="020B0604030504040204" pitchFamily="50" charset="-128"/>
+              </a:rPr>
+              <a:t>	2D</a:t>
+            </a:r>
+            <a:r>
+              <a:rPr kumimoji="1" lang="ja-JP" altLang="en-US" sz="2000" dirty="0">
+                <a:latin typeface="メイリオ" panose="020B0604030504040204" pitchFamily="50" charset="-128"/>
+                <a:ea typeface="メイリオ" panose="020B0604030504040204" pitchFamily="50" charset="-128"/>
+              </a:rPr>
+              <a:t>格闘ゲーム</a:t>
             </a:r>
             <a:endParaRPr kumimoji="1" lang="en-US" altLang="ja-JP" sz="2000" dirty="0">
-              <a:latin typeface="BIZ UDPゴシック" panose="020B0400000000000000" pitchFamily="50" charset="-128"/>
-              <a:ea typeface="BIZ UDPゴシック" panose="020B0400000000000000" pitchFamily="50" charset="-128"/>
+              <a:latin typeface="メイリオ" panose="020B0604030504040204" pitchFamily="50" charset="-128"/>
+              <a:ea typeface="メイリオ" panose="020B0604030504040204" pitchFamily="50" charset="-128"/>
             </a:endParaRPr>
           </a:p>
           <a:p>
             <a:r>
               <a:rPr kumimoji="1" lang="ja-JP" altLang="en-US" sz="2000" dirty="0">
-                <a:latin typeface="BIZ UDPゴシック" panose="020B0400000000000000" pitchFamily="50" charset="-128"/>
-                <a:ea typeface="BIZ UDPゴシック" panose="020B0400000000000000" pitchFamily="50" charset="-128"/>
+                <a:latin typeface="メイリオ" panose="020B0604030504040204" pitchFamily="50" charset="-128"/>
+                <a:ea typeface="メイリオ" panose="020B0604030504040204" pitchFamily="50" charset="-128"/>
               </a:rPr>
               <a:t>製作期間</a:t>
             </a:r>
             <a:r>
               <a:rPr kumimoji="1" lang="en-US" altLang="ja-JP" sz="2000" dirty="0">
-                <a:latin typeface="BIZ UDPゴシック" panose="020B0400000000000000" pitchFamily="50" charset="-128"/>
-                <a:ea typeface="BIZ UDPゴシック" panose="020B0400000000000000" pitchFamily="50" charset="-128"/>
-              </a:rPr>
-              <a:t>		06/12</a:t>
-            </a:r>
-            <a:r>
-              <a:rPr kumimoji="1" lang="ja-JP" altLang="en-US" sz="2000" dirty="0">
-                <a:latin typeface="BIZ UDPゴシック" panose="020B0400000000000000" pitchFamily="50" charset="-128"/>
-                <a:ea typeface="BIZ UDPゴシック" panose="020B0400000000000000" pitchFamily="50" charset="-128"/>
+                <a:latin typeface="メイリオ" panose="020B0604030504040204" pitchFamily="50" charset="-128"/>
+                <a:ea typeface="メイリオ" panose="020B0604030504040204" pitchFamily="50" charset="-128"/>
+              </a:rPr>
+              <a:t>	2023/04/17</a:t>
+            </a:r>
+            <a:r>
+              <a:rPr kumimoji="1" lang="ja-JP" altLang="en-US" sz="2000" dirty="0">
+                <a:latin typeface="メイリオ" panose="020B0604030504040204" pitchFamily="50" charset="-128"/>
+                <a:ea typeface="メイリオ" panose="020B0604030504040204" pitchFamily="50" charset="-128"/>
               </a:rPr>
               <a:t>～</a:t>
             </a:r>
             <a:r>
               <a:rPr kumimoji="1" lang="en-US" altLang="ja-JP" sz="2000" dirty="0">
-                <a:latin typeface="BIZ UDPゴシック" panose="020B0400000000000000" pitchFamily="50" charset="-128"/>
-                <a:ea typeface="BIZ UDPゴシック" panose="020B0400000000000000" pitchFamily="50" charset="-128"/>
-              </a:rPr>
-              <a:t>08/11</a:t>
-            </a:r>
-          </a:p>
-          <a:p>
-            <a:r>
-              <a:rPr kumimoji="1" lang="ja-JP" altLang="en-US" sz="2000" dirty="0">
-                <a:latin typeface="BIZ UDPゴシック" panose="020B0400000000000000" pitchFamily="50" charset="-128"/>
-                <a:ea typeface="BIZ UDPゴシック" panose="020B0400000000000000" pitchFamily="50" charset="-128"/>
+                <a:latin typeface="メイリオ" panose="020B0604030504040204" pitchFamily="50" charset="-128"/>
+                <a:ea typeface="メイリオ" panose="020B0604030504040204" pitchFamily="50" charset="-128"/>
+              </a:rPr>
+              <a:t>2023/06/09</a:t>
+            </a:r>
+          </a:p>
+          <a:p>
+            <a:r>
+              <a:rPr kumimoji="1" lang="ja-JP" altLang="en-US" sz="2000" dirty="0">
+                <a:latin typeface="メイリオ" panose="020B0604030504040204" pitchFamily="50" charset="-128"/>
+                <a:ea typeface="メイリオ" panose="020B0604030504040204" pitchFamily="50" charset="-128"/>
               </a:rPr>
               <a:t>制作環境</a:t>
             </a:r>
             <a:r>
               <a:rPr kumimoji="1" lang="en-US" altLang="ja-JP" sz="2000" dirty="0">
-                <a:latin typeface="BIZ UDPゴシック" panose="020B0400000000000000" pitchFamily="50" charset="-128"/>
-                <a:ea typeface="BIZ UDPゴシック" panose="020B0400000000000000" pitchFamily="50" charset="-128"/>
-              </a:rPr>
-              <a:t>		C++/DX</a:t>
-            </a:r>
-            <a:r>
-              <a:rPr kumimoji="1" lang="ja-JP" altLang="en-US" sz="2000" dirty="0">
-                <a:latin typeface="BIZ UDPゴシック" panose="020B0400000000000000" pitchFamily="50" charset="-128"/>
-                <a:ea typeface="BIZ UDPゴシック" panose="020B0400000000000000" pitchFamily="50" charset="-128"/>
+                <a:latin typeface="メイリオ" panose="020B0604030504040204" pitchFamily="50" charset="-128"/>
+                <a:ea typeface="メイリオ" panose="020B0604030504040204" pitchFamily="50" charset="-128"/>
+              </a:rPr>
+              <a:t>	DX</a:t>
+            </a:r>
+            <a:r>
+              <a:rPr kumimoji="1" lang="ja-JP" altLang="en-US" sz="2000" dirty="0">
+                <a:latin typeface="メイリオ" panose="020B0604030504040204" pitchFamily="50" charset="-128"/>
+                <a:ea typeface="メイリオ" panose="020B0604030504040204" pitchFamily="50" charset="-128"/>
               </a:rPr>
               <a:t>ライブラリ</a:t>
             </a:r>
+            <a:r>
+              <a:rPr kumimoji="1" lang="en-US" altLang="ja-JP" sz="2000" dirty="0">
+                <a:latin typeface="メイリオ" panose="020B0604030504040204" pitchFamily="50" charset="-128"/>
+                <a:ea typeface="メイリオ" panose="020B0604030504040204" pitchFamily="50" charset="-128"/>
+              </a:rPr>
+              <a:t>/C++</a:t>
+            </a:r>
+          </a:p>
+          <a:p>
+            <a:r>
+              <a:rPr kumimoji="1" lang="ja-JP" altLang="en-US" sz="2000" dirty="0">
+                <a:latin typeface="メイリオ" panose="020B0604030504040204" pitchFamily="50" charset="-128"/>
+                <a:ea typeface="メイリオ" panose="020B0604030504040204" pitchFamily="50" charset="-128"/>
+              </a:rPr>
+              <a:t>対応機種</a:t>
+            </a:r>
+            <a:r>
+              <a:rPr kumimoji="1" lang="en-US" altLang="ja-JP" sz="2000" dirty="0">
+                <a:latin typeface="メイリオ" panose="020B0604030504040204" pitchFamily="50" charset="-128"/>
+                <a:ea typeface="メイリオ" panose="020B0604030504040204" pitchFamily="50" charset="-128"/>
+              </a:rPr>
+              <a:t>	Windows</a:t>
+            </a:r>
+          </a:p>
+          <a:p>
+            <a:r>
+              <a:rPr kumimoji="1" lang="ja-JP" altLang="en-US" sz="2000" dirty="0">
+                <a:latin typeface="メイリオ" panose="020B0604030504040204" pitchFamily="50" charset="-128"/>
+                <a:ea typeface="メイリオ" panose="020B0604030504040204" pitchFamily="50" charset="-128"/>
+              </a:rPr>
+              <a:t>担当</a:t>
+            </a:r>
+            <a:r>
+              <a:rPr kumimoji="1" lang="en-US" altLang="ja-JP" sz="2000" dirty="0">
+                <a:latin typeface="メイリオ" panose="020B0604030504040204" pitchFamily="50" charset="-128"/>
+                <a:ea typeface="メイリオ" panose="020B0604030504040204" pitchFamily="50" charset="-128"/>
+              </a:rPr>
+              <a:t>		</a:t>
+            </a:r>
+            <a:r>
+              <a:rPr kumimoji="1" lang="ja-JP" altLang="en-US" sz="2000" dirty="0">
+                <a:latin typeface="メイリオ" panose="020B0604030504040204" pitchFamily="50" charset="-128"/>
+                <a:ea typeface="メイリオ" panose="020B0604030504040204" pitchFamily="50" charset="-128"/>
+              </a:rPr>
+              <a:t>プログラムチーフ、バージョン管理、</a:t>
+            </a:r>
             <a:endParaRPr kumimoji="1" lang="en-US" altLang="ja-JP" sz="2000" dirty="0">
-              <a:latin typeface="BIZ UDPゴシック" panose="020B0400000000000000" pitchFamily="50" charset="-128"/>
-              <a:ea typeface="BIZ UDPゴシック" panose="020B0400000000000000" pitchFamily="50" charset="-128"/>
+              <a:latin typeface="メイリオ" panose="020B0604030504040204" pitchFamily="50" charset="-128"/>
+              <a:ea typeface="メイリオ" panose="020B0604030504040204" pitchFamily="50" charset="-128"/>
             </a:endParaRPr>
           </a:p>
           <a:p>
             <a:r>
-              <a:rPr kumimoji="1" lang="ja-JP" altLang="en-US" sz="2000" dirty="0">
-                <a:latin typeface="BIZ UDPゴシック" panose="020B0400000000000000" pitchFamily="50" charset="-128"/>
-                <a:ea typeface="BIZ UDPゴシック" panose="020B0400000000000000" pitchFamily="50" charset="-128"/>
-              </a:rPr>
-              <a:t>対応機種</a:t>
-            </a:r>
-            <a:r>
               <a:rPr kumimoji="1" lang="en-US" altLang="ja-JP" sz="2000" dirty="0">
-                <a:latin typeface="BIZ UDPゴシック" panose="020B0400000000000000" pitchFamily="50" charset="-128"/>
-                <a:ea typeface="BIZ UDPゴシック" panose="020B0400000000000000" pitchFamily="50" charset="-128"/>
-              </a:rPr>
-              <a:t>		Windows</a:t>
-            </a:r>
-          </a:p>
-          <a:p>
-            <a:r>
-              <a:rPr kumimoji="1" lang="ja-JP" altLang="en-US" sz="2000" dirty="0">
-                <a:latin typeface="BIZ UDPゴシック" panose="020B0400000000000000" pitchFamily="50" charset="-128"/>
-                <a:ea typeface="BIZ UDPゴシック" panose="020B0400000000000000" pitchFamily="50" charset="-128"/>
-              </a:rPr>
-              <a:t>担当</a:t>
-            </a:r>
-            <a:r>
-              <a:rPr kumimoji="1" lang="en-US" altLang="ja-JP" sz="2000" dirty="0">
-                <a:latin typeface="BIZ UDPゴシック" panose="020B0400000000000000" pitchFamily="50" charset="-128"/>
-                <a:ea typeface="BIZ UDPゴシック" panose="020B0400000000000000" pitchFamily="50" charset="-128"/>
+                <a:latin typeface="メイリオ" panose="020B0604030504040204" pitchFamily="50" charset="-128"/>
+                <a:ea typeface="メイリオ" panose="020B0604030504040204" pitchFamily="50" charset="-128"/>
               </a:rPr>
               <a:t>			</a:t>
             </a:r>
             <a:r>
               <a:rPr kumimoji="1" lang="ja-JP" altLang="en-US" sz="2000" dirty="0">
-                <a:latin typeface="BIZ UDPゴシック" panose="020B0400000000000000" pitchFamily="50" charset="-128"/>
-                <a:ea typeface="BIZ UDPゴシック" panose="020B0400000000000000" pitchFamily="50" charset="-128"/>
-              </a:rPr>
-              <a:t>背景と</a:t>
-            </a:r>
-            <a:r>
-              <a:rPr kumimoji="1" lang="en-US" altLang="ja-JP" sz="2000" dirty="0">
-                <a:latin typeface="BIZ UDPゴシック" panose="020B0400000000000000" pitchFamily="50" charset="-128"/>
-                <a:ea typeface="BIZ UDPゴシック" panose="020B0400000000000000" pitchFamily="50" charset="-128"/>
-              </a:rPr>
-              <a:t>3D</a:t>
-            </a:r>
-            <a:r>
-              <a:rPr kumimoji="1" lang="ja-JP" altLang="en-US" sz="2000" dirty="0">
-                <a:latin typeface="BIZ UDPゴシック" panose="020B0400000000000000" pitchFamily="50" charset="-128"/>
-                <a:ea typeface="BIZ UDPゴシック" panose="020B0400000000000000" pitchFamily="50" charset="-128"/>
-              </a:rPr>
-              <a:t>モデル以外</a:t>
+                <a:latin typeface="メイリオ" panose="020B0604030504040204" pitchFamily="50" charset="-128"/>
+                <a:ea typeface="メイリオ" panose="020B0604030504040204" pitchFamily="50" charset="-128"/>
+              </a:rPr>
+              <a:t>一体のプレイヤーの作成</a:t>
             </a:r>
             <a:endParaRPr kumimoji="1" lang="en-US" altLang="ja-JP" sz="2000" dirty="0">
-              <a:latin typeface="BIZ UDPゴシック" panose="020B0400000000000000" pitchFamily="50" charset="-128"/>
-              <a:ea typeface="BIZ UDPゴシック" panose="020B0400000000000000" pitchFamily="50" charset="-128"/>
+              <a:latin typeface="メイリオ" panose="020B0604030504040204" pitchFamily="50" charset="-128"/>
+              <a:ea typeface="メイリオ" panose="020B0604030504040204" pitchFamily="50" charset="-128"/>
             </a:endParaRPr>
           </a:p>
           <a:p>
             <a:endParaRPr kumimoji="1" lang="en-US" altLang="ja-JP" sz="2000" dirty="0">
-              <a:latin typeface="BIZ UDPゴシック" panose="020B0400000000000000" pitchFamily="50" charset="-128"/>
-              <a:ea typeface="BIZ UDPゴシック" panose="020B0400000000000000" pitchFamily="50" charset="-128"/>
+              <a:latin typeface="メイリオ" panose="020B0604030504040204" pitchFamily="50" charset="-128"/>
+              <a:ea typeface="メイリオ" panose="020B0604030504040204" pitchFamily="50" charset="-128"/>
             </a:endParaRPr>
           </a:p>
           <a:p>
             <a:r>
               <a:rPr kumimoji="1" lang="ja-JP" altLang="en-US" sz="2000" dirty="0">
-                <a:latin typeface="BIZ UDPゴシック" panose="020B0400000000000000" pitchFamily="50" charset="-128"/>
-                <a:ea typeface="BIZ UDPゴシック" panose="020B0400000000000000" pitchFamily="50" charset="-128"/>
-              </a:rPr>
-              <a:t>アピールポイント</a:t>
+                <a:latin typeface="メイリオ" panose="020B0604030504040204" pitchFamily="50" charset="-128"/>
+                <a:ea typeface="メイリオ" panose="020B0604030504040204" pitchFamily="50" charset="-128"/>
+              </a:rPr>
+              <a:t>目的、学んだこと</a:t>
             </a:r>
             <a:endParaRPr kumimoji="1" lang="en-US" altLang="ja-JP" sz="2000" dirty="0">
-              <a:latin typeface="BIZ UDPゴシック" panose="020B0400000000000000" pitchFamily="50" charset="-128"/>
-              <a:ea typeface="BIZ UDPゴシック" panose="020B0400000000000000" pitchFamily="50" charset="-128"/>
+              <a:latin typeface="メイリオ" panose="020B0604030504040204" pitchFamily="50" charset="-128"/>
+              <a:ea typeface="メイリオ" panose="020B0604030504040204" pitchFamily="50" charset="-128"/>
             </a:endParaRPr>
           </a:p>
           <a:p>
             <a:r>
-              <a:rPr kumimoji="1" lang="en-US" altLang="ja-JP" sz="2000" dirty="0">
-                <a:latin typeface="BIZ UDPゴシック" panose="020B0400000000000000" pitchFamily="50" charset="-128"/>
-                <a:ea typeface="BIZ UDPゴシック" panose="020B0400000000000000" pitchFamily="50" charset="-128"/>
-              </a:rPr>
-              <a:t>3D</a:t>
-            </a:r>
-            <a:r>
-              <a:rPr kumimoji="1" lang="ja-JP" altLang="en-US" sz="2000" dirty="0">
-                <a:latin typeface="BIZ UDPゴシック" panose="020B0400000000000000" pitchFamily="50" charset="-128"/>
-                <a:ea typeface="BIZ UDPゴシック" panose="020B0400000000000000" pitchFamily="50" charset="-128"/>
-              </a:rPr>
-              <a:t>ゲーム制作の基礎知識</a:t>
+              <a:rPr kumimoji="1" lang="ja-JP" altLang="en-US" sz="2000" dirty="0">
+                <a:latin typeface="メイリオ" panose="020B0604030504040204" pitchFamily="50" charset="-128"/>
+                <a:ea typeface="メイリオ" panose="020B0604030504040204" pitchFamily="50" charset="-128"/>
+              </a:rPr>
+              <a:t>チーム制作の基礎知識</a:t>
             </a:r>
             <a:endParaRPr kumimoji="1" lang="en-US" altLang="ja-JP" sz="2000" dirty="0">
-              <a:latin typeface="BIZ UDPゴシック" panose="020B0400000000000000" pitchFamily="50" charset="-128"/>
-              <a:ea typeface="BIZ UDPゴシック" panose="020B0400000000000000" pitchFamily="50" charset="-128"/>
+              <a:latin typeface="メイリオ" panose="020B0604030504040204" pitchFamily="50" charset="-128"/>
+              <a:ea typeface="メイリオ" panose="020B0604030504040204" pitchFamily="50" charset="-128"/>
             </a:endParaRPr>
           </a:p>
-        </p:txBody>
-      </p:sp>
-      <p:sp>
-        <p:nvSpPr>
-          <p:cNvPr id="8" name="テキスト ボックス 7">
+          <a:p>
+            <a:r>
+              <a:rPr kumimoji="1" lang="en-US" altLang="ja-JP" sz="2000" dirty="0" err="1">
+                <a:latin typeface="メイリオ" panose="020B0604030504040204" pitchFamily="50" charset="-128"/>
+                <a:ea typeface="メイリオ" panose="020B0604030504040204" pitchFamily="50" charset="-128"/>
+              </a:rPr>
+              <a:t>GitHubDesktop</a:t>
+            </a:r>
+            <a:r>
+              <a:rPr kumimoji="1" lang="ja-JP" altLang="en-US" sz="2000" dirty="0">
+                <a:latin typeface="メイリオ" panose="020B0604030504040204" pitchFamily="50" charset="-128"/>
+                <a:ea typeface="メイリオ" panose="020B0604030504040204" pitchFamily="50" charset="-128"/>
+              </a:rPr>
+              <a:t>の知識</a:t>
+            </a:r>
+            <a:endParaRPr kumimoji="1" lang="en-US" altLang="ja-JP" sz="2000" dirty="0">
+              <a:latin typeface="メイリオ" panose="020B0604030504040204" pitchFamily="50" charset="-128"/>
+              <a:ea typeface="メイリオ" panose="020B0604030504040204" pitchFamily="50" charset="-128"/>
+            </a:endParaRPr>
+          </a:p>
+        </p:txBody>
+      </p:sp>
+      <p:sp>
+        <p:nvSpPr>
+          <p:cNvPr id="9" name="テキスト ボックス 8">
             <a:extLst>
               <a:ext uri="{FF2B5EF4-FFF2-40B4-BE49-F238E27FC236}">
-                <a16:creationId xmlns:a16="http://schemas.microsoft.com/office/drawing/2014/main" id="{0729269A-5B57-4CB7-B90E-B37A8F1C61E1}"/>
+                <a16:creationId xmlns:a16="http://schemas.microsoft.com/office/drawing/2014/main" id="{F7549F22-EC0F-4EAF-BE5B-CAA4FFF91E33}"/>
               </a:ext>
             </a:extLst>
           </p:cNvPr>
@@ -4317,8 +4321,8 @@
         </p:nvSpPr>
         <p:spPr>
           <a:xfrm>
-            <a:off x="4530088" y="5427851"/>
-            <a:ext cx="2031325" cy="1200329"/>
+            <a:off x="4530088" y="4174280"/>
+            <a:ext cx="4826962" cy="3170099"/>
           </a:xfrm>
           <a:prstGeom prst="rect">
             <a:avLst/>
@@ -4332,38 +4336,212 @@
           <a:lstStyle/>
           <a:p>
             <a:r>
-              <a:rPr kumimoji="1" lang="ja-JP" altLang="en-US" dirty="0"/>
+              <a:rPr kumimoji="1" lang="ja-JP" altLang="en-US" sz="2000" dirty="0">
+                <a:latin typeface="メイリオ" panose="020B0604030504040204" pitchFamily="50" charset="-128"/>
+                <a:ea typeface="メイリオ" panose="020B0604030504040204" pitchFamily="50" charset="-128"/>
+              </a:rPr>
               <a:t>作品名</a:t>
             </a:r>
-            <a:endParaRPr kumimoji="1" lang="en-US" altLang="ja-JP" dirty="0"/>
-          </a:p>
-          <a:p>
-            <a:r>
-              <a:rPr kumimoji="1" lang="ja-JP" altLang="en-US" dirty="0"/>
+            <a:r>
+              <a:rPr kumimoji="1" lang="en-US" altLang="ja-JP" sz="2000" dirty="0">
+                <a:latin typeface="メイリオ" panose="020B0604030504040204" pitchFamily="50" charset="-128"/>
+                <a:ea typeface="メイリオ" panose="020B0604030504040204" pitchFamily="50" charset="-128"/>
+              </a:rPr>
+              <a:t>		</a:t>
+            </a:r>
+            <a:r>
+              <a:rPr kumimoji="1" lang="en-US" altLang="ja-JP" sz="2000" dirty="0" err="1">
+                <a:latin typeface="メイリオ" panose="020B0604030504040204" pitchFamily="50" charset="-128"/>
+                <a:ea typeface="メイリオ" panose="020B0604030504040204" pitchFamily="50" charset="-128"/>
+              </a:rPr>
+              <a:t>JumpLabyrinth</a:t>
+            </a:r>
+            <a:endParaRPr kumimoji="1" lang="en-US" altLang="ja-JP" sz="2000" dirty="0">
+              <a:latin typeface="メイリオ" panose="020B0604030504040204" pitchFamily="50" charset="-128"/>
+              <a:ea typeface="メイリオ" panose="020B0604030504040204" pitchFamily="50" charset="-128"/>
+            </a:endParaRPr>
+          </a:p>
+          <a:p>
+            <a:r>
+              <a:rPr kumimoji="1" lang="ja-JP" altLang="en-US" sz="2000" dirty="0">
+                <a:latin typeface="メイリオ" panose="020B0604030504040204" pitchFamily="50" charset="-128"/>
+                <a:ea typeface="メイリオ" panose="020B0604030504040204" pitchFamily="50" charset="-128"/>
+              </a:rPr>
+              <a:t>ジャンル</a:t>
+            </a:r>
+            <a:r>
+              <a:rPr kumimoji="1" lang="en-US" altLang="ja-JP" sz="2000" dirty="0">
+                <a:latin typeface="メイリオ" panose="020B0604030504040204" pitchFamily="50" charset="-128"/>
+                <a:ea typeface="メイリオ" panose="020B0604030504040204" pitchFamily="50" charset="-128"/>
+              </a:rPr>
+              <a:t>	2D</a:t>
+            </a:r>
+            <a:r>
+              <a:rPr kumimoji="1" lang="ja-JP" altLang="en-US" sz="2000" dirty="0">
+                <a:latin typeface="メイリオ" panose="020B0604030504040204" pitchFamily="50" charset="-128"/>
+                <a:ea typeface="メイリオ" panose="020B0604030504040204" pitchFamily="50" charset="-128"/>
+              </a:rPr>
+              <a:t>パズルゲーム</a:t>
+            </a:r>
+            <a:endParaRPr kumimoji="1" lang="en-US" altLang="ja-JP" sz="2000" dirty="0">
+              <a:latin typeface="メイリオ" panose="020B0604030504040204" pitchFamily="50" charset="-128"/>
+              <a:ea typeface="メイリオ" panose="020B0604030504040204" pitchFamily="50" charset="-128"/>
+            </a:endParaRPr>
+          </a:p>
+          <a:p>
+            <a:r>
+              <a:rPr kumimoji="1" lang="ja-JP" altLang="en-US" sz="2000" dirty="0">
+                <a:latin typeface="メイリオ" panose="020B0604030504040204" pitchFamily="50" charset="-128"/>
+                <a:ea typeface="メイリオ" panose="020B0604030504040204" pitchFamily="50" charset="-128"/>
+              </a:rPr>
               <a:t>製作期間</a:t>
             </a:r>
-            <a:endParaRPr kumimoji="1" lang="en-US" altLang="ja-JP" dirty="0"/>
-          </a:p>
-          <a:p>
-            <a:r>
-              <a:rPr kumimoji="1" lang="ja-JP" altLang="en-US" dirty="0"/>
+            <a:r>
+              <a:rPr kumimoji="1" lang="en-US" altLang="ja-JP" sz="2000" dirty="0">
+                <a:latin typeface="メイリオ" panose="020B0604030504040204" pitchFamily="50" charset="-128"/>
+                <a:ea typeface="メイリオ" panose="020B0604030504040204" pitchFamily="50" charset="-128"/>
+              </a:rPr>
+              <a:t>	2023/01/09</a:t>
+            </a:r>
+            <a:r>
+              <a:rPr kumimoji="1" lang="ja-JP" altLang="en-US" sz="2000" dirty="0">
+                <a:latin typeface="メイリオ" panose="020B0604030504040204" pitchFamily="50" charset="-128"/>
+                <a:ea typeface="メイリオ" panose="020B0604030504040204" pitchFamily="50" charset="-128"/>
+              </a:rPr>
+              <a:t>～</a:t>
+            </a:r>
+            <a:r>
+              <a:rPr kumimoji="1" lang="en-US" altLang="ja-JP" sz="2000" dirty="0">
+                <a:latin typeface="メイリオ" panose="020B0604030504040204" pitchFamily="50" charset="-128"/>
+                <a:ea typeface="メイリオ" panose="020B0604030504040204" pitchFamily="50" charset="-128"/>
+              </a:rPr>
+              <a:t>2023/03/17</a:t>
+            </a:r>
+          </a:p>
+          <a:p>
+            <a:r>
+              <a:rPr kumimoji="1" lang="ja-JP" altLang="en-US" sz="2000" dirty="0">
+                <a:latin typeface="メイリオ" panose="020B0604030504040204" pitchFamily="50" charset="-128"/>
+                <a:ea typeface="メイリオ" panose="020B0604030504040204" pitchFamily="50" charset="-128"/>
+              </a:rPr>
               <a:t>制作環境</a:t>
             </a:r>
-            <a:endParaRPr kumimoji="1" lang="en-US" altLang="ja-JP" dirty="0"/>
-          </a:p>
-          <a:p>
-            <a:r>
-              <a:rPr kumimoji="1" lang="ja-JP" altLang="en-US" dirty="0"/>
-              <a:t>アピールポイント</a:t>
-            </a:r>
-            <a:endParaRPr kumimoji="1" lang="en-US" altLang="ja-JP" dirty="0"/>
+            <a:r>
+              <a:rPr kumimoji="1" lang="en-US" altLang="ja-JP" sz="2000" dirty="0">
+                <a:latin typeface="メイリオ" panose="020B0604030504040204" pitchFamily="50" charset="-128"/>
+                <a:ea typeface="メイリオ" panose="020B0604030504040204" pitchFamily="50" charset="-128"/>
+              </a:rPr>
+              <a:t>	DX</a:t>
+            </a:r>
+            <a:r>
+              <a:rPr kumimoji="1" lang="ja-JP" altLang="en-US" sz="2000" dirty="0">
+                <a:latin typeface="メイリオ" panose="020B0604030504040204" pitchFamily="50" charset="-128"/>
+                <a:ea typeface="メイリオ" panose="020B0604030504040204" pitchFamily="50" charset="-128"/>
+              </a:rPr>
+              <a:t>ライブラリ</a:t>
+            </a:r>
+            <a:r>
+              <a:rPr kumimoji="1" lang="en-US" altLang="ja-JP" sz="2000" dirty="0">
+                <a:latin typeface="メイリオ" panose="020B0604030504040204" pitchFamily="50" charset="-128"/>
+                <a:ea typeface="メイリオ" panose="020B0604030504040204" pitchFamily="50" charset="-128"/>
+              </a:rPr>
+              <a:t>/C++</a:t>
+            </a:r>
+          </a:p>
+          <a:p>
+            <a:r>
+              <a:rPr kumimoji="1" lang="ja-JP" altLang="en-US" sz="2000" dirty="0">
+                <a:latin typeface="メイリオ" panose="020B0604030504040204" pitchFamily="50" charset="-128"/>
+                <a:ea typeface="メイリオ" panose="020B0604030504040204" pitchFamily="50" charset="-128"/>
+              </a:rPr>
+              <a:t>対応機種</a:t>
+            </a:r>
+            <a:r>
+              <a:rPr kumimoji="1" lang="en-US" altLang="ja-JP" sz="2000" dirty="0">
+                <a:latin typeface="メイリオ" panose="020B0604030504040204" pitchFamily="50" charset="-128"/>
+                <a:ea typeface="メイリオ" panose="020B0604030504040204" pitchFamily="50" charset="-128"/>
+              </a:rPr>
+              <a:t>	Windows</a:t>
+            </a:r>
+          </a:p>
+          <a:p>
+            <a:r>
+              <a:rPr kumimoji="1" lang="ja-JP" altLang="en-US" sz="2000" dirty="0">
+                <a:latin typeface="メイリオ" panose="020B0604030504040204" pitchFamily="50" charset="-128"/>
+                <a:ea typeface="メイリオ" panose="020B0604030504040204" pitchFamily="50" charset="-128"/>
+              </a:rPr>
+              <a:t>担当</a:t>
+            </a:r>
+            <a:r>
+              <a:rPr kumimoji="1" lang="en-US" altLang="ja-JP" sz="2000" dirty="0">
+                <a:latin typeface="メイリオ" panose="020B0604030504040204" pitchFamily="50" charset="-128"/>
+                <a:ea typeface="メイリオ" panose="020B0604030504040204" pitchFamily="50" charset="-128"/>
+              </a:rPr>
+              <a:t>		</a:t>
+            </a:r>
+            <a:r>
+              <a:rPr kumimoji="1" lang="ja-JP" altLang="en-US" sz="2000" dirty="0">
+                <a:latin typeface="メイリオ" panose="020B0604030504040204" pitchFamily="50" charset="-128"/>
+                <a:ea typeface="メイリオ" panose="020B0604030504040204" pitchFamily="50" charset="-128"/>
+              </a:rPr>
+              <a:t>グラフィック以外</a:t>
+            </a:r>
+            <a:endParaRPr kumimoji="1" lang="en-US" altLang="ja-JP" sz="2000" dirty="0">
+              <a:latin typeface="メイリオ" panose="020B0604030504040204" pitchFamily="50" charset="-128"/>
+              <a:ea typeface="メイリオ" panose="020B0604030504040204" pitchFamily="50" charset="-128"/>
+            </a:endParaRPr>
+          </a:p>
+          <a:p>
+            <a:endParaRPr kumimoji="1" lang="en-US" altLang="ja-JP" sz="2000" dirty="0">
+              <a:latin typeface="メイリオ" panose="020B0604030504040204" pitchFamily="50" charset="-128"/>
+              <a:ea typeface="メイリオ" panose="020B0604030504040204" pitchFamily="50" charset="-128"/>
+            </a:endParaRPr>
+          </a:p>
+          <a:p>
+            <a:r>
+              <a:rPr kumimoji="1" lang="ja-JP" altLang="en-US" sz="2000" dirty="0">
+                <a:latin typeface="メイリオ" panose="020B0604030504040204" pitchFamily="50" charset="-128"/>
+                <a:ea typeface="メイリオ" panose="020B0604030504040204" pitchFamily="50" charset="-128"/>
+              </a:rPr>
+              <a:t>目的、学んだこと</a:t>
+            </a:r>
+            <a:endParaRPr kumimoji="1" lang="en-US" altLang="ja-JP" sz="2000" dirty="0">
+              <a:latin typeface="メイリオ" panose="020B0604030504040204" pitchFamily="50" charset="-128"/>
+              <a:ea typeface="メイリオ" panose="020B0604030504040204" pitchFamily="50" charset="-128"/>
+            </a:endParaRPr>
+          </a:p>
+          <a:p>
+            <a:r>
+              <a:rPr kumimoji="1" lang="ja-JP" altLang="en-US" sz="2000" dirty="0">
+                <a:latin typeface="メイリオ" panose="020B0604030504040204" pitchFamily="50" charset="-128"/>
+                <a:ea typeface="メイリオ" panose="020B0604030504040204" pitchFamily="50" charset="-128"/>
+              </a:rPr>
+              <a:t>ゲームの制作の流れ</a:t>
+            </a:r>
+            <a:endParaRPr kumimoji="1" lang="en-US" altLang="ja-JP" sz="2000" dirty="0">
+              <a:latin typeface="メイリオ" panose="020B0604030504040204" pitchFamily="50" charset="-128"/>
+              <a:ea typeface="メイリオ" panose="020B0604030504040204" pitchFamily="50" charset="-128"/>
+            </a:endParaRPr>
+          </a:p>
+          <a:p>
+            <a:r>
+              <a:rPr kumimoji="1" lang="ja-JP" altLang="en-US" sz="2000" dirty="0">
+                <a:latin typeface="メイリオ" panose="020B0604030504040204" pitchFamily="50" charset="-128"/>
+                <a:ea typeface="メイリオ" panose="020B0604030504040204" pitchFamily="50" charset="-128"/>
+              </a:rPr>
+              <a:t>スケジュール管理</a:t>
+            </a:r>
+            <a:endParaRPr kumimoji="1" lang="en-US" altLang="ja-JP" sz="2000" dirty="0">
+              <a:latin typeface="メイリオ" panose="020B0604030504040204" pitchFamily="50" charset="-128"/>
+              <a:ea typeface="メイリオ" panose="020B0604030504040204" pitchFamily="50" charset="-128"/>
+            </a:endParaRPr>
           </a:p>
         </p:txBody>
       </p:sp>
     </p:spTree>
     <p:extLst>
       <p:ext uri="{BB962C8B-B14F-4D97-AF65-F5344CB8AC3E}">
-        <p14:creationId xmlns:p14="http://schemas.microsoft.com/office/powerpoint/2010/main" val="576450008"/>
+        <p14:creationId xmlns:p14="http://schemas.microsoft.com/office/powerpoint/2010/main" val="744134139"/>
       </p:ext>
     </p:extLst>
   </p:cSld>
@@ -4392,42 +4570,6 @@
       </p:grpSpPr>
       <p:sp>
         <p:nvSpPr>
-          <p:cNvPr id="2" name="テキスト ボックス 1">
-            <a:extLst>
-              <a:ext uri="{FF2B5EF4-FFF2-40B4-BE49-F238E27FC236}">
-                <a16:creationId xmlns:a16="http://schemas.microsoft.com/office/drawing/2014/main" id="{58890BA2-147B-4C3F-853F-D8DB86E09C0F}"/>
-              </a:ext>
-            </a:extLst>
-          </p:cNvPr>
-          <p:cNvSpPr txBox="1"/>
-          <p:nvPr/>
-        </p:nvSpPr>
-        <p:spPr>
-          <a:xfrm>
-            <a:off x="491490" y="411480"/>
-            <a:ext cx="1800493" cy="369332"/>
-          </a:xfrm>
-          <a:prstGeom prst="rect">
-            <a:avLst/>
-          </a:prstGeom>
-          <a:noFill/>
-        </p:spPr>
-        <p:txBody>
-          <a:bodyPr wrap="none" rtlCol="0">
-            <a:spAutoFit/>
-          </a:bodyPr>
-          <a:lstStyle/>
-          <a:p>
-            <a:r>
-              <a:rPr kumimoji="1" lang="ja-JP" altLang="en-US" dirty="0"/>
-              <a:t>ゲーム作品一覧</a:t>
-            </a:r>
-            <a:endParaRPr kumimoji="1" lang="en-US" altLang="ja-JP" dirty="0"/>
-          </a:p>
-        </p:txBody>
-      </p:sp>
-      <p:sp>
-        <p:nvSpPr>
           <p:cNvPr id="3" name="テキスト ボックス 2">
             <a:extLst>
               <a:ext uri="{FF2B5EF4-FFF2-40B4-BE49-F238E27FC236}">
@@ -4440,8 +4582,8 @@
         </p:nvSpPr>
         <p:spPr>
           <a:xfrm>
-            <a:off x="491489" y="906780"/>
-            <a:ext cx="1569660" cy="369332"/>
+            <a:off x="491489" y="362494"/>
+            <a:ext cx="1481496" cy="369332"/>
           </a:xfrm>
           <a:prstGeom prst="rect">
             <a:avLst/>
@@ -4455,10 +4597,19 @@
           <a:lstStyle/>
           <a:p>
             <a:r>
-              <a:rPr kumimoji="1" lang="ja-JP" altLang="en-US" dirty="0"/>
-              <a:t>ゲーム作品３</a:t>
-            </a:r>
-            <a:endParaRPr kumimoji="1" lang="en-US" altLang="ja-JP" dirty="0"/>
+              <a:rPr kumimoji="1" lang="ja-JP" altLang="en-US" dirty="0">
+                <a:latin typeface="メイリオ" panose="020B0604030504040204" pitchFamily="50" charset="-128"/>
+                <a:ea typeface="メイリオ" panose="020B0604030504040204" pitchFamily="50" charset="-128"/>
+              </a:rPr>
+              <a:t>ゲーム作品</a:t>
+            </a:r>
+            <a:r>
+              <a:rPr kumimoji="1" lang="en-US" altLang="ja-JP" dirty="0">
+                <a:latin typeface="メイリオ" panose="020B0604030504040204" pitchFamily="50" charset="-128"/>
+                <a:ea typeface="メイリオ" panose="020B0604030504040204" pitchFamily="50" charset="-128"/>
+              </a:rPr>
+              <a:t>5</a:t>
+            </a:r>
           </a:p>
         </p:txBody>
       </p:sp>
@@ -4476,8 +4627,8 @@
         </p:nvSpPr>
         <p:spPr>
           <a:xfrm>
-            <a:off x="491490" y="4533900"/>
-            <a:ext cx="1569660" cy="369332"/>
+            <a:off x="491490" y="3989614"/>
+            <a:ext cx="1481496" cy="369332"/>
           </a:xfrm>
           <a:prstGeom prst="rect">
             <a:avLst/>
@@ -4491,19 +4642,28 @@
           <a:lstStyle/>
           <a:p>
             <a:r>
-              <a:rPr kumimoji="1" lang="ja-JP" altLang="en-US" dirty="0"/>
-              <a:t>ゲーム作品４</a:t>
-            </a:r>
-            <a:endParaRPr kumimoji="1" lang="en-US" altLang="ja-JP" dirty="0"/>
-          </a:p>
-        </p:txBody>
-      </p:sp>
-      <p:sp>
-        <p:nvSpPr>
-          <p:cNvPr id="7" name="テキスト ボックス 6">
+              <a:rPr kumimoji="1" lang="ja-JP" altLang="en-US" dirty="0">
+                <a:latin typeface="メイリオ" panose="020B0604030504040204" pitchFamily="50" charset="-128"/>
+                <a:ea typeface="メイリオ" panose="020B0604030504040204" pitchFamily="50" charset="-128"/>
+              </a:rPr>
+              <a:t>ゲーム作品</a:t>
+            </a:r>
+            <a:r>
+              <a:rPr kumimoji="1" lang="en-US" altLang="ja-JP" dirty="0">
+                <a:latin typeface="メイリオ" panose="020B0604030504040204" pitchFamily="50" charset="-128"/>
+                <a:ea typeface="メイリオ" panose="020B0604030504040204" pitchFamily="50" charset="-128"/>
+              </a:rPr>
+              <a:t>6</a:t>
+            </a:r>
+          </a:p>
+        </p:txBody>
+      </p:sp>
+      <p:sp>
+        <p:nvSpPr>
+          <p:cNvPr id="5" name="テキスト ボックス 4">
             <a:extLst>
               <a:ext uri="{FF2B5EF4-FFF2-40B4-BE49-F238E27FC236}">
-                <a16:creationId xmlns:a16="http://schemas.microsoft.com/office/drawing/2014/main" id="{DC8DAFEB-50C0-4315-9AC6-62DA011E7C2F}"/>
+                <a16:creationId xmlns:a16="http://schemas.microsoft.com/office/drawing/2014/main" id="{E9CF6073-1E8B-4106-A9B1-5E6450D659D8}"/>
               </a:ext>
             </a:extLst>
           </p:cNvPr>
@@ -4512,7 +4672,7 @@
         </p:nvSpPr>
         <p:spPr>
           <a:xfrm>
-            <a:off x="582929" y="2181731"/>
+            <a:off x="582929" y="1637445"/>
             <a:ext cx="2526031" cy="1446550"/>
           </a:xfrm>
           <a:prstGeom prst="rect">
@@ -4536,10 +4696,10 @@
       </p:sp>
       <p:sp>
         <p:nvSpPr>
-          <p:cNvPr id="8" name="テキスト ボックス 7">
+          <p:cNvPr id="6" name="テキスト ボックス 5">
             <a:extLst>
               <a:ext uri="{FF2B5EF4-FFF2-40B4-BE49-F238E27FC236}">
-                <a16:creationId xmlns:a16="http://schemas.microsoft.com/office/drawing/2014/main" id="{AE132045-6FEE-48A5-9747-4F5491DDB9BE}"/>
+                <a16:creationId xmlns:a16="http://schemas.microsoft.com/office/drawing/2014/main" id="{F6F2CD01-C918-428A-B6F0-1B665F589E83}"/>
               </a:ext>
             </a:extLst>
           </p:cNvPr>
@@ -4548,7 +4708,7 @@
         </p:nvSpPr>
         <p:spPr>
           <a:xfrm>
-            <a:off x="491489" y="5427851"/>
+            <a:off x="491489" y="4883565"/>
             <a:ext cx="2526031" cy="1446550"/>
           </a:xfrm>
           <a:prstGeom prst="rect">
@@ -4572,10 +4732,10 @@
       </p:sp>
       <p:sp>
         <p:nvSpPr>
-          <p:cNvPr id="9" name="テキスト ボックス 8">
+          <p:cNvPr id="7" name="テキスト ボックス 6">
             <a:extLst>
               <a:ext uri="{FF2B5EF4-FFF2-40B4-BE49-F238E27FC236}">
-                <a16:creationId xmlns:a16="http://schemas.microsoft.com/office/drawing/2014/main" id="{20448B1C-08E9-46DC-846B-A629F716AD9C}"/>
+                <a16:creationId xmlns:a16="http://schemas.microsoft.com/office/drawing/2014/main" id="{491CE403-E128-4CCF-8775-8749A0A20407}"/>
               </a:ext>
             </a:extLst>
           </p:cNvPr>
@@ -4584,8 +4744,8 @@
         </p:nvSpPr>
         <p:spPr>
           <a:xfrm>
-            <a:off x="4530089" y="2076450"/>
-            <a:ext cx="2031325" cy="1200329"/>
+            <a:off x="4530088" y="511739"/>
+            <a:ext cx="4834272" cy="2862322"/>
           </a:xfrm>
           <a:prstGeom prst="rect">
             <a:avLst/>
@@ -4599,40 +4759,208 @@
           <a:lstStyle/>
           <a:p>
             <a:r>
-              <a:rPr kumimoji="1" lang="ja-JP" altLang="en-US" dirty="0"/>
+              <a:rPr kumimoji="1" lang="ja-JP" altLang="en-US" sz="2000" dirty="0">
+                <a:latin typeface="メイリオ" panose="020B0604030504040204" pitchFamily="50" charset="-128"/>
+                <a:ea typeface="メイリオ" panose="020B0604030504040204" pitchFamily="50" charset="-128"/>
+              </a:rPr>
               <a:t>作品名</a:t>
             </a:r>
-            <a:endParaRPr kumimoji="1" lang="en-US" altLang="ja-JP" dirty="0"/>
-          </a:p>
-          <a:p>
-            <a:r>
-              <a:rPr kumimoji="1" lang="ja-JP" altLang="en-US" dirty="0"/>
+            <a:r>
+              <a:rPr kumimoji="1" lang="en-US" altLang="ja-JP" sz="2000" dirty="0">
+                <a:latin typeface="メイリオ" panose="020B0604030504040204" pitchFamily="50" charset="-128"/>
+                <a:ea typeface="メイリオ" panose="020B0604030504040204" pitchFamily="50" charset="-128"/>
+              </a:rPr>
+              <a:t>		</a:t>
+            </a:r>
+            <a:r>
+              <a:rPr kumimoji="1" lang="ja-JP" altLang="en-US" sz="2000" dirty="0">
+                <a:latin typeface="メイリオ" panose="020B0604030504040204" pitchFamily="50" charset="-128"/>
+                <a:ea typeface="メイリオ" panose="020B0604030504040204" pitchFamily="50" charset="-128"/>
+              </a:rPr>
+              <a:t>やつを撃て</a:t>
+            </a:r>
+            <a:endParaRPr kumimoji="1" lang="en-US" altLang="ja-JP" sz="2000" dirty="0">
+              <a:latin typeface="メイリオ" panose="020B0604030504040204" pitchFamily="50" charset="-128"/>
+              <a:ea typeface="メイリオ" panose="020B0604030504040204" pitchFamily="50" charset="-128"/>
+            </a:endParaRPr>
+          </a:p>
+          <a:p>
+            <a:r>
+              <a:rPr kumimoji="1" lang="ja-JP" altLang="en-US" sz="2000" dirty="0">
+                <a:latin typeface="メイリオ" panose="020B0604030504040204" pitchFamily="50" charset="-128"/>
+                <a:ea typeface="メイリオ" panose="020B0604030504040204" pitchFamily="50" charset="-128"/>
+              </a:rPr>
+              <a:t>ジャンル</a:t>
+            </a:r>
+            <a:r>
+              <a:rPr kumimoji="1" lang="en-US" altLang="ja-JP" sz="2000" dirty="0">
+                <a:latin typeface="メイリオ" panose="020B0604030504040204" pitchFamily="50" charset="-128"/>
+                <a:ea typeface="メイリオ" panose="020B0604030504040204" pitchFamily="50" charset="-128"/>
+              </a:rPr>
+              <a:t>	2D</a:t>
+            </a:r>
+            <a:r>
+              <a:rPr kumimoji="1" lang="ja-JP" altLang="en-US" sz="2000" dirty="0">
+                <a:latin typeface="メイリオ" panose="020B0604030504040204" pitchFamily="50" charset="-128"/>
+                <a:ea typeface="メイリオ" panose="020B0604030504040204" pitchFamily="50" charset="-128"/>
+              </a:rPr>
+              <a:t>シューティングゲーム</a:t>
+            </a:r>
+            <a:endParaRPr kumimoji="1" lang="en-US" altLang="ja-JP" sz="2000" dirty="0">
+              <a:latin typeface="メイリオ" panose="020B0604030504040204" pitchFamily="50" charset="-128"/>
+              <a:ea typeface="メイリオ" panose="020B0604030504040204" pitchFamily="50" charset="-128"/>
+            </a:endParaRPr>
+          </a:p>
+          <a:p>
+            <a:r>
+              <a:rPr kumimoji="1" lang="ja-JP" altLang="en-US" sz="2000" dirty="0">
+                <a:latin typeface="メイリオ" panose="020B0604030504040204" pitchFamily="50" charset="-128"/>
+                <a:ea typeface="メイリオ" panose="020B0604030504040204" pitchFamily="50" charset="-128"/>
+              </a:rPr>
               <a:t>製作期間</a:t>
             </a:r>
-            <a:endParaRPr kumimoji="1" lang="en-US" altLang="ja-JP" dirty="0"/>
-          </a:p>
-          <a:p>
-            <a:r>
-              <a:rPr kumimoji="1" lang="ja-JP" altLang="en-US" dirty="0"/>
+            <a:r>
+              <a:rPr kumimoji="1" lang="en-US" altLang="ja-JP" sz="2000" dirty="0">
+                <a:latin typeface="メイリオ" panose="020B0604030504040204" pitchFamily="50" charset="-128"/>
+                <a:ea typeface="メイリオ" panose="020B0604030504040204" pitchFamily="50" charset="-128"/>
+              </a:rPr>
+              <a:t>	2022/10/06</a:t>
+            </a:r>
+            <a:r>
+              <a:rPr kumimoji="1" lang="ja-JP" altLang="en-US" sz="2000" dirty="0">
+                <a:latin typeface="メイリオ" panose="020B0604030504040204" pitchFamily="50" charset="-128"/>
+                <a:ea typeface="メイリオ" panose="020B0604030504040204" pitchFamily="50" charset="-128"/>
+              </a:rPr>
+              <a:t>～</a:t>
+            </a:r>
+            <a:r>
+              <a:rPr kumimoji="1" lang="en-US" altLang="ja-JP" sz="2000" dirty="0">
+                <a:latin typeface="メイリオ" panose="020B0604030504040204" pitchFamily="50" charset="-128"/>
+                <a:ea typeface="メイリオ" panose="020B0604030504040204" pitchFamily="50" charset="-128"/>
+              </a:rPr>
+              <a:t>2022/11/09</a:t>
+            </a:r>
+          </a:p>
+          <a:p>
+            <a:r>
+              <a:rPr kumimoji="1" lang="ja-JP" altLang="en-US" sz="2000" dirty="0">
+                <a:latin typeface="メイリオ" panose="020B0604030504040204" pitchFamily="50" charset="-128"/>
+                <a:ea typeface="メイリオ" panose="020B0604030504040204" pitchFamily="50" charset="-128"/>
+              </a:rPr>
               <a:t>制作環境</a:t>
             </a:r>
-            <a:endParaRPr kumimoji="1" lang="en-US" altLang="ja-JP" dirty="0"/>
-          </a:p>
-          <a:p>
-            <a:r>
-              <a:rPr kumimoji="1" lang="ja-JP" altLang="en-US" dirty="0"/>
-              <a:t>アピールポイント</a:t>
-            </a:r>
-            <a:endParaRPr kumimoji="1" lang="en-US" altLang="ja-JP" dirty="0"/>
-          </a:p>
-        </p:txBody>
-      </p:sp>
-      <p:sp>
-        <p:nvSpPr>
-          <p:cNvPr id="10" name="テキスト ボックス 9">
+            <a:r>
+              <a:rPr kumimoji="1" lang="en-US" altLang="ja-JP" sz="2000" dirty="0">
+                <a:latin typeface="メイリオ" panose="020B0604030504040204" pitchFamily="50" charset="-128"/>
+                <a:ea typeface="メイリオ" panose="020B0604030504040204" pitchFamily="50" charset="-128"/>
+              </a:rPr>
+              <a:t>	DX</a:t>
+            </a:r>
+            <a:r>
+              <a:rPr kumimoji="1" lang="ja-JP" altLang="en-US" sz="2000" dirty="0">
+                <a:latin typeface="メイリオ" panose="020B0604030504040204" pitchFamily="50" charset="-128"/>
+                <a:ea typeface="メイリオ" panose="020B0604030504040204" pitchFamily="50" charset="-128"/>
+              </a:rPr>
+              <a:t>ライブラリ</a:t>
+            </a:r>
+            <a:r>
+              <a:rPr kumimoji="1" lang="en-US" altLang="ja-JP" sz="2000" dirty="0">
+                <a:latin typeface="メイリオ" panose="020B0604030504040204" pitchFamily="50" charset="-128"/>
+                <a:ea typeface="メイリオ" panose="020B0604030504040204" pitchFamily="50" charset="-128"/>
+              </a:rPr>
+              <a:t>/C++</a:t>
+            </a:r>
+          </a:p>
+          <a:p>
+            <a:r>
+              <a:rPr kumimoji="1" lang="ja-JP" altLang="en-US" sz="2000" dirty="0">
+                <a:latin typeface="メイリオ" panose="020B0604030504040204" pitchFamily="50" charset="-128"/>
+                <a:ea typeface="メイリオ" panose="020B0604030504040204" pitchFamily="50" charset="-128"/>
+              </a:rPr>
+              <a:t>対応機種</a:t>
+            </a:r>
+            <a:r>
+              <a:rPr kumimoji="1" lang="en-US" altLang="ja-JP" sz="2000" dirty="0">
+                <a:latin typeface="メイリオ" panose="020B0604030504040204" pitchFamily="50" charset="-128"/>
+                <a:ea typeface="メイリオ" panose="020B0604030504040204" pitchFamily="50" charset="-128"/>
+              </a:rPr>
+              <a:t>	Windows</a:t>
+            </a:r>
+          </a:p>
+          <a:p>
+            <a:r>
+              <a:rPr kumimoji="1" lang="ja-JP" altLang="en-US" sz="2000" dirty="0">
+                <a:latin typeface="メイリオ" panose="020B0604030504040204" pitchFamily="50" charset="-128"/>
+                <a:ea typeface="メイリオ" panose="020B0604030504040204" pitchFamily="50" charset="-128"/>
+              </a:rPr>
+              <a:t>担当</a:t>
+            </a:r>
+            <a:r>
+              <a:rPr kumimoji="1" lang="en-US" altLang="ja-JP" sz="2000" dirty="0">
+                <a:latin typeface="メイリオ" panose="020B0604030504040204" pitchFamily="50" charset="-128"/>
+                <a:ea typeface="メイリオ" panose="020B0604030504040204" pitchFamily="50" charset="-128"/>
+              </a:rPr>
+              <a:t>		</a:t>
+            </a:r>
+            <a:r>
+              <a:rPr kumimoji="1" lang="ja-JP" altLang="en-US" sz="2000" dirty="0">
+                <a:latin typeface="メイリオ" panose="020B0604030504040204" pitchFamily="50" charset="-128"/>
+                <a:ea typeface="メイリオ" panose="020B0604030504040204" pitchFamily="50" charset="-128"/>
+              </a:rPr>
+              <a:t>プログラム全般</a:t>
+            </a:r>
+            <a:endParaRPr kumimoji="1" lang="en-US" altLang="ja-JP" sz="2000" dirty="0">
+              <a:latin typeface="メイリオ" panose="020B0604030504040204" pitchFamily="50" charset="-128"/>
+              <a:ea typeface="メイリオ" panose="020B0604030504040204" pitchFamily="50" charset="-128"/>
+            </a:endParaRPr>
+          </a:p>
+          <a:p>
+            <a:endParaRPr kumimoji="1" lang="en-US" altLang="ja-JP" sz="2000" dirty="0">
+              <a:latin typeface="メイリオ" panose="020B0604030504040204" pitchFamily="50" charset="-128"/>
+              <a:ea typeface="メイリオ" panose="020B0604030504040204" pitchFamily="50" charset="-128"/>
+            </a:endParaRPr>
+          </a:p>
+          <a:p>
+            <a:r>
+              <a:rPr kumimoji="1" lang="ja-JP" altLang="en-US" sz="2000" dirty="0">
+                <a:latin typeface="メイリオ" panose="020B0604030504040204" pitchFamily="50" charset="-128"/>
+                <a:ea typeface="メイリオ" panose="020B0604030504040204" pitchFamily="50" charset="-128"/>
+              </a:rPr>
+              <a:t>目的、学んだこと</a:t>
+            </a:r>
+            <a:endParaRPr kumimoji="1" lang="en-US" altLang="ja-JP" sz="2000" dirty="0">
+              <a:latin typeface="メイリオ" panose="020B0604030504040204" pitchFamily="50" charset="-128"/>
+              <a:ea typeface="メイリオ" panose="020B0604030504040204" pitchFamily="50" charset="-128"/>
+            </a:endParaRPr>
+          </a:p>
+          <a:p>
+            <a:r>
+              <a:rPr kumimoji="1" lang="en-US" altLang="ja-JP" sz="2000" dirty="0">
+                <a:latin typeface="メイリオ" panose="020B0604030504040204" pitchFamily="50" charset="-128"/>
+                <a:ea typeface="メイリオ" panose="020B0604030504040204" pitchFamily="50" charset="-128"/>
+              </a:rPr>
+              <a:t>DX</a:t>
+            </a:r>
+            <a:r>
+              <a:rPr kumimoji="1" lang="ja-JP" altLang="en-US" sz="2000" dirty="0">
+                <a:latin typeface="メイリオ" panose="020B0604030504040204" pitchFamily="50" charset="-128"/>
+                <a:ea typeface="メイリオ" panose="020B0604030504040204" pitchFamily="50" charset="-128"/>
+              </a:rPr>
+              <a:t>ライブラリの基礎知識</a:t>
+            </a:r>
+            <a:endParaRPr kumimoji="1" lang="en-US" altLang="ja-JP" sz="2000" dirty="0">
+              <a:latin typeface="メイリオ" panose="020B0604030504040204" pitchFamily="50" charset="-128"/>
+              <a:ea typeface="メイリオ" panose="020B0604030504040204" pitchFamily="50" charset="-128"/>
+            </a:endParaRPr>
+          </a:p>
+        </p:txBody>
+      </p:sp>
+      <p:sp>
+        <p:nvSpPr>
+          <p:cNvPr id="9" name="テキスト ボックス 8">
             <a:extLst>
               <a:ext uri="{FF2B5EF4-FFF2-40B4-BE49-F238E27FC236}">
-                <a16:creationId xmlns:a16="http://schemas.microsoft.com/office/drawing/2014/main" id="{BFD0DAB4-6CCC-476F-9286-E5B048F3383C}"/>
+                <a16:creationId xmlns:a16="http://schemas.microsoft.com/office/drawing/2014/main" id="{F7549F22-EC0F-4EAF-BE5B-CAA4FFF91E33}"/>
               </a:ext>
             </a:extLst>
           </p:cNvPr>
@@ -4641,8 +4969,8 @@
         </p:nvSpPr>
         <p:spPr>
           <a:xfrm>
-            <a:off x="4530088" y="5427851"/>
-            <a:ext cx="2031325" cy="1200329"/>
+            <a:off x="4530088" y="4174280"/>
+            <a:ext cx="5160387" cy="3170099"/>
           </a:xfrm>
           <a:prstGeom prst="rect">
             <a:avLst/>
@@ -4656,38 +4984,205 @@
           <a:lstStyle/>
           <a:p>
             <a:r>
-              <a:rPr kumimoji="1" lang="ja-JP" altLang="en-US" dirty="0"/>
+              <a:rPr kumimoji="1" lang="ja-JP" altLang="en-US" sz="2000" dirty="0">
+                <a:latin typeface="メイリオ" panose="020B0604030504040204" pitchFamily="50" charset="-128"/>
+                <a:ea typeface="メイリオ" panose="020B0604030504040204" pitchFamily="50" charset="-128"/>
+              </a:rPr>
               <a:t>作品名</a:t>
             </a:r>
-            <a:endParaRPr kumimoji="1" lang="en-US" altLang="ja-JP" dirty="0"/>
-          </a:p>
-          <a:p>
-            <a:r>
-              <a:rPr kumimoji="1" lang="ja-JP" altLang="en-US" dirty="0"/>
+            <a:r>
+              <a:rPr kumimoji="1" lang="en-US" altLang="ja-JP" sz="2000" dirty="0">
+                <a:latin typeface="メイリオ" panose="020B0604030504040204" pitchFamily="50" charset="-128"/>
+                <a:ea typeface="メイリオ" panose="020B0604030504040204" pitchFamily="50" charset="-128"/>
+              </a:rPr>
+              <a:t>		</a:t>
+            </a:r>
+            <a:r>
+              <a:rPr kumimoji="1" lang="ja-JP" altLang="en-US" sz="2000" dirty="0">
+                <a:latin typeface="メイリオ" panose="020B0604030504040204" pitchFamily="50" charset="-128"/>
+                <a:ea typeface="メイリオ" panose="020B0604030504040204" pitchFamily="50" charset="-128"/>
+              </a:rPr>
+              <a:t>ブロックを壊せ</a:t>
+            </a:r>
+            <a:endParaRPr kumimoji="1" lang="en-US" altLang="ja-JP" sz="2000" dirty="0">
+              <a:latin typeface="メイリオ" panose="020B0604030504040204" pitchFamily="50" charset="-128"/>
+              <a:ea typeface="メイリオ" panose="020B0604030504040204" pitchFamily="50" charset="-128"/>
+            </a:endParaRPr>
+          </a:p>
+          <a:p>
+            <a:r>
+              <a:rPr kumimoji="1" lang="ja-JP" altLang="en-US" sz="2000" dirty="0">
+                <a:latin typeface="メイリオ" panose="020B0604030504040204" pitchFamily="50" charset="-128"/>
+                <a:ea typeface="メイリオ" panose="020B0604030504040204" pitchFamily="50" charset="-128"/>
+              </a:rPr>
+              <a:t>ジャンル</a:t>
+            </a:r>
+            <a:r>
+              <a:rPr kumimoji="1" lang="en-US" altLang="ja-JP" sz="2000" dirty="0">
+                <a:latin typeface="メイリオ" panose="020B0604030504040204" pitchFamily="50" charset="-128"/>
+                <a:ea typeface="メイリオ" panose="020B0604030504040204" pitchFamily="50" charset="-128"/>
+              </a:rPr>
+              <a:t>	</a:t>
+            </a:r>
+            <a:r>
+              <a:rPr kumimoji="1" lang="ja-JP" altLang="en-US" sz="2000" dirty="0">
+                <a:latin typeface="メイリオ" panose="020B0604030504040204" pitchFamily="50" charset="-128"/>
+                <a:ea typeface="メイリオ" panose="020B0604030504040204" pitchFamily="50" charset="-128"/>
+              </a:rPr>
+              <a:t>？</a:t>
+            </a:r>
+            <a:endParaRPr kumimoji="1" lang="en-US" altLang="ja-JP" sz="2000" dirty="0">
+              <a:latin typeface="メイリオ" panose="020B0604030504040204" pitchFamily="50" charset="-128"/>
+              <a:ea typeface="メイリオ" panose="020B0604030504040204" pitchFamily="50" charset="-128"/>
+            </a:endParaRPr>
+          </a:p>
+          <a:p>
+            <a:r>
+              <a:rPr kumimoji="1" lang="ja-JP" altLang="en-US" sz="2000" dirty="0">
+                <a:latin typeface="メイリオ" panose="020B0604030504040204" pitchFamily="50" charset="-128"/>
+                <a:ea typeface="メイリオ" panose="020B0604030504040204" pitchFamily="50" charset="-128"/>
+              </a:rPr>
               <a:t>製作期間</a:t>
             </a:r>
-            <a:endParaRPr kumimoji="1" lang="en-US" altLang="ja-JP" dirty="0"/>
-          </a:p>
-          <a:p>
-            <a:r>
-              <a:rPr kumimoji="1" lang="ja-JP" altLang="en-US" dirty="0"/>
+            <a:r>
+              <a:rPr kumimoji="1" lang="en-US" altLang="ja-JP" sz="2000" dirty="0">
+                <a:latin typeface="メイリオ" panose="020B0604030504040204" pitchFamily="50" charset="-128"/>
+                <a:ea typeface="メイリオ" panose="020B0604030504040204" pitchFamily="50" charset="-128"/>
+              </a:rPr>
+              <a:t>	2022/08/15</a:t>
+            </a:r>
+            <a:r>
+              <a:rPr kumimoji="1" lang="ja-JP" altLang="en-US" sz="2000" dirty="0">
+                <a:latin typeface="メイリオ" panose="020B0604030504040204" pitchFamily="50" charset="-128"/>
+                <a:ea typeface="メイリオ" panose="020B0604030504040204" pitchFamily="50" charset="-128"/>
+              </a:rPr>
+              <a:t>～</a:t>
+            </a:r>
+            <a:r>
+              <a:rPr kumimoji="1" lang="en-US" altLang="ja-JP" sz="2000" dirty="0">
+                <a:latin typeface="メイリオ" panose="020B0604030504040204" pitchFamily="50" charset="-128"/>
+                <a:ea typeface="メイリオ" panose="020B0604030504040204" pitchFamily="50" charset="-128"/>
+              </a:rPr>
+              <a:t>2022/08/31</a:t>
+            </a:r>
+          </a:p>
+          <a:p>
+            <a:r>
+              <a:rPr kumimoji="1" lang="ja-JP" altLang="en-US" sz="2000" dirty="0">
+                <a:latin typeface="メイリオ" panose="020B0604030504040204" pitchFamily="50" charset="-128"/>
+                <a:ea typeface="メイリオ" panose="020B0604030504040204" pitchFamily="50" charset="-128"/>
+              </a:rPr>
               <a:t>制作環境</a:t>
             </a:r>
-            <a:endParaRPr kumimoji="1" lang="en-US" altLang="ja-JP" dirty="0"/>
-          </a:p>
-          <a:p>
-            <a:r>
-              <a:rPr kumimoji="1" lang="ja-JP" altLang="en-US" dirty="0"/>
-              <a:t>アピールポイント</a:t>
-            </a:r>
-            <a:endParaRPr kumimoji="1" lang="en-US" altLang="ja-JP" dirty="0"/>
+            <a:r>
+              <a:rPr kumimoji="1" lang="en-US" altLang="ja-JP" sz="2000" dirty="0">
+                <a:latin typeface="メイリオ" panose="020B0604030504040204" pitchFamily="50" charset="-128"/>
+                <a:ea typeface="メイリオ" panose="020B0604030504040204" pitchFamily="50" charset="-128"/>
+              </a:rPr>
+              <a:t>	Unity/C#</a:t>
+            </a:r>
+          </a:p>
+          <a:p>
+            <a:r>
+              <a:rPr kumimoji="1" lang="ja-JP" altLang="en-US" sz="2000" dirty="0">
+                <a:latin typeface="メイリオ" panose="020B0604030504040204" pitchFamily="50" charset="-128"/>
+                <a:ea typeface="メイリオ" panose="020B0604030504040204" pitchFamily="50" charset="-128"/>
+              </a:rPr>
+              <a:t>対応機種</a:t>
+            </a:r>
+            <a:r>
+              <a:rPr kumimoji="1" lang="en-US" altLang="ja-JP" sz="2000" dirty="0">
+                <a:latin typeface="メイリオ" panose="020B0604030504040204" pitchFamily="50" charset="-128"/>
+                <a:ea typeface="メイリオ" panose="020B0604030504040204" pitchFamily="50" charset="-128"/>
+              </a:rPr>
+              <a:t>	Windows</a:t>
+            </a:r>
+          </a:p>
+          <a:p>
+            <a:r>
+              <a:rPr kumimoji="1" lang="ja-JP" altLang="en-US" sz="2000" dirty="0">
+                <a:latin typeface="メイリオ" panose="020B0604030504040204" pitchFamily="50" charset="-128"/>
+                <a:ea typeface="メイリオ" panose="020B0604030504040204" pitchFamily="50" charset="-128"/>
+              </a:rPr>
+              <a:t>担当</a:t>
+            </a:r>
+            <a:r>
+              <a:rPr kumimoji="1" lang="en-US" altLang="ja-JP" sz="2000" dirty="0">
+                <a:latin typeface="メイリオ" panose="020B0604030504040204" pitchFamily="50" charset="-128"/>
+                <a:ea typeface="メイリオ" panose="020B0604030504040204" pitchFamily="50" charset="-128"/>
+              </a:rPr>
+              <a:t>		</a:t>
+            </a:r>
+            <a:r>
+              <a:rPr kumimoji="1" lang="ja-JP" altLang="en-US" sz="2000" dirty="0">
+                <a:latin typeface="メイリオ" panose="020B0604030504040204" pitchFamily="50" charset="-128"/>
+                <a:ea typeface="メイリオ" panose="020B0604030504040204" pitchFamily="50" charset="-128"/>
+              </a:rPr>
+              <a:t>車の制御以外のプログラム全般</a:t>
+            </a:r>
+            <a:endParaRPr kumimoji="1" lang="en-US" altLang="ja-JP" sz="2000" dirty="0">
+              <a:latin typeface="メイリオ" panose="020B0604030504040204" pitchFamily="50" charset="-128"/>
+              <a:ea typeface="メイリオ" panose="020B0604030504040204" pitchFamily="50" charset="-128"/>
+            </a:endParaRPr>
+          </a:p>
+          <a:p>
+            <a:endParaRPr kumimoji="1" lang="en-US" altLang="ja-JP" sz="2000" dirty="0">
+              <a:latin typeface="メイリオ" panose="020B0604030504040204" pitchFamily="50" charset="-128"/>
+              <a:ea typeface="メイリオ" panose="020B0604030504040204" pitchFamily="50" charset="-128"/>
+            </a:endParaRPr>
+          </a:p>
+          <a:p>
+            <a:r>
+              <a:rPr kumimoji="1" lang="ja-JP" altLang="en-US" sz="2000" dirty="0">
+                <a:latin typeface="メイリオ" panose="020B0604030504040204" pitchFamily="50" charset="-128"/>
+                <a:ea typeface="メイリオ" panose="020B0604030504040204" pitchFamily="50" charset="-128"/>
+              </a:rPr>
+              <a:t>目的、学んだこと</a:t>
+            </a:r>
+            <a:endParaRPr kumimoji="1" lang="en-US" altLang="ja-JP" sz="2000" dirty="0">
+              <a:latin typeface="メイリオ" panose="020B0604030504040204" pitchFamily="50" charset="-128"/>
+              <a:ea typeface="メイリオ" panose="020B0604030504040204" pitchFamily="50" charset="-128"/>
+            </a:endParaRPr>
+          </a:p>
+          <a:p>
+            <a:r>
+              <a:rPr kumimoji="1" lang="en-US" altLang="ja-JP" sz="2000" dirty="0">
+                <a:latin typeface="メイリオ" panose="020B0604030504040204" pitchFamily="50" charset="-128"/>
+                <a:ea typeface="メイリオ" panose="020B0604030504040204" pitchFamily="50" charset="-128"/>
+              </a:rPr>
+              <a:t>C#</a:t>
+            </a:r>
+            <a:r>
+              <a:rPr kumimoji="1" lang="ja-JP" altLang="en-US" sz="2000" dirty="0">
+                <a:latin typeface="メイリオ" panose="020B0604030504040204" pitchFamily="50" charset="-128"/>
+                <a:ea typeface="メイリオ" panose="020B0604030504040204" pitchFamily="50" charset="-128"/>
+              </a:rPr>
+              <a:t>の基礎知識</a:t>
+            </a:r>
+            <a:endParaRPr kumimoji="1" lang="en-US" altLang="ja-JP" sz="2000" dirty="0">
+              <a:latin typeface="メイリオ" panose="020B0604030504040204" pitchFamily="50" charset="-128"/>
+              <a:ea typeface="メイリオ" panose="020B0604030504040204" pitchFamily="50" charset="-128"/>
+            </a:endParaRPr>
+          </a:p>
+          <a:p>
+            <a:r>
+              <a:rPr kumimoji="1" lang="ja-JP" altLang="en-US" sz="2000" dirty="0">
+                <a:latin typeface="メイリオ" panose="020B0604030504040204" pitchFamily="50" charset="-128"/>
+                <a:ea typeface="メイリオ" panose="020B0604030504040204" pitchFamily="50" charset="-128"/>
+              </a:rPr>
+              <a:t>アセットの使用方法</a:t>
+            </a:r>
+            <a:endParaRPr kumimoji="1" lang="en-US" altLang="ja-JP" sz="2000" dirty="0">
+              <a:latin typeface="メイリオ" panose="020B0604030504040204" pitchFamily="50" charset="-128"/>
+              <a:ea typeface="メイリオ" panose="020B0604030504040204" pitchFamily="50" charset="-128"/>
+            </a:endParaRPr>
           </a:p>
         </p:txBody>
       </p:sp>
     </p:spTree>
     <p:extLst>
       <p:ext uri="{BB962C8B-B14F-4D97-AF65-F5344CB8AC3E}">
-        <p14:creationId xmlns:p14="http://schemas.microsoft.com/office/powerpoint/2010/main" val="2760715441"/>
+        <p14:creationId xmlns:p14="http://schemas.microsoft.com/office/powerpoint/2010/main" val="633171451"/>
       </p:ext>
     </p:extLst>
   </p:cSld>
@@ -4716,42 +5211,6 @@
       </p:grpSpPr>
       <p:sp>
         <p:nvSpPr>
-          <p:cNvPr id="2" name="テキスト ボックス 1">
-            <a:extLst>
-              <a:ext uri="{FF2B5EF4-FFF2-40B4-BE49-F238E27FC236}">
-                <a16:creationId xmlns:a16="http://schemas.microsoft.com/office/drawing/2014/main" id="{58890BA2-147B-4C3F-853F-D8DB86E09C0F}"/>
-              </a:ext>
-            </a:extLst>
-          </p:cNvPr>
-          <p:cNvSpPr txBox="1"/>
-          <p:nvPr/>
-        </p:nvSpPr>
-        <p:spPr>
-          <a:xfrm>
-            <a:off x="491490" y="411480"/>
-            <a:ext cx="1800493" cy="369332"/>
-          </a:xfrm>
-          <a:prstGeom prst="rect">
-            <a:avLst/>
-          </a:prstGeom>
-          <a:noFill/>
-        </p:spPr>
-        <p:txBody>
-          <a:bodyPr wrap="none" rtlCol="0">
-            <a:spAutoFit/>
-          </a:bodyPr>
-          <a:lstStyle/>
-          <a:p>
-            <a:r>
-              <a:rPr kumimoji="1" lang="ja-JP" altLang="en-US" dirty="0"/>
-              <a:t>ゲーム作品一覧</a:t>
-            </a:r>
-            <a:endParaRPr kumimoji="1" lang="en-US" altLang="ja-JP" dirty="0"/>
-          </a:p>
-        </p:txBody>
-      </p:sp>
-      <p:sp>
-        <p:nvSpPr>
           <p:cNvPr id="3" name="テキスト ボックス 2">
             <a:extLst>
               <a:ext uri="{FF2B5EF4-FFF2-40B4-BE49-F238E27FC236}">
@@ -4764,8 +5223,8 @@
         </p:nvSpPr>
         <p:spPr>
           <a:xfrm>
-            <a:off x="491489" y="906780"/>
-            <a:ext cx="1569660" cy="369332"/>
+            <a:off x="491489" y="362494"/>
+            <a:ext cx="1481496" cy="369332"/>
           </a:xfrm>
           <a:prstGeom prst="rect">
             <a:avLst/>
@@ -4779,19 +5238,28 @@
           <a:lstStyle/>
           <a:p>
             <a:r>
-              <a:rPr kumimoji="1" lang="ja-JP" altLang="en-US" dirty="0"/>
-              <a:t>ゲーム作品５</a:t>
-            </a:r>
-            <a:endParaRPr kumimoji="1" lang="en-US" altLang="ja-JP" dirty="0"/>
-          </a:p>
-        </p:txBody>
-      </p:sp>
-      <p:sp>
-        <p:nvSpPr>
-          <p:cNvPr id="4" name="テキスト ボックス 3">
+              <a:rPr kumimoji="1" lang="ja-JP" altLang="en-US" dirty="0">
+                <a:latin typeface="メイリオ" panose="020B0604030504040204" pitchFamily="50" charset="-128"/>
+                <a:ea typeface="メイリオ" panose="020B0604030504040204" pitchFamily="50" charset="-128"/>
+              </a:rPr>
+              <a:t>ゲーム作品</a:t>
+            </a:r>
+            <a:r>
+              <a:rPr kumimoji="1" lang="en-US" altLang="ja-JP" dirty="0">
+                <a:latin typeface="メイリオ" panose="020B0604030504040204" pitchFamily="50" charset="-128"/>
+                <a:ea typeface="メイリオ" panose="020B0604030504040204" pitchFamily="50" charset="-128"/>
+              </a:rPr>
+              <a:t>5</a:t>
+            </a:r>
+          </a:p>
+        </p:txBody>
+      </p:sp>
+      <p:sp>
+        <p:nvSpPr>
+          <p:cNvPr id="5" name="テキスト ボックス 4">
             <a:extLst>
               <a:ext uri="{FF2B5EF4-FFF2-40B4-BE49-F238E27FC236}">
-                <a16:creationId xmlns:a16="http://schemas.microsoft.com/office/drawing/2014/main" id="{0E21A147-0C79-40ED-963F-C4259945323E}"/>
+                <a16:creationId xmlns:a16="http://schemas.microsoft.com/office/drawing/2014/main" id="{E9CF6073-1E8B-4106-A9B1-5E6450D659D8}"/>
               </a:ext>
             </a:extLst>
           </p:cNvPr>
@@ -4800,43 +5268,7 @@
         </p:nvSpPr>
         <p:spPr>
           <a:xfrm>
-            <a:off x="491490" y="4533900"/>
-            <a:ext cx="1569660" cy="369332"/>
-          </a:xfrm>
-          <a:prstGeom prst="rect">
-            <a:avLst/>
-          </a:prstGeom>
-          <a:noFill/>
-        </p:spPr>
-        <p:txBody>
-          <a:bodyPr wrap="none" rtlCol="0">
-            <a:spAutoFit/>
-          </a:bodyPr>
-          <a:lstStyle/>
-          <a:p>
-            <a:r>
-              <a:rPr kumimoji="1" lang="ja-JP" altLang="en-US" dirty="0"/>
-              <a:t>ゲーム作品６</a:t>
-            </a:r>
-            <a:endParaRPr kumimoji="1" lang="en-US" altLang="ja-JP" dirty="0"/>
-          </a:p>
-        </p:txBody>
-      </p:sp>
-      <p:sp>
-        <p:nvSpPr>
-          <p:cNvPr id="5" name="テキスト ボックス 4">
-            <a:extLst>
-              <a:ext uri="{FF2B5EF4-FFF2-40B4-BE49-F238E27FC236}">
-                <a16:creationId xmlns:a16="http://schemas.microsoft.com/office/drawing/2014/main" id="{8A6303D7-29C2-494A-97FC-6A8BBF5D57AA}"/>
-              </a:ext>
-            </a:extLst>
-          </p:cNvPr>
-          <p:cNvSpPr txBox="1"/>
-          <p:nvPr/>
-        </p:nvSpPr>
-        <p:spPr>
-          <a:xfrm>
-            <a:off x="582929" y="2181731"/>
+            <a:off x="582929" y="1637445"/>
             <a:ext cx="2526031" cy="1446550"/>
           </a:xfrm>
           <a:prstGeom prst="rect">
@@ -4860,10 +5292,10 @@
       </p:sp>
       <p:sp>
         <p:nvSpPr>
-          <p:cNvPr id="6" name="テキスト ボックス 5">
+          <p:cNvPr id="7" name="テキスト ボックス 6">
             <a:extLst>
               <a:ext uri="{FF2B5EF4-FFF2-40B4-BE49-F238E27FC236}">
-                <a16:creationId xmlns:a16="http://schemas.microsoft.com/office/drawing/2014/main" id="{F16C6D58-A5EB-4D18-B3C6-6818D96B938A}"/>
+                <a16:creationId xmlns:a16="http://schemas.microsoft.com/office/drawing/2014/main" id="{491CE403-E128-4CCF-8775-8749A0A20407}"/>
               </a:ext>
             </a:extLst>
           </p:cNvPr>
@@ -4872,8 +5304,8 @@
         </p:nvSpPr>
         <p:spPr>
           <a:xfrm>
-            <a:off x="491489" y="5427851"/>
-            <a:ext cx="2526031" cy="1446550"/>
+            <a:off x="4530088" y="511739"/>
+            <a:ext cx="4834272" cy="2862322"/>
           </a:xfrm>
           <a:prstGeom prst="rect">
             <a:avLst/>
@@ -4881,137 +5313,198 @@
           <a:noFill/>
         </p:spPr>
         <p:txBody>
-          <a:bodyPr wrap="square" rtlCol="0">
-            <a:spAutoFit/>
-          </a:bodyPr>
-          <a:lstStyle/>
-          <a:p>
-            <a:r>
-              <a:rPr kumimoji="1" lang="ja-JP" altLang="en-US" sz="8800" dirty="0"/>
-              <a:t>画像</a:t>
-            </a:r>
-            <a:endParaRPr kumimoji="1" lang="en-US" altLang="ja-JP" sz="8800" dirty="0"/>
-          </a:p>
-        </p:txBody>
-      </p:sp>
-      <p:sp>
-        <p:nvSpPr>
-          <p:cNvPr id="7" name="テキスト ボックス 6">
-            <a:extLst>
-              <a:ext uri="{FF2B5EF4-FFF2-40B4-BE49-F238E27FC236}">
-                <a16:creationId xmlns:a16="http://schemas.microsoft.com/office/drawing/2014/main" id="{B214C022-FD08-4D9E-9FF5-21E9AD148730}"/>
-              </a:ext>
-            </a:extLst>
-          </p:cNvPr>
-          <p:cNvSpPr txBox="1"/>
-          <p:nvPr/>
-        </p:nvSpPr>
-        <p:spPr>
-          <a:xfrm>
-            <a:off x="4530089" y="2076450"/>
-            <a:ext cx="2031325" cy="1200329"/>
-          </a:xfrm>
-          <a:prstGeom prst="rect">
-            <a:avLst/>
-          </a:prstGeom>
-          <a:noFill/>
-        </p:spPr>
-        <p:txBody>
           <a:bodyPr wrap="none" rtlCol="0">
             <a:spAutoFit/>
           </a:bodyPr>
           <a:lstStyle/>
           <a:p>
             <a:r>
-              <a:rPr kumimoji="1" lang="ja-JP" altLang="en-US" dirty="0"/>
+              <a:rPr kumimoji="1" lang="ja-JP" altLang="en-US" sz="2000" dirty="0">
+                <a:latin typeface="メイリオ" panose="020B0604030504040204" pitchFamily="50" charset="-128"/>
+                <a:ea typeface="メイリオ" panose="020B0604030504040204" pitchFamily="50" charset="-128"/>
+              </a:rPr>
               <a:t>作品名</a:t>
             </a:r>
-            <a:endParaRPr kumimoji="1" lang="en-US" altLang="ja-JP" dirty="0"/>
-          </a:p>
-          <a:p>
-            <a:r>
-              <a:rPr kumimoji="1" lang="ja-JP" altLang="en-US" dirty="0"/>
+            <a:r>
+              <a:rPr kumimoji="1" lang="en-US" altLang="ja-JP" sz="2000" dirty="0">
+                <a:latin typeface="メイリオ" panose="020B0604030504040204" pitchFamily="50" charset="-128"/>
+                <a:ea typeface="メイリオ" panose="020B0604030504040204" pitchFamily="50" charset="-128"/>
+              </a:rPr>
+              <a:t>		</a:t>
+            </a:r>
+            <a:r>
+              <a:rPr kumimoji="1" lang="ja-JP" altLang="en-US" sz="2000" dirty="0">
+                <a:latin typeface="メイリオ" panose="020B0604030504040204" pitchFamily="50" charset="-128"/>
+                <a:ea typeface="メイリオ" panose="020B0604030504040204" pitchFamily="50" charset="-128"/>
+              </a:rPr>
+              <a:t>ブロック崩し</a:t>
+            </a:r>
+            <a:endParaRPr kumimoji="1" lang="en-US" altLang="ja-JP" sz="2000" dirty="0">
+              <a:latin typeface="メイリオ" panose="020B0604030504040204" pitchFamily="50" charset="-128"/>
+              <a:ea typeface="メイリオ" panose="020B0604030504040204" pitchFamily="50" charset="-128"/>
+            </a:endParaRPr>
+          </a:p>
+          <a:p>
+            <a:r>
+              <a:rPr kumimoji="1" lang="ja-JP" altLang="en-US" sz="2000" dirty="0">
+                <a:latin typeface="メイリオ" panose="020B0604030504040204" pitchFamily="50" charset="-128"/>
+                <a:ea typeface="メイリオ" panose="020B0604030504040204" pitchFamily="50" charset="-128"/>
+              </a:rPr>
+              <a:t>ジャンル</a:t>
+            </a:r>
+            <a:r>
+              <a:rPr kumimoji="1" lang="en-US" altLang="ja-JP" sz="2000" dirty="0">
+                <a:latin typeface="メイリオ" panose="020B0604030504040204" pitchFamily="50" charset="-128"/>
+                <a:ea typeface="メイリオ" panose="020B0604030504040204" pitchFamily="50" charset="-128"/>
+              </a:rPr>
+              <a:t>	</a:t>
+            </a:r>
+            <a:r>
+              <a:rPr kumimoji="1" lang="ja-JP" altLang="en-US" sz="2000" dirty="0">
+                <a:latin typeface="メイリオ" panose="020B0604030504040204" pitchFamily="50" charset="-128"/>
+                <a:ea typeface="メイリオ" panose="020B0604030504040204" pitchFamily="50" charset="-128"/>
+              </a:rPr>
+              <a:t>ブロック崩し</a:t>
+            </a:r>
+            <a:endParaRPr kumimoji="1" lang="en-US" altLang="ja-JP" sz="2000" dirty="0">
+              <a:latin typeface="メイリオ" panose="020B0604030504040204" pitchFamily="50" charset="-128"/>
+              <a:ea typeface="メイリオ" panose="020B0604030504040204" pitchFamily="50" charset="-128"/>
+            </a:endParaRPr>
+          </a:p>
+          <a:p>
+            <a:r>
+              <a:rPr kumimoji="1" lang="ja-JP" altLang="en-US" sz="2000" dirty="0">
+                <a:latin typeface="メイリオ" panose="020B0604030504040204" pitchFamily="50" charset="-128"/>
+                <a:ea typeface="メイリオ" panose="020B0604030504040204" pitchFamily="50" charset="-128"/>
+              </a:rPr>
               <a:t>製作期間</a:t>
             </a:r>
-            <a:endParaRPr kumimoji="1" lang="en-US" altLang="ja-JP" dirty="0"/>
-          </a:p>
-          <a:p>
-            <a:r>
-              <a:rPr kumimoji="1" lang="ja-JP" altLang="en-US" dirty="0"/>
+            <a:r>
+              <a:rPr kumimoji="1" lang="en-US" altLang="ja-JP" sz="2000" dirty="0">
+                <a:latin typeface="メイリオ" panose="020B0604030504040204" pitchFamily="50" charset="-128"/>
+                <a:ea typeface="メイリオ" panose="020B0604030504040204" pitchFamily="50" charset="-128"/>
+              </a:rPr>
+              <a:t>	2022/08/01</a:t>
+            </a:r>
+            <a:r>
+              <a:rPr kumimoji="1" lang="ja-JP" altLang="en-US" sz="2000" dirty="0">
+                <a:latin typeface="メイリオ" panose="020B0604030504040204" pitchFamily="50" charset="-128"/>
+                <a:ea typeface="メイリオ" panose="020B0604030504040204" pitchFamily="50" charset="-128"/>
+              </a:rPr>
+              <a:t>～</a:t>
+            </a:r>
+            <a:r>
+              <a:rPr kumimoji="1" lang="en-US" altLang="ja-JP" sz="2000" dirty="0">
+                <a:latin typeface="メイリオ" panose="020B0604030504040204" pitchFamily="50" charset="-128"/>
+                <a:ea typeface="メイリオ" panose="020B0604030504040204" pitchFamily="50" charset="-128"/>
+              </a:rPr>
+              <a:t>2022/08/12</a:t>
+            </a:r>
+          </a:p>
+          <a:p>
+            <a:r>
+              <a:rPr kumimoji="1" lang="ja-JP" altLang="en-US" sz="2000" dirty="0">
+                <a:latin typeface="メイリオ" panose="020B0604030504040204" pitchFamily="50" charset="-128"/>
+                <a:ea typeface="メイリオ" panose="020B0604030504040204" pitchFamily="50" charset="-128"/>
+              </a:rPr>
               <a:t>制作環境</a:t>
             </a:r>
-            <a:endParaRPr kumimoji="1" lang="en-US" altLang="ja-JP" dirty="0"/>
-          </a:p>
-          <a:p>
-            <a:r>
-              <a:rPr kumimoji="1" lang="ja-JP" altLang="en-US" dirty="0"/>
-              <a:t>アピールポイント</a:t>
-            </a:r>
-            <a:endParaRPr kumimoji="1" lang="en-US" altLang="ja-JP" dirty="0"/>
-          </a:p>
-        </p:txBody>
-      </p:sp>
-      <p:sp>
-        <p:nvSpPr>
-          <p:cNvPr id="8" name="テキスト ボックス 7">
-            <a:extLst>
-              <a:ext uri="{FF2B5EF4-FFF2-40B4-BE49-F238E27FC236}">
-                <a16:creationId xmlns:a16="http://schemas.microsoft.com/office/drawing/2014/main" id="{395D2054-40EF-47AF-9243-72274C8EC429}"/>
-              </a:ext>
-            </a:extLst>
-          </p:cNvPr>
-          <p:cNvSpPr txBox="1"/>
-          <p:nvPr/>
-        </p:nvSpPr>
-        <p:spPr>
-          <a:xfrm>
-            <a:off x="4530088" y="5427851"/>
-            <a:ext cx="2031325" cy="1200329"/>
-          </a:xfrm>
-          <a:prstGeom prst="rect">
-            <a:avLst/>
-          </a:prstGeom>
-          <a:noFill/>
-        </p:spPr>
-        <p:txBody>
-          <a:bodyPr wrap="none" rtlCol="0">
-            <a:spAutoFit/>
-          </a:bodyPr>
-          <a:lstStyle/>
-          <a:p>
-            <a:r>
-              <a:rPr kumimoji="1" lang="ja-JP" altLang="en-US" dirty="0"/>
-              <a:t>作品名</a:t>
-            </a:r>
-            <a:endParaRPr kumimoji="1" lang="en-US" altLang="ja-JP" dirty="0"/>
-          </a:p>
-          <a:p>
-            <a:r>
-              <a:rPr kumimoji="1" lang="ja-JP" altLang="en-US" dirty="0"/>
-              <a:t>製作期間</a:t>
-            </a:r>
-            <a:endParaRPr kumimoji="1" lang="en-US" altLang="ja-JP" dirty="0"/>
-          </a:p>
-          <a:p>
-            <a:r>
-              <a:rPr kumimoji="1" lang="ja-JP" altLang="en-US" dirty="0"/>
-              <a:t>制作環境</a:t>
-            </a:r>
-            <a:endParaRPr kumimoji="1" lang="en-US" altLang="ja-JP" dirty="0"/>
-          </a:p>
-          <a:p>
-            <a:r>
-              <a:rPr kumimoji="1" lang="ja-JP" altLang="en-US" dirty="0"/>
-              <a:t>アピールポイント</a:t>
-            </a:r>
-            <a:endParaRPr kumimoji="1" lang="en-US" altLang="ja-JP" dirty="0"/>
+            <a:r>
+              <a:rPr kumimoji="1" lang="en-US" altLang="ja-JP" sz="2000" dirty="0">
+                <a:latin typeface="メイリオ" panose="020B0604030504040204" pitchFamily="50" charset="-128"/>
+                <a:ea typeface="メイリオ" panose="020B0604030504040204" pitchFamily="50" charset="-128"/>
+              </a:rPr>
+              <a:t>	Unity/C#</a:t>
+            </a:r>
+          </a:p>
+          <a:p>
+            <a:r>
+              <a:rPr kumimoji="1" lang="ja-JP" altLang="en-US" sz="2000" dirty="0">
+                <a:latin typeface="メイリオ" panose="020B0604030504040204" pitchFamily="50" charset="-128"/>
+                <a:ea typeface="メイリオ" panose="020B0604030504040204" pitchFamily="50" charset="-128"/>
+              </a:rPr>
+              <a:t>対応機種</a:t>
+            </a:r>
+            <a:r>
+              <a:rPr kumimoji="1" lang="en-US" altLang="ja-JP" sz="2000" dirty="0">
+                <a:latin typeface="メイリオ" panose="020B0604030504040204" pitchFamily="50" charset="-128"/>
+                <a:ea typeface="メイリオ" panose="020B0604030504040204" pitchFamily="50" charset="-128"/>
+              </a:rPr>
+              <a:t>	Windows</a:t>
+            </a:r>
+          </a:p>
+          <a:p>
+            <a:r>
+              <a:rPr kumimoji="1" lang="ja-JP" altLang="en-US" sz="2000" dirty="0">
+                <a:latin typeface="メイリオ" panose="020B0604030504040204" pitchFamily="50" charset="-128"/>
+                <a:ea typeface="メイリオ" panose="020B0604030504040204" pitchFamily="50" charset="-128"/>
+              </a:rPr>
+              <a:t>担当</a:t>
+            </a:r>
+            <a:r>
+              <a:rPr kumimoji="1" lang="en-US" altLang="ja-JP" sz="2000" dirty="0">
+                <a:latin typeface="メイリオ" panose="020B0604030504040204" pitchFamily="50" charset="-128"/>
+                <a:ea typeface="メイリオ" panose="020B0604030504040204" pitchFamily="50" charset="-128"/>
+              </a:rPr>
+              <a:t>		</a:t>
+            </a:r>
+            <a:r>
+              <a:rPr kumimoji="1" lang="ja-JP" altLang="en-US" sz="2000" dirty="0">
+                <a:latin typeface="メイリオ" panose="020B0604030504040204" pitchFamily="50" charset="-128"/>
+                <a:ea typeface="メイリオ" panose="020B0604030504040204" pitchFamily="50" charset="-128"/>
+              </a:rPr>
+              <a:t>プログラム全般</a:t>
+            </a:r>
+            <a:endParaRPr kumimoji="1" lang="en-US" altLang="ja-JP" sz="2000" dirty="0">
+              <a:latin typeface="メイリオ" panose="020B0604030504040204" pitchFamily="50" charset="-128"/>
+              <a:ea typeface="メイリオ" panose="020B0604030504040204" pitchFamily="50" charset="-128"/>
+            </a:endParaRPr>
+          </a:p>
+          <a:p>
+            <a:endParaRPr kumimoji="1" lang="en-US" altLang="ja-JP" sz="2000" dirty="0">
+              <a:latin typeface="メイリオ" panose="020B0604030504040204" pitchFamily="50" charset="-128"/>
+              <a:ea typeface="メイリオ" panose="020B0604030504040204" pitchFamily="50" charset="-128"/>
+            </a:endParaRPr>
+          </a:p>
+          <a:p>
+            <a:r>
+              <a:rPr kumimoji="1" lang="ja-JP" altLang="en-US" sz="2000" dirty="0">
+                <a:latin typeface="メイリオ" panose="020B0604030504040204" pitchFamily="50" charset="-128"/>
+                <a:ea typeface="メイリオ" panose="020B0604030504040204" pitchFamily="50" charset="-128"/>
+              </a:rPr>
+              <a:t>目的、学んだこと</a:t>
+            </a:r>
+            <a:endParaRPr kumimoji="1" lang="en-US" altLang="ja-JP" sz="2000" dirty="0">
+              <a:latin typeface="メイリオ" panose="020B0604030504040204" pitchFamily="50" charset="-128"/>
+              <a:ea typeface="メイリオ" panose="020B0604030504040204" pitchFamily="50" charset="-128"/>
+            </a:endParaRPr>
+          </a:p>
+          <a:p>
+            <a:r>
+              <a:rPr kumimoji="1" lang="en-US" altLang="ja-JP" sz="2000" dirty="0">
+                <a:latin typeface="メイリオ" panose="020B0604030504040204" pitchFamily="50" charset="-128"/>
+                <a:ea typeface="メイリオ" panose="020B0604030504040204" pitchFamily="50" charset="-128"/>
+              </a:rPr>
+              <a:t>Unity</a:t>
+            </a:r>
+            <a:r>
+              <a:rPr kumimoji="1" lang="ja-JP" altLang="en-US" sz="2000" dirty="0">
+                <a:latin typeface="メイリオ" panose="020B0604030504040204" pitchFamily="50" charset="-128"/>
+                <a:ea typeface="メイリオ" panose="020B0604030504040204" pitchFamily="50" charset="-128"/>
+              </a:rPr>
+              <a:t>の基礎知識</a:t>
+            </a:r>
+            <a:endParaRPr kumimoji="1" lang="en-US" altLang="ja-JP" sz="2000" dirty="0">
+              <a:latin typeface="メイリオ" panose="020B0604030504040204" pitchFamily="50" charset="-128"/>
+              <a:ea typeface="メイリオ" panose="020B0604030504040204" pitchFamily="50" charset="-128"/>
+            </a:endParaRPr>
           </a:p>
         </p:txBody>
       </p:sp>
     </p:spTree>
     <p:extLst>
       <p:ext uri="{BB962C8B-B14F-4D97-AF65-F5344CB8AC3E}">
-        <p14:creationId xmlns:p14="http://schemas.microsoft.com/office/powerpoint/2010/main" val="3084507272"/>
+        <p14:creationId xmlns:p14="http://schemas.microsoft.com/office/powerpoint/2010/main" val="4110926318"/>
       </p:ext>
     </p:extLst>
   </p:cSld>
@@ -5319,8 +5812,8 @@
         </p:nvSpPr>
         <p:spPr>
           <a:xfrm>
-            <a:off x="800100" y="1581150"/>
-            <a:ext cx="5864106" cy="954107"/>
+            <a:off x="797641" y="1581150"/>
+            <a:ext cx="6647974" cy="954107"/>
           </a:xfrm>
           <a:prstGeom prst="rect">
             <a:avLst/>
@@ -5335,21 +5828,21 @@
           <a:p>
             <a:r>
               <a:rPr kumimoji="1" lang="ja-JP" altLang="en-US" sz="2800" dirty="0">
-                <a:latin typeface="BIZ UDPゴシック" panose="020B0400000000000000" pitchFamily="50" charset="-128"/>
-                <a:ea typeface="BIZ UDPゴシック" panose="020B0400000000000000" pitchFamily="50" charset="-128"/>
+                <a:latin typeface="メイリオ" panose="020B0604030504040204" pitchFamily="50" charset="-128"/>
+                <a:ea typeface="メイリオ" panose="020B0604030504040204" pitchFamily="50" charset="-128"/>
               </a:rPr>
               <a:t>名前：浜松　廉斗</a:t>
             </a:r>
             <a:endParaRPr kumimoji="1" lang="en-US" altLang="ja-JP" sz="2800" dirty="0">
-              <a:latin typeface="BIZ UDPゴシック" panose="020B0400000000000000" pitchFamily="50" charset="-128"/>
-              <a:ea typeface="BIZ UDPゴシック" panose="020B0400000000000000" pitchFamily="50" charset="-128"/>
+              <a:latin typeface="メイリオ" panose="020B0604030504040204" pitchFamily="50" charset="-128"/>
+              <a:ea typeface="メイリオ" panose="020B0604030504040204" pitchFamily="50" charset="-128"/>
             </a:endParaRPr>
           </a:p>
           <a:p>
             <a:r>
               <a:rPr kumimoji="1" lang="ja-JP" altLang="en-US" sz="2800" dirty="0">
-                <a:latin typeface="BIZ UDPゴシック" panose="020B0400000000000000" pitchFamily="50" charset="-128"/>
-                <a:ea typeface="BIZ UDPゴシック" panose="020B0400000000000000" pitchFamily="50" charset="-128"/>
+                <a:latin typeface="メイリオ" panose="020B0604030504040204" pitchFamily="50" charset="-128"/>
+                <a:ea typeface="メイリオ" panose="020B0604030504040204" pitchFamily="50" charset="-128"/>
               </a:rPr>
               <a:t>趣味、特技：ピアノ演奏、ゲーム、外食</a:t>
             </a:r>
@@ -5371,7 +5864,7 @@
         <p:spPr>
           <a:xfrm>
             <a:off x="797641" y="4639697"/>
-            <a:ext cx="4006225" cy="2677656"/>
+            <a:ext cx="3913251" cy="2677656"/>
           </a:xfrm>
           <a:prstGeom prst="rect">
             <a:avLst/>
@@ -5386,114 +5879,198 @@
           <a:p>
             <a:r>
               <a:rPr kumimoji="1" lang="ja-JP" altLang="en-US" sz="2800" dirty="0">
-                <a:latin typeface="BIZ UDPゴシック" panose="020B0400000000000000" pitchFamily="50" charset="-128"/>
-                <a:ea typeface="BIZ UDPゴシック" panose="020B0400000000000000" pitchFamily="50" charset="-128"/>
+                <a:latin typeface="メイリオ" panose="020B0604030504040204" pitchFamily="50" charset="-128"/>
+                <a:ea typeface="メイリオ" panose="020B0604030504040204" pitchFamily="50" charset="-128"/>
               </a:rPr>
               <a:t>ステータス</a:t>
             </a:r>
             <a:endParaRPr kumimoji="1" lang="en-US" altLang="ja-JP" sz="2800" dirty="0">
-              <a:latin typeface="BIZ UDPゴシック" panose="020B0400000000000000" pitchFamily="50" charset="-128"/>
-              <a:ea typeface="BIZ UDPゴシック" panose="020B0400000000000000" pitchFamily="50" charset="-128"/>
+              <a:latin typeface="メイリオ" panose="020B0604030504040204" pitchFamily="50" charset="-128"/>
+              <a:ea typeface="メイリオ" panose="020B0604030504040204" pitchFamily="50" charset="-128"/>
             </a:endParaRPr>
           </a:p>
           <a:p>
             <a:r>
               <a:rPr kumimoji="1" lang="en-US" altLang="ja-JP" sz="2800" dirty="0">
-                <a:latin typeface="BIZ UDPゴシック" panose="020B0400000000000000" pitchFamily="50" charset="-128"/>
-                <a:ea typeface="BIZ UDPゴシック" panose="020B0400000000000000" pitchFamily="50" charset="-128"/>
+                <a:latin typeface="メイリオ" panose="020B0604030504040204" pitchFamily="50" charset="-128"/>
+                <a:ea typeface="メイリオ" panose="020B0604030504040204" pitchFamily="50" charset="-128"/>
               </a:rPr>
               <a:t>C++			</a:t>
             </a:r>
             <a:r>
               <a:rPr kumimoji="1" lang="ja-JP" altLang="en-US" sz="2800" dirty="0">
-                <a:latin typeface="BIZ UDPゴシック" panose="020B0400000000000000" pitchFamily="50" charset="-128"/>
-                <a:ea typeface="BIZ UDPゴシック" panose="020B0400000000000000" pitchFamily="50" charset="-128"/>
-              </a:rPr>
-              <a:t>：★★★★★</a:t>
+                <a:latin typeface="メイリオ" panose="020B0604030504040204" pitchFamily="50" charset="-128"/>
+                <a:ea typeface="メイリオ" panose="020B0604030504040204" pitchFamily="50" charset="-128"/>
+              </a:rPr>
+              <a:t>：</a:t>
+            </a:r>
+            <a:r>
+              <a:rPr kumimoji="1" lang="en-US" altLang="ja-JP" sz="2800" dirty="0">
+                <a:latin typeface="メイリオ" panose="020B0604030504040204" pitchFamily="50" charset="-128"/>
+                <a:ea typeface="メイリオ" panose="020B0604030504040204" pitchFamily="50" charset="-128"/>
+              </a:rPr>
+              <a:t>1</a:t>
+            </a:r>
+            <a:r>
+              <a:rPr kumimoji="1" lang="ja-JP" altLang="en-US" sz="2800" dirty="0">
+                <a:latin typeface="メイリオ" panose="020B0604030504040204" pitchFamily="50" charset="-128"/>
+                <a:ea typeface="メイリオ" panose="020B0604030504040204" pitchFamily="50" charset="-128"/>
+              </a:rPr>
+              <a:t>年</a:t>
+            </a:r>
+            <a:r>
+              <a:rPr kumimoji="1" lang="en-US" altLang="ja-JP" sz="2800" dirty="0">
+                <a:latin typeface="メイリオ" panose="020B0604030504040204" pitchFamily="50" charset="-128"/>
+                <a:ea typeface="メイリオ" panose="020B0604030504040204" pitchFamily="50" charset="-128"/>
+              </a:rPr>
+              <a:t>4</a:t>
+            </a:r>
+            <a:r>
+              <a:rPr kumimoji="1" lang="ja-JP" altLang="en-US" sz="2800" dirty="0">
+                <a:latin typeface="メイリオ" panose="020B0604030504040204" pitchFamily="50" charset="-128"/>
+                <a:ea typeface="メイリオ" panose="020B0604030504040204" pitchFamily="50" charset="-128"/>
+              </a:rPr>
+              <a:t>ヶ月</a:t>
             </a:r>
             <a:endParaRPr kumimoji="1" lang="en-US" altLang="ja-JP" sz="2800" dirty="0">
-              <a:latin typeface="BIZ UDPゴシック" panose="020B0400000000000000" pitchFamily="50" charset="-128"/>
-              <a:ea typeface="BIZ UDPゴシック" panose="020B0400000000000000" pitchFamily="50" charset="-128"/>
+              <a:latin typeface="メイリオ" panose="020B0604030504040204" pitchFamily="50" charset="-128"/>
+              <a:ea typeface="メイリオ" panose="020B0604030504040204" pitchFamily="50" charset="-128"/>
             </a:endParaRPr>
           </a:p>
           <a:p>
             <a:r>
               <a:rPr kumimoji="1" lang="en-US" altLang="ja-JP" sz="2800" dirty="0">
-                <a:latin typeface="BIZ UDPゴシック" panose="020B0400000000000000" pitchFamily="50" charset="-128"/>
-                <a:ea typeface="BIZ UDPゴシック" panose="020B0400000000000000" pitchFamily="50" charset="-128"/>
-              </a:rPr>
-              <a:t>Unity/C#</a:t>
+                <a:latin typeface="メイリオ" panose="020B0604030504040204" pitchFamily="50" charset="-128"/>
+                <a:ea typeface="メイリオ" panose="020B0604030504040204" pitchFamily="50" charset="-128"/>
+              </a:rPr>
+              <a:t>Unity/C#	</a:t>
             </a:r>
             <a:r>
               <a:rPr kumimoji="1" lang="ja-JP" altLang="en-US" sz="2800" dirty="0">
-                <a:latin typeface="BIZ UDPゴシック" panose="020B0400000000000000" pitchFamily="50" charset="-128"/>
-                <a:ea typeface="BIZ UDPゴシック" panose="020B0400000000000000" pitchFamily="50" charset="-128"/>
-              </a:rPr>
-              <a:t>：★★★★</a:t>
+                <a:latin typeface="メイリオ" panose="020B0604030504040204" pitchFamily="50" charset="-128"/>
+                <a:ea typeface="メイリオ" panose="020B0604030504040204" pitchFamily="50" charset="-128"/>
+              </a:rPr>
+              <a:t>：</a:t>
+            </a:r>
+            <a:r>
+              <a:rPr kumimoji="1" lang="en-US" altLang="ja-JP" sz="2800" dirty="0">
+                <a:latin typeface="メイリオ" panose="020B0604030504040204" pitchFamily="50" charset="-128"/>
+                <a:ea typeface="メイリオ" panose="020B0604030504040204" pitchFamily="50" charset="-128"/>
+              </a:rPr>
+              <a:t>1</a:t>
+            </a:r>
+            <a:r>
+              <a:rPr kumimoji="1" lang="ja-JP" altLang="en-US" sz="2800" dirty="0">
+                <a:latin typeface="メイリオ" panose="020B0604030504040204" pitchFamily="50" charset="-128"/>
+                <a:ea typeface="メイリオ" panose="020B0604030504040204" pitchFamily="50" charset="-128"/>
+              </a:rPr>
+              <a:t>年</a:t>
             </a:r>
             <a:endParaRPr kumimoji="1" lang="en-US" altLang="ja-JP" sz="2800" dirty="0">
-              <a:latin typeface="BIZ UDPゴシック" panose="020B0400000000000000" pitchFamily="50" charset="-128"/>
-              <a:ea typeface="BIZ UDPゴシック" panose="020B0400000000000000" pitchFamily="50" charset="-128"/>
+              <a:latin typeface="メイリオ" panose="020B0604030504040204" pitchFamily="50" charset="-128"/>
+              <a:ea typeface="メイリオ" panose="020B0604030504040204" pitchFamily="50" charset="-128"/>
             </a:endParaRPr>
           </a:p>
           <a:p>
             <a:r>
               <a:rPr kumimoji="1" lang="en-US" altLang="ja-JP" sz="2800" dirty="0">
-                <a:latin typeface="BIZ UDPゴシック" panose="020B0400000000000000" pitchFamily="50" charset="-128"/>
-                <a:ea typeface="BIZ UDPゴシック" panose="020B0400000000000000" pitchFamily="50" charset="-128"/>
-              </a:rPr>
-              <a:t>GitHub	</a:t>
+                <a:latin typeface="メイリオ" panose="020B0604030504040204" pitchFamily="50" charset="-128"/>
+                <a:ea typeface="メイリオ" panose="020B0604030504040204" pitchFamily="50" charset="-128"/>
+              </a:rPr>
+              <a:t>GitHub		</a:t>
             </a:r>
             <a:r>
               <a:rPr kumimoji="1" lang="ja-JP" altLang="en-US" sz="2800" dirty="0">
-                <a:latin typeface="BIZ UDPゴシック" panose="020B0400000000000000" pitchFamily="50" charset="-128"/>
-                <a:ea typeface="BIZ UDPゴシック" panose="020B0400000000000000" pitchFamily="50" charset="-128"/>
-              </a:rPr>
-              <a:t>：★★★★</a:t>
+                <a:latin typeface="メイリオ" panose="020B0604030504040204" pitchFamily="50" charset="-128"/>
+                <a:ea typeface="メイリオ" panose="020B0604030504040204" pitchFamily="50" charset="-128"/>
+              </a:rPr>
+              <a:t>：</a:t>
+            </a:r>
+            <a:r>
+              <a:rPr kumimoji="1" lang="en-US" altLang="ja-JP" sz="2800" dirty="0">
+                <a:latin typeface="メイリオ" panose="020B0604030504040204" pitchFamily="50" charset="-128"/>
+                <a:ea typeface="メイリオ" panose="020B0604030504040204" pitchFamily="50" charset="-128"/>
+              </a:rPr>
+              <a:t>1</a:t>
+            </a:r>
+            <a:r>
+              <a:rPr kumimoji="1" lang="ja-JP" altLang="en-US" sz="2800" dirty="0">
+                <a:latin typeface="メイリオ" panose="020B0604030504040204" pitchFamily="50" charset="-128"/>
+                <a:ea typeface="メイリオ" panose="020B0604030504040204" pitchFamily="50" charset="-128"/>
+              </a:rPr>
+              <a:t>年</a:t>
             </a:r>
             <a:endParaRPr kumimoji="1" lang="en-US" altLang="ja-JP" sz="2800" dirty="0">
-              <a:latin typeface="BIZ UDPゴシック" panose="020B0400000000000000" pitchFamily="50" charset="-128"/>
-              <a:ea typeface="BIZ UDPゴシック" panose="020B0400000000000000" pitchFamily="50" charset="-128"/>
+              <a:latin typeface="メイリオ" panose="020B0604030504040204" pitchFamily="50" charset="-128"/>
+              <a:ea typeface="メイリオ" panose="020B0604030504040204" pitchFamily="50" charset="-128"/>
             </a:endParaRPr>
           </a:p>
           <a:p>
             <a:r>
               <a:rPr kumimoji="1" lang="en-US" altLang="ja-JP" sz="2800" dirty="0">
-                <a:latin typeface="BIZ UDPゴシック" panose="020B0400000000000000" pitchFamily="50" charset="-128"/>
-                <a:ea typeface="BIZ UDPゴシック" panose="020B0400000000000000" pitchFamily="50" charset="-128"/>
+                <a:latin typeface="メイリオ" panose="020B0604030504040204" pitchFamily="50" charset="-128"/>
+                <a:ea typeface="メイリオ" panose="020B0604030504040204" pitchFamily="50" charset="-128"/>
               </a:rPr>
               <a:t>PHP			</a:t>
             </a:r>
             <a:r>
               <a:rPr kumimoji="1" lang="ja-JP" altLang="en-US" sz="2800" dirty="0">
-                <a:latin typeface="BIZ UDPゴシック" panose="020B0400000000000000" pitchFamily="50" charset="-128"/>
-                <a:ea typeface="BIZ UDPゴシック" panose="020B0400000000000000" pitchFamily="50" charset="-128"/>
-              </a:rPr>
-              <a:t>：★★</a:t>
+                <a:latin typeface="メイリオ" panose="020B0604030504040204" pitchFamily="50" charset="-128"/>
+                <a:ea typeface="メイリオ" panose="020B0604030504040204" pitchFamily="50" charset="-128"/>
+              </a:rPr>
+              <a:t>：</a:t>
+            </a:r>
+            <a:r>
+              <a:rPr kumimoji="1" lang="en-US" altLang="ja-JP" sz="2800" dirty="0">
+                <a:latin typeface="メイリオ" panose="020B0604030504040204" pitchFamily="50" charset="-128"/>
+                <a:ea typeface="メイリオ" panose="020B0604030504040204" pitchFamily="50" charset="-128"/>
+              </a:rPr>
+              <a:t>2</a:t>
+            </a:r>
+            <a:r>
+              <a:rPr kumimoji="1" lang="ja-JP" altLang="en-US" sz="2800" dirty="0">
+                <a:latin typeface="メイリオ" panose="020B0604030504040204" pitchFamily="50" charset="-128"/>
+                <a:ea typeface="メイリオ" panose="020B0604030504040204" pitchFamily="50" charset="-128"/>
+              </a:rPr>
+              <a:t>ヶ月</a:t>
             </a:r>
             <a:br>
               <a:rPr kumimoji="1" lang="en-US" altLang="ja-JP" sz="2800" dirty="0">
-                <a:latin typeface="BIZ UDPゴシック" panose="020B0400000000000000" pitchFamily="50" charset="-128"/>
-                <a:ea typeface="BIZ UDPゴシック" panose="020B0400000000000000" pitchFamily="50" charset="-128"/>
+                <a:latin typeface="メイリオ" panose="020B0604030504040204" pitchFamily="50" charset="-128"/>
+                <a:ea typeface="メイリオ" panose="020B0604030504040204" pitchFamily="50" charset="-128"/>
               </a:rPr>
             </a:br>
             <a:r>
               <a:rPr kumimoji="1" lang="en-US" altLang="ja-JP" sz="2800" dirty="0">
-                <a:latin typeface="BIZ UDPゴシック" panose="020B0400000000000000" pitchFamily="50" charset="-128"/>
-                <a:ea typeface="BIZ UDPゴシック" panose="020B0400000000000000" pitchFamily="50" charset="-128"/>
+                <a:latin typeface="メイリオ" panose="020B0604030504040204" pitchFamily="50" charset="-128"/>
+                <a:ea typeface="メイリオ" panose="020B0604030504040204" pitchFamily="50" charset="-128"/>
               </a:rPr>
               <a:t>SQL			</a:t>
             </a:r>
             <a:r>
               <a:rPr kumimoji="1" lang="ja-JP" altLang="en-US" sz="2800" dirty="0">
-                <a:latin typeface="BIZ UDPゴシック" panose="020B0400000000000000" pitchFamily="50" charset="-128"/>
-                <a:ea typeface="BIZ UDPゴシック" panose="020B0400000000000000" pitchFamily="50" charset="-128"/>
-              </a:rPr>
-              <a:t>：★★</a:t>
+                <a:latin typeface="メイリオ" panose="020B0604030504040204" pitchFamily="50" charset="-128"/>
+                <a:ea typeface="メイリオ" panose="020B0604030504040204" pitchFamily="50" charset="-128"/>
+              </a:rPr>
+              <a:t>：</a:t>
+            </a:r>
+            <a:r>
+              <a:rPr kumimoji="1" lang="en-US" altLang="ja-JP" sz="2800" dirty="0">
+                <a:latin typeface="メイリオ" panose="020B0604030504040204" pitchFamily="50" charset="-128"/>
+                <a:ea typeface="メイリオ" panose="020B0604030504040204" pitchFamily="50" charset="-128"/>
+              </a:rPr>
+              <a:t>2</a:t>
+            </a:r>
+            <a:r>
+              <a:rPr kumimoji="1" lang="ja-JP" altLang="en-US" sz="2800" dirty="0">
+                <a:latin typeface="メイリオ" panose="020B0604030504040204" pitchFamily="50" charset="-128"/>
+                <a:ea typeface="メイリオ" panose="020B0604030504040204" pitchFamily="50" charset="-128"/>
+              </a:rPr>
+              <a:t>ヶ月</a:t>
             </a:r>
             <a:endParaRPr kumimoji="1" lang="en-US" altLang="ja-JP" sz="2800" dirty="0">
-              <a:latin typeface="BIZ UDPゴシック" panose="020B0400000000000000" pitchFamily="50" charset="-128"/>
-              <a:ea typeface="BIZ UDPゴシック" panose="020B0400000000000000" pitchFamily="50" charset="-128"/>
+              <a:latin typeface="メイリオ" panose="020B0604030504040204" pitchFamily="50" charset="-128"/>
+              <a:ea typeface="メイリオ" panose="020B0604030504040204" pitchFamily="50" charset="-128"/>
             </a:endParaRPr>
           </a:p>
         </p:txBody>
@@ -5512,8 +6089,8 @@
         </p:nvSpPr>
         <p:spPr>
           <a:xfrm>
-            <a:off x="800100" y="2679536"/>
-            <a:ext cx="6125395" cy="1815882"/>
+            <a:off x="797641" y="2879591"/>
+            <a:ext cx="5931496" cy="1384995"/>
           </a:xfrm>
           <a:prstGeom prst="rect">
             <a:avLst/>
@@ -5528,110 +6105,94 @@
           <a:p>
             <a:r>
               <a:rPr kumimoji="1" lang="en-US" altLang="ja-JP" sz="2800" dirty="0">
-                <a:latin typeface="BIZ UDPゴシック" panose="020B0400000000000000" pitchFamily="50" charset="-128"/>
-                <a:ea typeface="BIZ UDPゴシック" panose="020B0400000000000000" pitchFamily="50" charset="-128"/>
+                <a:latin typeface="メイリオ" panose="020B0604030504040204" pitchFamily="50" charset="-128"/>
+                <a:ea typeface="メイリオ" panose="020B0604030504040204" pitchFamily="50" charset="-128"/>
               </a:rPr>
               <a:t>SNS</a:t>
             </a:r>
             <a:r>
               <a:rPr kumimoji="1" lang="ja-JP" altLang="en-US" sz="2800" dirty="0">
-                <a:latin typeface="BIZ UDPゴシック" panose="020B0400000000000000" pitchFamily="50" charset="-128"/>
-                <a:ea typeface="BIZ UDPゴシック" panose="020B0400000000000000" pitchFamily="50" charset="-128"/>
+                <a:latin typeface="メイリオ" panose="020B0604030504040204" pitchFamily="50" charset="-128"/>
+                <a:ea typeface="メイリオ" panose="020B0604030504040204" pitchFamily="50" charset="-128"/>
               </a:rPr>
               <a:t>等</a:t>
             </a:r>
             <a:endParaRPr kumimoji="1" lang="en-US" altLang="ja-JP" sz="2800" dirty="0">
-              <a:latin typeface="BIZ UDPゴシック" panose="020B0400000000000000" pitchFamily="50" charset="-128"/>
-              <a:ea typeface="BIZ UDPゴシック" panose="020B0400000000000000" pitchFamily="50" charset="-128"/>
+              <a:latin typeface="メイリオ" panose="020B0604030504040204" pitchFamily="50" charset="-128"/>
+              <a:ea typeface="メイリオ" panose="020B0604030504040204" pitchFamily="50" charset="-128"/>
             </a:endParaRPr>
           </a:p>
           <a:p>
             <a:r>
               <a:rPr kumimoji="1" lang="ja-JP" altLang="en-US" sz="2800" dirty="0">
-                <a:latin typeface="BIZ UDPゴシック" panose="020B0400000000000000" pitchFamily="50" charset="-128"/>
-                <a:ea typeface="BIZ UDPゴシック" panose="020B0400000000000000" pitchFamily="50" charset="-128"/>
+                <a:latin typeface="メイリオ" panose="020B0604030504040204" pitchFamily="50" charset="-128"/>
+                <a:ea typeface="メイリオ" panose="020B0604030504040204" pitchFamily="50" charset="-128"/>
               </a:rPr>
               <a:t>メール</a:t>
             </a:r>
             <a:r>
               <a:rPr kumimoji="1" lang="en-US" altLang="ja-JP" sz="2800" dirty="0">
-                <a:latin typeface="BIZ UDPゴシック" panose="020B0400000000000000" pitchFamily="50" charset="-128"/>
-                <a:ea typeface="BIZ UDPゴシック" panose="020B0400000000000000" pitchFamily="50" charset="-128"/>
+                <a:latin typeface="メイリオ" panose="020B0604030504040204" pitchFamily="50" charset="-128"/>
+                <a:ea typeface="メイリオ" panose="020B0604030504040204" pitchFamily="50" charset="-128"/>
               </a:rPr>
               <a:t>	</a:t>
             </a:r>
             <a:r>
               <a:rPr kumimoji="1" lang="ja-JP" altLang="en-US" sz="2800" dirty="0">
-                <a:latin typeface="BIZ UDPゴシック" panose="020B0400000000000000" pitchFamily="50" charset="-128"/>
-                <a:ea typeface="BIZ UDPゴシック" panose="020B0400000000000000" pitchFamily="50" charset="-128"/>
+                <a:latin typeface="メイリオ" panose="020B0604030504040204" pitchFamily="50" charset="-128"/>
+                <a:ea typeface="メイリオ" panose="020B0604030504040204" pitchFamily="50" charset="-128"/>
               </a:rPr>
               <a:t>：</a:t>
             </a:r>
             <a:r>
               <a:rPr kumimoji="1" lang="en-US" altLang="ja-JP" sz="2800" dirty="0">
-                <a:latin typeface="BIZ UDPゴシック" panose="020B0400000000000000" pitchFamily="50" charset="-128"/>
-                <a:ea typeface="BIZ UDPゴシック" panose="020B0400000000000000" pitchFamily="50" charset="-128"/>
+                <a:latin typeface="メイリオ" panose="020B0604030504040204" pitchFamily="50" charset="-128"/>
+                <a:ea typeface="メイリオ" panose="020B0604030504040204" pitchFamily="50" charset="-128"/>
               </a:rPr>
               <a:t>renia5310@gmail.com</a:t>
             </a:r>
           </a:p>
           <a:p>
             <a:r>
+              <a:rPr kumimoji="1" lang="en-US" altLang="ja-JP" sz="2800" dirty="0" err="1">
+                <a:latin typeface="メイリオ" panose="020B0604030504040204" pitchFamily="50" charset="-128"/>
+                <a:ea typeface="メイリオ" panose="020B0604030504040204" pitchFamily="50" charset="-128"/>
+              </a:rPr>
+              <a:t>GitURL</a:t>
+            </a:r>
+            <a:r>
               <a:rPr kumimoji="1" lang="en-US" altLang="ja-JP" sz="2800" dirty="0">
-                <a:latin typeface="BIZ UDPゴシック" panose="020B0400000000000000" pitchFamily="50" charset="-128"/>
-                <a:ea typeface="BIZ UDPゴシック" panose="020B0400000000000000" pitchFamily="50" charset="-128"/>
-              </a:rPr>
-              <a:t>ⅹ			</a:t>
+                <a:latin typeface="メイリオ" panose="020B0604030504040204" pitchFamily="50" charset="-128"/>
+                <a:ea typeface="メイリオ" panose="020B0604030504040204" pitchFamily="50" charset="-128"/>
+              </a:rPr>
+              <a:t>	</a:t>
             </a:r>
             <a:r>
               <a:rPr kumimoji="1" lang="ja-JP" altLang="en-US" sz="2800" dirty="0">
-                <a:latin typeface="BIZ UDPゴシック" panose="020B0400000000000000" pitchFamily="50" charset="-128"/>
-                <a:ea typeface="BIZ UDPゴシック" panose="020B0400000000000000" pitchFamily="50" charset="-128"/>
+                <a:latin typeface="メイリオ" panose="020B0604030504040204" pitchFamily="50" charset="-128"/>
+                <a:ea typeface="メイリオ" panose="020B0604030504040204" pitchFamily="50" charset="-128"/>
               </a:rPr>
               <a:t>：</a:t>
             </a:r>
+            <a:r>
+              <a:rPr lang="en-US" altLang="ja-JP" sz="2800" dirty="0" err="1">
+                <a:latin typeface="メイリオ" panose="020B0604030504040204" pitchFamily="50" charset="-128"/>
+                <a:ea typeface="メイリオ" panose="020B0604030504040204" pitchFamily="50" charset="-128"/>
+                <a:hlinkClick r:id="rId2"/>
+              </a:rPr>
+              <a:t>Hmmtrnt</a:t>
+            </a:r>
+            <a:r>
+              <a:rPr lang="en-US" altLang="ja-JP" sz="2800" dirty="0">
+                <a:latin typeface="メイリオ" panose="020B0604030504040204" pitchFamily="50" charset="-128"/>
+                <a:ea typeface="メイリオ" panose="020B0604030504040204" pitchFamily="50" charset="-128"/>
+                <a:hlinkClick r:id="rId2"/>
+              </a:rPr>
+              <a:t> (github.com)</a:t>
+            </a:r>
             <a:endParaRPr kumimoji="1" lang="en-US" altLang="ja-JP" sz="2800" dirty="0">
-              <a:latin typeface="BIZ UDPゴシック" panose="020B0400000000000000" pitchFamily="50" charset="-128"/>
-              <a:ea typeface="BIZ UDPゴシック" panose="020B0400000000000000" pitchFamily="50" charset="-128"/>
-            </a:endParaRPr>
-          </a:p>
-          <a:p>
-            <a:r>
-              <a:rPr kumimoji="1" lang="en-US" altLang="ja-JP" sz="2800" dirty="0" err="1">
-                <a:latin typeface="BIZ UDPゴシック" panose="020B0400000000000000" pitchFamily="50" charset="-128"/>
-                <a:ea typeface="BIZ UDPゴシック" panose="020B0400000000000000" pitchFamily="50" charset="-128"/>
-              </a:rPr>
-              <a:t>GitURL</a:t>
-            </a:r>
-            <a:r>
-              <a:rPr kumimoji="1" lang="en-US" altLang="ja-JP" sz="2800" dirty="0">
-                <a:latin typeface="BIZ UDPゴシック" panose="020B0400000000000000" pitchFamily="50" charset="-128"/>
-                <a:ea typeface="BIZ UDPゴシック" panose="020B0400000000000000" pitchFamily="50" charset="-128"/>
-              </a:rPr>
-              <a:t>	</a:t>
-            </a:r>
-            <a:r>
-              <a:rPr kumimoji="1" lang="ja-JP" altLang="en-US" sz="2800" dirty="0">
-                <a:latin typeface="BIZ UDPゴシック" panose="020B0400000000000000" pitchFamily="50" charset="-128"/>
-                <a:ea typeface="BIZ UDPゴシック" panose="020B0400000000000000" pitchFamily="50" charset="-128"/>
-              </a:rPr>
-              <a:t>：</a:t>
-            </a:r>
-            <a:r>
-              <a:rPr lang="en-US" altLang="ja-JP" sz="2800" dirty="0" err="1">
-                <a:hlinkClick r:id="rId2"/>
-              </a:rPr>
-              <a:t>Hmmtrnt</a:t>
-            </a:r>
-            <a:r>
-              <a:rPr lang="en-US" altLang="ja-JP" sz="2800" dirty="0">
-                <a:hlinkClick r:id="rId2"/>
-              </a:rPr>
-              <a:t> (github.com)</a:t>
-            </a:r>
-            <a:endParaRPr kumimoji="1" lang="en-US" altLang="ja-JP" sz="2800" dirty="0">
-              <a:latin typeface="BIZ UDPゴシック" panose="020B0400000000000000" pitchFamily="50" charset="-128"/>
-              <a:ea typeface="BIZ UDPゴシック" panose="020B0400000000000000" pitchFamily="50" charset="-128"/>
+              <a:latin typeface="メイリオ" panose="020B0604030504040204" pitchFamily="50" charset="-128"/>
+              <a:ea typeface="メイリオ" panose="020B0604030504040204" pitchFamily="50" charset="-128"/>
             </a:endParaRPr>
           </a:p>
         </p:txBody>
@@ -5650,7 +6211,7 @@
         </p:nvSpPr>
         <p:spPr>
           <a:xfrm>
-            <a:off x="5997998" y="4057103"/>
+            <a:off x="5791169" y="4670475"/>
             <a:ext cx="4442242" cy="2646878"/>
           </a:xfrm>
           <a:prstGeom prst="rect">
@@ -5741,42 +6302,6 @@
       </p:sp>
       <p:sp>
         <p:nvSpPr>
-          <p:cNvPr id="3" name="テキスト ボックス 2">
-            <a:extLst>
-              <a:ext uri="{FF2B5EF4-FFF2-40B4-BE49-F238E27FC236}">
-                <a16:creationId xmlns:a16="http://schemas.microsoft.com/office/drawing/2014/main" id="{081B8CF0-F6DE-4113-AAB7-4236DDBBECFE}"/>
-              </a:ext>
-            </a:extLst>
-          </p:cNvPr>
-          <p:cNvSpPr txBox="1"/>
-          <p:nvPr/>
-        </p:nvSpPr>
-        <p:spPr>
-          <a:xfrm>
-            <a:off x="970366" y="2803459"/>
-            <a:ext cx="2526031" cy="1446550"/>
-          </a:xfrm>
-          <a:prstGeom prst="rect">
-            <a:avLst/>
-          </a:prstGeom>
-          <a:noFill/>
-        </p:spPr>
-        <p:txBody>
-          <a:bodyPr wrap="square" rtlCol="0">
-            <a:spAutoFit/>
-          </a:bodyPr>
-          <a:lstStyle/>
-          <a:p>
-            <a:r>
-              <a:rPr kumimoji="1" lang="ja-JP" altLang="en-US" sz="8800" dirty="0"/>
-              <a:t>画像</a:t>
-            </a:r>
-            <a:endParaRPr kumimoji="1" lang="en-US" altLang="ja-JP" sz="8800" dirty="0"/>
-          </a:p>
-        </p:txBody>
-      </p:sp>
-      <p:sp>
-        <p:nvSpPr>
           <p:cNvPr id="4" name="テキスト ボックス 3">
             <a:extLst>
               <a:ext uri="{FF2B5EF4-FFF2-40B4-BE49-F238E27FC236}">
@@ -5789,8 +6314,8 @@
         </p:nvSpPr>
         <p:spPr>
           <a:xfrm>
-            <a:off x="602166" y="5805289"/>
-            <a:ext cx="7409720" cy="1323439"/>
+            <a:off x="602166" y="6486236"/>
+            <a:ext cx="7409720" cy="707886"/>
           </a:xfrm>
           <a:prstGeom prst="rect">
             <a:avLst/>
@@ -5804,57 +6329,20 @@
           <a:lstStyle/>
           <a:p>
             <a:r>
-              <a:rPr kumimoji="1" lang="ja-JP" altLang="en-US" sz="2000" dirty="0">
-                <a:latin typeface="BIZ UDPゴシック" panose="020B0400000000000000" pitchFamily="50" charset="-128"/>
-                <a:ea typeface="BIZ UDPゴシック" panose="020B0400000000000000" pitchFamily="50" charset="-128"/>
-              </a:rPr>
-              <a:t>動画</a:t>
-            </a:r>
-            <a:endParaRPr kumimoji="1" lang="en-US" altLang="ja-JP" sz="2000" dirty="0">
-              <a:latin typeface="BIZ UDPゴシック" panose="020B0400000000000000" pitchFamily="50" charset="-128"/>
-              <a:ea typeface="BIZ UDPゴシック" panose="020B0400000000000000" pitchFamily="50" charset="-128"/>
-            </a:endParaRPr>
-          </a:p>
-          <a:p>
-            <a:r>
               <a:rPr kumimoji="1" lang="en-US" altLang="ja-JP" sz="2000" dirty="0">
-                <a:latin typeface="BIZ UDPゴシック" panose="020B0400000000000000" pitchFamily="50" charset="-128"/>
-                <a:ea typeface="BIZ UDPゴシック" panose="020B0400000000000000" pitchFamily="50" charset="-128"/>
-              </a:rPr>
-              <a:t>(</a:t>
-            </a:r>
+                <a:latin typeface="メイリオ" panose="020B0604030504040204" pitchFamily="50" charset="-128"/>
+                <a:ea typeface="メイリオ" panose="020B0604030504040204" pitchFamily="50" charset="-128"/>
+              </a:rPr>
+              <a:t>GitHub</a:t>
+            </a:r>
+          </a:p>
+          <a:p>
             <a:r>
               <a:rPr kumimoji="1" lang="en-US" altLang="ja-JP" sz="2000" dirty="0">
-                <a:latin typeface="BIZ UDPゴシック" panose="020B0400000000000000" pitchFamily="50" charset="-128"/>
-                <a:ea typeface="BIZ UDPゴシック" panose="020B0400000000000000" pitchFamily="50" charset="-128"/>
-                <a:hlinkClick r:id="rId2"/>
-              </a:rPr>
-              <a:t>https://www.youtube.com/watch?v=vIyH1P71tJ4</a:t>
-            </a:r>
-            <a:r>
-              <a:rPr kumimoji="1" lang="en-US" altLang="ja-JP" sz="2000" dirty="0">
-                <a:latin typeface="BIZ UDPゴシック" panose="020B0400000000000000" pitchFamily="50" charset="-128"/>
-                <a:ea typeface="BIZ UDPゴシック" panose="020B0400000000000000" pitchFamily="50" charset="-128"/>
-              </a:rPr>
-              <a:t>)</a:t>
-            </a:r>
-          </a:p>
-          <a:p>
-            <a:r>
-              <a:rPr kumimoji="1" lang="en-US" altLang="ja-JP" sz="2000" dirty="0">
-                <a:latin typeface="BIZ UDPゴシック" panose="020B0400000000000000" pitchFamily="50" charset="-128"/>
-                <a:ea typeface="BIZ UDPゴシック" panose="020B0400000000000000" pitchFamily="50" charset="-128"/>
-              </a:rPr>
-              <a:t>GitHub</a:t>
-            </a:r>
-          </a:p>
-          <a:p>
-            <a:r>
-              <a:rPr kumimoji="1" lang="en-US" altLang="ja-JP" sz="2000" dirty="0">
-                <a:latin typeface="BIZ UDPゴシック" panose="020B0400000000000000" pitchFamily="50" charset="-128"/>
-                <a:ea typeface="BIZ UDPゴシック" panose="020B0400000000000000" pitchFamily="50" charset="-128"/>
-              </a:rPr>
-              <a:t>(https://github.com/fkogcc/FoxProject.git)</a:t>
+                <a:latin typeface="メイリオ" panose="020B0604030504040204" pitchFamily="50" charset="-128"/>
+                <a:ea typeface="メイリオ" panose="020B0604030504040204" pitchFamily="50" charset="-128"/>
+              </a:rPr>
+              <a:t>https://github.com/Hmmtrnt/MonsterHunterHDRP.git</a:t>
             </a:r>
           </a:p>
         </p:txBody>
@@ -5873,8 +6361,8 @@
         </p:nvSpPr>
         <p:spPr>
           <a:xfrm>
-            <a:off x="4307026" y="861834"/>
-            <a:ext cx="6555000" cy="5032147"/>
+            <a:off x="602166" y="1215777"/>
+            <a:ext cx="8531503" cy="5032147"/>
           </a:xfrm>
           <a:prstGeom prst="rect">
             <a:avLst/>
@@ -5907,11 +6395,11 @@
               <a:t>		</a:t>
             </a:r>
             <a:r>
-              <a:rPr kumimoji="1" lang="ja-JP" altLang="en-US" sz="2400" dirty="0">
-                <a:latin typeface="メイリオ" panose="020B0604030504040204" pitchFamily="50" charset="-128"/>
-                <a:ea typeface="メイリオ" panose="020B0604030504040204" pitchFamily="50" charset="-128"/>
-              </a:rPr>
-              <a:t>キツネたろう二世の大冒険</a:t>
+              <a:rPr kumimoji="1" lang="en-US" altLang="ja-JP" sz="2400" dirty="0" err="1">
+                <a:latin typeface="メイリオ" panose="020B0604030504040204" pitchFamily="50" charset="-128"/>
+                <a:ea typeface="メイリオ" panose="020B0604030504040204" pitchFamily="50" charset="-128"/>
+              </a:rPr>
+              <a:t>DoragonHunter</a:t>
             </a:r>
             <a:endParaRPr kumimoji="1" lang="en-US" altLang="ja-JP" sz="2400" dirty="0">
               <a:latin typeface="メイリオ" panose="020B0604030504040204" pitchFamily="50" charset="-128"/>
@@ -5968,7 +6456,7 @@
                 <a:latin typeface="メイリオ" panose="020B0604030504040204" pitchFamily="50" charset="-128"/>
                 <a:ea typeface="メイリオ" panose="020B0604030504040204" pitchFamily="50" charset="-128"/>
               </a:rPr>
-              <a:t>		09/07</a:t>
+              <a:t>		10/09</a:t>
             </a:r>
             <a:r>
               <a:rPr kumimoji="1" lang="ja-JP" altLang="en-US" sz="2400" dirty="0">
@@ -5982,7 +6470,7 @@
                 <a:latin typeface="メイリオ" panose="020B0604030504040204" pitchFamily="50" charset="-128"/>
                 <a:ea typeface="メイリオ" panose="020B0604030504040204" pitchFamily="50" charset="-128"/>
               </a:rPr>
-              <a:t>12/8</a:t>
+              <a:t>1/26</a:t>
             </a:r>
           </a:p>
           <a:p>
@@ -6003,7 +6491,7 @@
                 <a:latin typeface="メイリオ" panose="020B0604030504040204" pitchFamily="50" charset="-128"/>
                 <a:ea typeface="メイリオ" panose="020B0604030504040204" pitchFamily="50" charset="-128"/>
               </a:rPr>
-              <a:t>		Unity/C#/GitHub Desktop</a:t>
+              <a:t>		Unity/C#/</a:t>
             </a:r>
           </a:p>
           <a:p>
@@ -6013,6 +6501,20 @@
               </a:lnSpc>
             </a:pPr>
             <a:r>
+              <a:rPr kumimoji="1" lang="en-US" altLang="ja-JP" sz="2400" dirty="0">
+                <a:latin typeface="メイリオ" panose="020B0604030504040204" pitchFamily="50" charset="-128"/>
+                <a:ea typeface="メイリオ" panose="020B0604030504040204" pitchFamily="50" charset="-128"/>
+              </a:rPr>
+              <a:t>				GitHub Desktop</a:t>
+            </a:r>
+          </a:p>
+          <a:p>
+            <a:pPr>
+              <a:lnSpc>
+                <a:spcPct val="150000"/>
+              </a:lnSpc>
+            </a:pPr>
+            <a:r>
               <a:rPr kumimoji="1" lang="ja-JP" altLang="en-US" sz="2400" dirty="0">
                 <a:latin typeface="メイリオ" panose="020B0604030504040204" pitchFamily="50" charset="-128"/>
                 <a:ea typeface="メイリオ" panose="020B0604030504040204" pitchFamily="50" charset="-128"/>
@@ -6045,7 +6547,21 @@
                 <a:latin typeface="メイリオ" panose="020B0604030504040204" pitchFamily="50" charset="-128"/>
                 <a:ea typeface="メイリオ" panose="020B0604030504040204" pitchFamily="50" charset="-128"/>
               </a:rPr>
-              <a:t>	6</a:t>
+              <a:t>			1</a:t>
+            </a:r>
+            <a:r>
+              <a:rPr kumimoji="1" lang="ja-JP" altLang="en-US" sz="2400" dirty="0">
+                <a:latin typeface="メイリオ" panose="020B0604030504040204" pitchFamily="50" charset="-128"/>
+                <a:ea typeface="メイリオ" panose="020B0604030504040204" pitchFamily="50" charset="-128"/>
+              </a:rPr>
+              <a:t>名、モーションデザイナー</a:t>
+            </a:r>
+            <a:r>
+              <a:rPr kumimoji="1" lang="en-US" altLang="ja-JP" sz="2400" dirty="0">
+                <a:latin typeface="メイリオ" panose="020B0604030504040204" pitchFamily="50" charset="-128"/>
+                <a:ea typeface="メイリオ" panose="020B0604030504040204" pitchFamily="50" charset="-128"/>
+              </a:rPr>
+              <a:t>	1</a:t>
             </a:r>
             <a:r>
               <a:rPr kumimoji="1" lang="ja-JP" altLang="en-US" sz="2400" dirty="0">
@@ -6070,7 +6586,7 @@
                 <a:latin typeface="メイリオ" panose="020B0604030504040204" pitchFamily="50" charset="-128"/>
                 <a:ea typeface="メイリオ" panose="020B0604030504040204" pitchFamily="50" charset="-128"/>
               </a:rPr>
-              <a:t>CG</a:t>
+              <a:t>UI</a:t>
             </a:r>
             <a:r>
               <a:rPr kumimoji="1" lang="ja-JP" altLang="en-US" sz="2400" dirty="0">
@@ -6084,7 +6600,7 @@
                 <a:latin typeface="メイリオ" panose="020B0604030504040204" pitchFamily="50" charset="-128"/>
                 <a:ea typeface="メイリオ" panose="020B0604030504040204" pitchFamily="50" charset="-128"/>
               </a:rPr>
-              <a:t>	5</a:t>
+              <a:t>			1</a:t>
             </a:r>
             <a:r>
               <a:rPr kumimoji="1" lang="ja-JP" altLang="en-US" sz="2400" dirty="0">
@@ -6123,68 +6639,51 @@
                 <a:latin typeface="メイリオ" panose="020B0604030504040204" pitchFamily="50" charset="-128"/>
                 <a:ea typeface="メイリオ" panose="020B0604030504040204" pitchFamily="50" charset="-128"/>
               </a:rPr>
-              <a:t>プレイヤー</a:t>
-            </a:r>
-            <a:r>
-              <a:rPr kumimoji="1" lang="en-US" altLang="ja-JP" sz="2400" dirty="0">
-                <a:latin typeface="メイリオ" panose="020B0604030504040204" pitchFamily="50" charset="-128"/>
-                <a:ea typeface="メイリオ" panose="020B0604030504040204" pitchFamily="50" charset="-128"/>
-              </a:rPr>
-              <a:t>,</a:t>
-            </a:r>
-            <a:r>
-              <a:rPr kumimoji="1" lang="ja-JP" altLang="en-US" sz="2400" dirty="0">
-                <a:latin typeface="メイリオ" panose="020B0604030504040204" pitchFamily="50" charset="-128"/>
-                <a:ea typeface="メイリオ" panose="020B0604030504040204" pitchFamily="50" charset="-128"/>
-              </a:rPr>
-              <a:t>ステージ</a:t>
-            </a:r>
-            <a:r>
-              <a:rPr kumimoji="1" lang="en-US" altLang="ja-JP" sz="2400" dirty="0">
-                <a:latin typeface="メイリオ" panose="020B0604030504040204" pitchFamily="50" charset="-128"/>
-                <a:ea typeface="メイリオ" panose="020B0604030504040204" pitchFamily="50" charset="-128"/>
-              </a:rPr>
-              <a:t>,</a:t>
-            </a:r>
-            <a:r>
-              <a:rPr kumimoji="1" lang="ja-JP" altLang="en-US" sz="2400" dirty="0">
-                <a:latin typeface="メイリオ" panose="020B0604030504040204" pitchFamily="50" charset="-128"/>
-                <a:ea typeface="メイリオ" panose="020B0604030504040204" pitchFamily="50" charset="-128"/>
-              </a:rPr>
-              <a:t>シーン管理</a:t>
+              <a:t>プログラミング全般</a:t>
             </a:r>
             <a:endParaRPr kumimoji="1" lang="en-US" altLang="ja-JP" sz="2400" dirty="0">
               <a:latin typeface="メイリオ" panose="020B0604030504040204" pitchFamily="50" charset="-128"/>
               <a:ea typeface="メイリオ" panose="020B0604030504040204" pitchFamily="50" charset="-128"/>
             </a:endParaRPr>
           </a:p>
-          <a:p>
-            <a:pPr>
-              <a:lnSpc>
-                <a:spcPct val="150000"/>
-              </a:lnSpc>
-            </a:pPr>
-            <a:r>
-              <a:rPr kumimoji="1" lang="en-US" altLang="ja-JP" sz="2400" dirty="0">
-                <a:latin typeface="メイリオ" panose="020B0604030504040204" pitchFamily="50" charset="-128"/>
-                <a:ea typeface="メイリオ" panose="020B0604030504040204" pitchFamily="50" charset="-128"/>
-              </a:rPr>
-              <a:t>				</a:t>
-            </a:r>
-            <a:r>
-              <a:rPr kumimoji="1" lang="ja-JP" altLang="en-US" sz="2400" dirty="0">
-                <a:latin typeface="メイリオ" panose="020B0604030504040204" pitchFamily="50" charset="-128"/>
-                <a:ea typeface="メイリオ" panose="020B0604030504040204" pitchFamily="50" charset="-128"/>
-              </a:rPr>
-              <a:t>バージョン管理</a:t>
-            </a:r>
-            <a:endParaRPr kumimoji="1" lang="en-US" altLang="ja-JP" sz="2400" dirty="0">
-              <a:latin typeface="メイリオ" panose="020B0604030504040204" pitchFamily="50" charset="-128"/>
-              <a:ea typeface="メイリオ" panose="020B0604030504040204" pitchFamily="50" charset="-128"/>
-            </a:endParaRPr>
-          </a:p>
-        </p:txBody>
-      </p:sp>
+        </p:txBody>
+      </p:sp>
+      <p:pic>
+        <p:nvPicPr>
+          <p:cNvPr id="7" name="図 6">
+            <a:extLst>
+              <a:ext uri="{FF2B5EF4-FFF2-40B4-BE49-F238E27FC236}">
+                <a16:creationId xmlns:a16="http://schemas.microsoft.com/office/drawing/2014/main" id="{008F9E9F-97CB-42AE-8D68-BAD2E2182FCC}"/>
+              </a:ext>
+            </a:extLst>
+          </p:cNvPr>
+          <p:cNvPicPr>
+            <a:picLocks noChangeAspect="1"/>
+          </p:cNvPicPr>
+          <p:nvPr/>
+        </p:nvPicPr>
+        <p:blipFill>
+          <a:blip r:embed="rId2">
+            <a:extLst>
+              <a:ext uri="{28A0092B-C50C-407E-A947-70E740481C1C}">
+                <a14:useLocalDpi xmlns:a14="http://schemas.microsoft.com/office/drawing/2010/main" val="0"/>
+              </a:ext>
+            </a:extLst>
+          </a:blip>
+          <a:stretch>
+            <a:fillRect/>
+          </a:stretch>
+        </p:blipFill>
+        <p:spPr>
+          <a:xfrm>
+            <a:off x="5141310" y="1240140"/>
+            <a:ext cx="5372414" cy="2768709"/>
+          </a:xfrm>
+          <a:prstGeom prst="rect">
+            <a:avLst/>
+          </a:prstGeom>
+        </p:spPr>
+      </p:pic>
     </p:spTree>
     <p:extLst>
       <p:ext uri="{BB962C8B-B14F-4D97-AF65-F5344CB8AC3E}">
@@ -6255,122 +6754,6 @@
       </p:sp>
       <p:sp>
         <p:nvSpPr>
-          <p:cNvPr id="3" name="テキスト ボックス 2">
-            <a:extLst>
-              <a:ext uri="{FF2B5EF4-FFF2-40B4-BE49-F238E27FC236}">
-                <a16:creationId xmlns:a16="http://schemas.microsoft.com/office/drawing/2014/main" id="{DE584E00-D739-421D-B647-C985267F2833}"/>
-              </a:ext>
-            </a:extLst>
-          </p:cNvPr>
-          <p:cNvSpPr txBox="1"/>
-          <p:nvPr/>
-        </p:nvSpPr>
-        <p:spPr>
-          <a:xfrm>
-            <a:off x="925286" y="1349829"/>
-            <a:ext cx="4570482" cy="830997"/>
-          </a:xfrm>
-          <a:prstGeom prst="rect">
-            <a:avLst/>
-          </a:prstGeom>
-          <a:noFill/>
-        </p:spPr>
-        <p:txBody>
-          <a:bodyPr wrap="none" rtlCol="0">
-            <a:spAutoFit/>
-          </a:bodyPr>
-          <a:lstStyle/>
-          <a:p>
-            <a:r>
-              <a:rPr kumimoji="1" lang="en-US" altLang="ja-JP" sz="2400" dirty="0">
-                <a:latin typeface="BIZ UDPゴシック" panose="020B0400000000000000" pitchFamily="50" charset="-128"/>
-                <a:ea typeface="BIZ UDPゴシック" panose="020B0400000000000000" pitchFamily="50" charset="-128"/>
-              </a:rPr>
-              <a:t>2D</a:t>
-            </a:r>
-            <a:r>
-              <a:rPr kumimoji="1" lang="ja-JP" altLang="en-US" sz="2400" dirty="0">
-                <a:latin typeface="BIZ UDPゴシック" panose="020B0400000000000000" pitchFamily="50" charset="-128"/>
-                <a:ea typeface="BIZ UDPゴシック" panose="020B0400000000000000" pitchFamily="50" charset="-128"/>
-              </a:rPr>
-              <a:t>視点のステージを進んでいき</a:t>
-            </a:r>
-            <a:endParaRPr kumimoji="1" lang="en-US" altLang="ja-JP" sz="2400" dirty="0">
-              <a:latin typeface="BIZ UDPゴシック" panose="020B0400000000000000" pitchFamily="50" charset="-128"/>
-              <a:ea typeface="BIZ UDPゴシック" panose="020B0400000000000000" pitchFamily="50" charset="-128"/>
-            </a:endParaRPr>
-          </a:p>
-          <a:p>
-            <a:r>
-              <a:rPr kumimoji="1" lang="ja-JP" altLang="en-US" sz="2400" dirty="0">
-                <a:latin typeface="BIZ UDPゴシック" panose="020B0400000000000000" pitchFamily="50" charset="-128"/>
-                <a:ea typeface="BIZ UDPゴシック" panose="020B0400000000000000" pitchFamily="50" charset="-128"/>
-              </a:rPr>
-              <a:t>ゴールを目指していく</a:t>
-            </a:r>
-          </a:p>
-        </p:txBody>
-      </p:sp>
-      <p:sp>
-        <p:nvSpPr>
-          <p:cNvPr id="4" name="テキスト ボックス 3">
-            <a:extLst>
-              <a:ext uri="{FF2B5EF4-FFF2-40B4-BE49-F238E27FC236}">
-                <a16:creationId xmlns:a16="http://schemas.microsoft.com/office/drawing/2014/main" id="{784043CB-874D-4801-B889-4F89534F95A5}"/>
-              </a:ext>
-            </a:extLst>
-          </p:cNvPr>
-          <p:cNvSpPr txBox="1"/>
-          <p:nvPr/>
-        </p:nvSpPr>
-        <p:spPr>
-          <a:xfrm>
-            <a:off x="925286" y="4234542"/>
-            <a:ext cx="8076250" cy="830997"/>
-          </a:xfrm>
-          <a:prstGeom prst="rect">
-            <a:avLst/>
-          </a:prstGeom>
-          <a:noFill/>
-        </p:spPr>
-        <p:txBody>
-          <a:bodyPr wrap="none" rtlCol="0">
-            <a:spAutoFit/>
-          </a:bodyPr>
-          <a:lstStyle/>
-          <a:p>
-            <a:r>
-              <a:rPr kumimoji="1" lang="ja-JP" altLang="en-US" sz="2400" dirty="0">
-                <a:latin typeface="BIZ UDPゴシック" panose="020B0400000000000000" pitchFamily="50" charset="-128"/>
-                <a:ea typeface="BIZ UDPゴシック" panose="020B0400000000000000" pitchFamily="50" charset="-128"/>
-              </a:rPr>
-              <a:t>どうしても通れない場所に遭遇するとワープになかに入り</a:t>
-            </a:r>
-            <a:endParaRPr kumimoji="1" lang="en-US" altLang="ja-JP" sz="2400" dirty="0">
-              <a:latin typeface="BIZ UDPゴシック" panose="020B0400000000000000" pitchFamily="50" charset="-128"/>
-              <a:ea typeface="BIZ UDPゴシック" panose="020B0400000000000000" pitchFamily="50" charset="-128"/>
-            </a:endParaRPr>
-          </a:p>
-          <a:p>
-            <a:r>
-              <a:rPr kumimoji="1" lang="en-US" altLang="ja-JP" sz="2400" dirty="0">
-                <a:latin typeface="BIZ UDPゴシック" panose="020B0400000000000000" pitchFamily="50" charset="-128"/>
-                <a:ea typeface="BIZ UDPゴシック" panose="020B0400000000000000" pitchFamily="50" charset="-128"/>
-              </a:rPr>
-              <a:t>3D</a:t>
-            </a:r>
-            <a:r>
-              <a:rPr kumimoji="1" lang="ja-JP" altLang="en-US" sz="2400" dirty="0">
-                <a:latin typeface="BIZ UDPゴシック" panose="020B0400000000000000" pitchFamily="50" charset="-128"/>
-                <a:ea typeface="BIZ UDPゴシック" panose="020B0400000000000000" pitchFamily="50" charset="-128"/>
-              </a:rPr>
-              <a:t>視点のステージにある様々なギミックを解いて進む</a:t>
-            </a:r>
-          </a:p>
-        </p:txBody>
-      </p:sp>
-      <p:sp>
-        <p:nvSpPr>
           <p:cNvPr id="5" name="テキスト ボックス 4">
             <a:extLst>
               <a:ext uri="{FF2B5EF4-FFF2-40B4-BE49-F238E27FC236}">
@@ -6383,7 +6766,7 @@
         </p:nvSpPr>
         <p:spPr>
           <a:xfrm>
-            <a:off x="925286" y="2792185"/>
+            <a:off x="6270171" y="5535026"/>
             <a:ext cx="800219" cy="461665"/>
           </a:xfrm>
           <a:prstGeom prst="rect">
@@ -6421,7 +6804,7 @@
         </p:nvSpPr>
         <p:spPr>
           <a:xfrm>
-            <a:off x="925285" y="5815398"/>
+            <a:off x="979713" y="5507358"/>
             <a:ext cx="800219" cy="461665"/>
           </a:xfrm>
           <a:prstGeom prst="rect">
@@ -6441,6 +6824,146 @@
                 <a:ea typeface="BIZ UDPゴシック" panose="020B0400000000000000" pitchFamily="50" charset="-128"/>
               </a:rPr>
               <a:t>画像</a:t>
+            </a:r>
+          </a:p>
+        </p:txBody>
+      </p:sp>
+      <p:sp>
+        <p:nvSpPr>
+          <p:cNvPr id="8" name="テキスト ボックス 7">
+            <a:extLst>
+              <a:ext uri="{FF2B5EF4-FFF2-40B4-BE49-F238E27FC236}">
+                <a16:creationId xmlns:a16="http://schemas.microsoft.com/office/drawing/2014/main" id="{30A111FE-73FE-4596-BCE5-D1D053A25FF3}"/>
+              </a:ext>
+            </a:extLst>
+          </p:cNvPr>
+          <p:cNvSpPr txBox="1"/>
+          <p:nvPr/>
+        </p:nvSpPr>
+        <p:spPr>
+          <a:xfrm>
+            <a:off x="979713" y="1915886"/>
+            <a:ext cx="3877985" cy="461665"/>
+          </a:xfrm>
+          <a:prstGeom prst="rect">
+            <a:avLst/>
+          </a:prstGeom>
+          <a:noFill/>
+        </p:spPr>
+        <p:txBody>
+          <a:bodyPr wrap="none" rtlCol="0">
+            <a:spAutoFit/>
+          </a:bodyPr>
+          <a:lstStyle/>
+          <a:p>
+            <a:r>
+              <a:rPr kumimoji="1" lang="ja-JP" altLang="en-US" sz="2400" dirty="0">
+                <a:latin typeface="メイリオ" panose="020B0604030504040204" pitchFamily="50" charset="-128"/>
+                <a:ea typeface="メイリオ" panose="020B0604030504040204" pitchFamily="50" charset="-128"/>
+              </a:rPr>
+              <a:t>目標はドラゴンを狩ること</a:t>
+            </a:r>
+          </a:p>
+        </p:txBody>
+      </p:sp>
+      <p:sp>
+        <p:nvSpPr>
+          <p:cNvPr id="9" name="テキスト ボックス 8">
+            <a:extLst>
+              <a:ext uri="{FF2B5EF4-FFF2-40B4-BE49-F238E27FC236}">
+                <a16:creationId xmlns:a16="http://schemas.microsoft.com/office/drawing/2014/main" id="{9843A4DF-9E86-4642-9BD6-8466DFD12EC9}"/>
+              </a:ext>
+            </a:extLst>
+          </p:cNvPr>
+          <p:cNvSpPr txBox="1"/>
+          <p:nvPr/>
+        </p:nvSpPr>
+        <p:spPr>
+          <a:xfrm>
+            <a:off x="6253960" y="1562984"/>
+            <a:ext cx="800219" cy="461665"/>
+          </a:xfrm>
+          <a:prstGeom prst="rect">
+            <a:avLst/>
+          </a:prstGeom>
+          <a:noFill/>
+        </p:spPr>
+        <p:txBody>
+          <a:bodyPr wrap="none" rtlCol="0">
+            <a:spAutoFit/>
+          </a:bodyPr>
+          <a:lstStyle/>
+          <a:p>
+            <a:r>
+              <a:rPr kumimoji="1" lang="ja-JP" altLang="en-US" sz="2400" dirty="0">
+                <a:latin typeface="BIZ UDPゴシック" panose="020B0400000000000000" pitchFamily="50" charset="-128"/>
+                <a:ea typeface="BIZ UDPゴシック" panose="020B0400000000000000" pitchFamily="50" charset="-128"/>
+              </a:rPr>
+              <a:t>画像</a:t>
+            </a:r>
+          </a:p>
+        </p:txBody>
+      </p:sp>
+      <p:sp>
+        <p:nvSpPr>
+          <p:cNvPr id="10" name="テキスト ボックス 9">
+            <a:extLst>
+              <a:ext uri="{FF2B5EF4-FFF2-40B4-BE49-F238E27FC236}">
+                <a16:creationId xmlns:a16="http://schemas.microsoft.com/office/drawing/2014/main" id="{D106B5B0-F2B4-4AE5-9FBA-7F1F98C32AA9}"/>
+              </a:ext>
+            </a:extLst>
+          </p:cNvPr>
+          <p:cNvSpPr txBox="1"/>
+          <p:nvPr/>
+        </p:nvSpPr>
+        <p:spPr>
+          <a:xfrm>
+            <a:off x="1055914" y="2765721"/>
+            <a:ext cx="4185761" cy="1200329"/>
+          </a:xfrm>
+          <a:prstGeom prst="rect">
+            <a:avLst/>
+          </a:prstGeom>
+          <a:noFill/>
+        </p:spPr>
+        <p:txBody>
+          <a:bodyPr wrap="none" rtlCol="0">
+            <a:spAutoFit/>
+          </a:bodyPr>
+          <a:lstStyle/>
+          <a:p>
+            <a:r>
+              <a:rPr kumimoji="1" lang="ja-JP" altLang="en-US" sz="2400" dirty="0">
+                <a:latin typeface="メイリオ" panose="020B0604030504040204" pitchFamily="50" charset="-128"/>
+                <a:ea typeface="メイリオ" panose="020B0604030504040204" pitchFamily="50" charset="-128"/>
+              </a:rPr>
+              <a:t>二つの難易度があり、</a:t>
+            </a:r>
+            <a:endParaRPr kumimoji="1" lang="en-US" altLang="ja-JP" sz="2400" dirty="0">
+              <a:latin typeface="メイリオ" panose="020B0604030504040204" pitchFamily="50" charset="-128"/>
+              <a:ea typeface="メイリオ" panose="020B0604030504040204" pitchFamily="50" charset="-128"/>
+            </a:endParaRPr>
+          </a:p>
+          <a:p>
+            <a:r>
+              <a:rPr kumimoji="1" lang="ja-JP" altLang="en-US" sz="2400" dirty="0">
+                <a:latin typeface="メイリオ" panose="020B0604030504040204" pitchFamily="50" charset="-128"/>
+                <a:ea typeface="メイリオ" panose="020B0604030504040204" pitchFamily="50" charset="-128"/>
+              </a:rPr>
+              <a:t>短時間で狩れるモードと</a:t>
+            </a:r>
+            <a:endParaRPr kumimoji="1" lang="en-US" altLang="ja-JP" sz="2400" dirty="0">
+              <a:latin typeface="メイリオ" panose="020B0604030504040204" pitchFamily="50" charset="-128"/>
+              <a:ea typeface="メイリオ" panose="020B0604030504040204" pitchFamily="50" charset="-128"/>
+            </a:endParaRPr>
+          </a:p>
+          <a:p>
+            <a:r>
+              <a:rPr kumimoji="1" lang="ja-JP" altLang="en-US" sz="2400" dirty="0">
+                <a:latin typeface="メイリオ" panose="020B0604030504040204" pitchFamily="50" charset="-128"/>
+                <a:ea typeface="メイリオ" panose="020B0604030504040204" pitchFamily="50" charset="-128"/>
+              </a:rPr>
+              <a:t>長時間で狩れるモードがある</a:t>
             </a:r>
           </a:p>
         </p:txBody>
@@ -6490,7 +7013,7 @@
         <p:spPr>
           <a:xfrm>
             <a:off x="686889" y="516528"/>
-            <a:ext cx="6795450" cy="707886"/>
+            <a:ext cx="6792244" cy="707886"/>
           </a:xfrm>
           <a:prstGeom prst="rect">
             <a:avLst/>
@@ -6505,35 +7028,35 @@
           <a:p>
             <a:r>
               <a:rPr kumimoji="1" lang="ja-JP" altLang="en-US" sz="4000" dirty="0">
-                <a:latin typeface="BIZ UDPゴシック" panose="020B0400000000000000" pitchFamily="50" charset="-128"/>
-                <a:ea typeface="BIZ UDPゴシック" panose="020B0400000000000000" pitchFamily="50" charset="-128"/>
-              </a:rPr>
-              <a:t>制作作品　</a:t>
+                <a:latin typeface="メイリオ" panose="020B0604030504040204" pitchFamily="50" charset="-128"/>
+                <a:ea typeface="メイリオ" panose="020B0604030504040204" pitchFamily="50" charset="-128"/>
+              </a:rPr>
+              <a:t>制作作品</a:t>
             </a:r>
             <a:r>
               <a:rPr kumimoji="1" lang="en-US" altLang="ja-JP" sz="4000" dirty="0">
-                <a:latin typeface="BIZ UDPゴシック" panose="020B0400000000000000" pitchFamily="50" charset="-128"/>
-                <a:ea typeface="BIZ UDPゴシック" panose="020B0400000000000000" pitchFamily="50" charset="-128"/>
+                <a:latin typeface="メイリオ" panose="020B0604030504040204" pitchFamily="50" charset="-128"/>
+                <a:ea typeface="メイリオ" panose="020B0604030504040204" pitchFamily="50" charset="-128"/>
               </a:rPr>
               <a:t>(</a:t>
             </a:r>
             <a:r>
               <a:rPr kumimoji="1" lang="ja-JP" altLang="en-US" sz="4000" dirty="0">
-                <a:latin typeface="BIZ UDPゴシック" panose="020B0400000000000000" pitchFamily="50" charset="-128"/>
-                <a:ea typeface="BIZ UDPゴシック" panose="020B0400000000000000" pitchFamily="50" charset="-128"/>
+                <a:latin typeface="メイリオ" panose="020B0604030504040204" pitchFamily="50" charset="-128"/>
+                <a:ea typeface="メイリオ" panose="020B0604030504040204" pitchFamily="50" charset="-128"/>
               </a:rPr>
               <a:t>アピールポイント</a:t>
             </a:r>
             <a:r>
               <a:rPr kumimoji="1" lang="en-US" altLang="ja-JP" sz="4000" dirty="0">
-                <a:latin typeface="BIZ UDPゴシック" panose="020B0400000000000000" pitchFamily="50" charset="-128"/>
-                <a:ea typeface="BIZ UDPゴシック" panose="020B0400000000000000" pitchFamily="50" charset="-128"/>
+                <a:latin typeface="メイリオ" panose="020B0604030504040204" pitchFamily="50" charset="-128"/>
+                <a:ea typeface="メイリオ" panose="020B0604030504040204" pitchFamily="50" charset="-128"/>
               </a:rPr>
               <a:t>)</a:t>
             </a:r>
             <a:endParaRPr kumimoji="1" lang="ja-JP" altLang="en-US" sz="4000" dirty="0">
-              <a:latin typeface="BIZ UDPゴシック" panose="020B0400000000000000" pitchFamily="50" charset="-128"/>
-              <a:ea typeface="BIZ UDPゴシック" panose="020B0400000000000000" pitchFamily="50" charset="-128"/>
+              <a:latin typeface="メイリオ" panose="020B0604030504040204" pitchFamily="50" charset="-128"/>
+              <a:ea typeface="メイリオ" panose="020B0604030504040204" pitchFamily="50" charset="-128"/>
             </a:endParaRPr>
           </a:p>
         </p:txBody>
@@ -6553,7 +7076,7 @@
         <p:spPr>
           <a:xfrm>
             <a:off x="686889" y="1524000"/>
-            <a:ext cx="7101624" cy="1292662"/>
+            <a:ext cx="3607078" cy="523220"/>
           </a:xfrm>
           <a:prstGeom prst="rect">
             <a:avLst/>
@@ -6567,52 +7090,13 @@
           <a:lstStyle/>
           <a:p>
             <a:r>
-              <a:rPr kumimoji="1" lang="ja-JP" altLang="en-US" sz="2400" dirty="0">
+              <a:rPr kumimoji="1" lang="ja-JP" altLang="en-US" sz="2800" dirty="0">
                 <a:latin typeface="BIZ UDPゴシック" panose="020B0400000000000000" pitchFamily="50" charset="-128"/>
                 <a:ea typeface="BIZ UDPゴシック" panose="020B0400000000000000" pitchFamily="50" charset="-128"/>
               </a:rPr>
-              <a:t>プレイヤーのプレハブ制作</a:t>
-            </a:r>
-            <a:endParaRPr kumimoji="1" lang="en-US" altLang="ja-JP" sz="2400" dirty="0">
-              <a:latin typeface="BIZ UDPゴシック" panose="020B0400000000000000" pitchFamily="50" charset="-128"/>
-              <a:ea typeface="BIZ UDPゴシック" panose="020B0400000000000000" pitchFamily="50" charset="-128"/>
-            </a:endParaRPr>
-          </a:p>
-          <a:p>
-            <a:r>
-              <a:rPr kumimoji="1" lang="en-US" altLang="ja-JP" dirty="0">
-                <a:latin typeface="BIZ UDPゴシック" panose="020B0400000000000000" pitchFamily="50" charset="-128"/>
-                <a:ea typeface="BIZ UDPゴシック" panose="020B0400000000000000" pitchFamily="50" charset="-128"/>
-              </a:rPr>
-              <a:t>2D,3D</a:t>
-            </a:r>
-            <a:r>
-              <a:rPr kumimoji="1" lang="ja-JP" altLang="en-US" dirty="0">
-                <a:latin typeface="BIZ UDPゴシック" panose="020B0400000000000000" pitchFamily="50" charset="-128"/>
-                <a:ea typeface="BIZ UDPゴシック" panose="020B0400000000000000" pitchFamily="50" charset="-128"/>
-              </a:rPr>
-              <a:t>それぞれの視点のギミックに対応しやすいように</a:t>
-            </a:r>
-            <a:endParaRPr kumimoji="1" lang="en-US" altLang="ja-JP" dirty="0">
-              <a:latin typeface="BIZ UDPゴシック" panose="020B0400000000000000" pitchFamily="50" charset="-128"/>
-              <a:ea typeface="BIZ UDPゴシック" panose="020B0400000000000000" pitchFamily="50" charset="-128"/>
-            </a:endParaRPr>
-          </a:p>
-          <a:p>
-            <a:r>
-              <a:rPr kumimoji="1" lang="ja-JP" altLang="en-US" dirty="0">
-                <a:latin typeface="BIZ UDPゴシック" panose="020B0400000000000000" pitchFamily="50" charset="-128"/>
-                <a:ea typeface="BIZ UDPゴシック" panose="020B0400000000000000" pitchFamily="50" charset="-128"/>
-              </a:rPr>
-              <a:t>各ギミックの担当者からの希望にすべて答えわかりやすいように制作</a:t>
-            </a:r>
-            <a:endParaRPr kumimoji="1" lang="en-US" altLang="ja-JP" dirty="0">
-              <a:latin typeface="BIZ UDPゴシック" panose="020B0400000000000000" pitchFamily="50" charset="-128"/>
-              <a:ea typeface="BIZ UDPゴシック" panose="020B0400000000000000" pitchFamily="50" charset="-128"/>
-            </a:endParaRPr>
-          </a:p>
-          <a:p>
-            <a:endParaRPr kumimoji="1" lang="en-US" altLang="ja-JP" dirty="0">
+              <a:t>プレイヤーの状態制御</a:t>
+            </a:r>
+            <a:endParaRPr kumimoji="1" lang="en-US" altLang="ja-JP" sz="2000" dirty="0">
               <a:latin typeface="BIZ UDPゴシック" panose="020B0400000000000000" pitchFamily="50" charset="-128"/>
               <a:ea typeface="BIZ UDPゴシック" panose="020B0400000000000000" pitchFamily="50" charset="-128"/>
             </a:endParaRPr>
@@ -6727,7 +7211,7 @@
         <p:spPr>
           <a:xfrm>
             <a:off x="686889" y="1524000"/>
-            <a:ext cx="8420895" cy="1015663"/>
+            <a:ext cx="3225563" cy="369332"/>
           </a:xfrm>
           <a:prstGeom prst="rect">
             <a:avLst/>
@@ -6741,44 +7225,11 @@
           <a:lstStyle/>
           <a:p>
             <a:r>
-              <a:rPr kumimoji="1" lang="ja-JP" altLang="en-US" sz="2400" dirty="0">
-                <a:latin typeface="BIZ UDPゴシック" panose="020B0400000000000000" pitchFamily="50" charset="-128"/>
-                <a:ea typeface="BIZ UDPゴシック" panose="020B0400000000000000" pitchFamily="50" charset="-128"/>
-              </a:rPr>
-              <a:t>制作作品のバージョン管理</a:t>
-            </a:r>
-            <a:endParaRPr kumimoji="1" lang="en-US" altLang="ja-JP" sz="2400" dirty="0">
-              <a:latin typeface="BIZ UDPゴシック" panose="020B0400000000000000" pitchFamily="50" charset="-128"/>
-              <a:ea typeface="BIZ UDPゴシック" panose="020B0400000000000000" pitchFamily="50" charset="-128"/>
-            </a:endParaRPr>
-          </a:p>
-          <a:p>
-            <a:r>
-              <a:rPr kumimoji="1" lang="en-US" altLang="ja-JP" dirty="0">
-                <a:latin typeface="BIZ UDPゴシック" panose="020B0400000000000000" pitchFamily="50" charset="-128"/>
-                <a:ea typeface="BIZ UDPゴシック" panose="020B0400000000000000" pitchFamily="50" charset="-128"/>
-              </a:rPr>
-              <a:t>GitHub Desktop</a:t>
-            </a:r>
-            <a:r>
               <a:rPr kumimoji="1" lang="ja-JP" altLang="en-US" dirty="0">
                 <a:latin typeface="BIZ UDPゴシック" panose="020B0400000000000000" pitchFamily="50" charset="-128"/>
                 <a:ea typeface="BIZ UDPゴシック" panose="020B0400000000000000" pitchFamily="50" charset="-128"/>
               </a:rPr>
-              <a:t>を使用した際にバージョンを戻すことのできないエラーが発生</a:t>
-            </a:r>
-            <a:endParaRPr kumimoji="1" lang="en-US" altLang="ja-JP" dirty="0">
-              <a:latin typeface="BIZ UDPゴシック" panose="020B0400000000000000" pitchFamily="50" charset="-128"/>
-              <a:ea typeface="BIZ UDPゴシック" panose="020B0400000000000000" pitchFamily="50" charset="-128"/>
-            </a:endParaRPr>
-          </a:p>
-          <a:p>
-            <a:r>
-              <a:rPr kumimoji="1" lang="ja-JP" altLang="en-US" dirty="0">
-                <a:latin typeface="BIZ UDPゴシック" panose="020B0400000000000000" pitchFamily="50" charset="-128"/>
-                <a:ea typeface="BIZ UDPゴシック" panose="020B0400000000000000" pitchFamily="50" charset="-128"/>
-              </a:rPr>
-              <a:t>エラーをネットなどで検索しても</a:t>
+              <a:t>プログラムコードについて書く</a:t>
             </a:r>
             <a:endParaRPr kumimoji="1" lang="en-US" altLang="ja-JP" dirty="0">
               <a:latin typeface="BIZ UDPゴシック" panose="020B0400000000000000" pitchFamily="50" charset="-128"/>
@@ -6822,7 +7273,7 @@
           <p:cNvPr id="2" name="テキスト ボックス 1">
             <a:extLst>
               <a:ext uri="{FF2B5EF4-FFF2-40B4-BE49-F238E27FC236}">
-                <a16:creationId xmlns:a16="http://schemas.microsoft.com/office/drawing/2014/main" id="{58890BA2-147B-4C3F-853F-D8DB86E09C0F}"/>
+                <a16:creationId xmlns:a16="http://schemas.microsoft.com/office/drawing/2014/main" id="{FDEFD51E-E76A-4D25-8B42-BC591C6849AB}"/>
               </a:ext>
             </a:extLst>
           </p:cNvPr>
@@ -6831,8 +7282,8 @@
         </p:nvSpPr>
         <p:spPr>
           <a:xfrm>
-            <a:off x="1394460" y="1703070"/>
-            <a:ext cx="3877985" cy="369332"/>
+            <a:off x="2291223" y="2718008"/>
+            <a:ext cx="6109365" cy="2123658"/>
           </a:xfrm>
           <a:prstGeom prst="rect">
             <a:avLst/>
@@ -6845,18 +7296,49 @@
           </a:bodyPr>
           <a:lstStyle/>
           <a:p>
-            <a:r>
-              <a:rPr kumimoji="1" lang="ja-JP" altLang="en-US" dirty="0"/>
-              <a:t>一番自信のあるチーム作品の説明２</a:t>
-            </a:r>
-            <a:endParaRPr kumimoji="1" lang="en-US" altLang="ja-JP" dirty="0"/>
+            <a:pPr algn="ctr"/>
+            <a:r>
+              <a:rPr kumimoji="1" lang="ja-JP" altLang="en-US" sz="6600" dirty="0">
+                <a:latin typeface="メイリオ" panose="020B0604030504040204" pitchFamily="50" charset="-128"/>
+                <a:ea typeface="メイリオ" panose="020B0604030504040204" pitchFamily="50" charset="-128"/>
+              </a:rPr>
+              <a:t>ゲーム作品一覧</a:t>
+            </a:r>
+            <a:endParaRPr kumimoji="1" lang="en-US" altLang="ja-JP" sz="6600" dirty="0">
+              <a:latin typeface="メイリオ" panose="020B0604030504040204" pitchFamily="50" charset="-128"/>
+              <a:ea typeface="メイリオ" panose="020B0604030504040204" pitchFamily="50" charset="-128"/>
+            </a:endParaRPr>
+          </a:p>
+          <a:p>
+            <a:pPr algn="ctr"/>
+            <a:r>
+              <a:rPr kumimoji="1" lang="en-US" altLang="ja-JP" sz="6600" dirty="0">
+                <a:latin typeface="メイリオ" panose="020B0604030504040204" pitchFamily="50" charset="-128"/>
+                <a:ea typeface="メイリオ" panose="020B0604030504040204" pitchFamily="50" charset="-128"/>
+              </a:rPr>
+              <a:t>(</a:t>
+            </a:r>
+            <a:r>
+              <a:rPr kumimoji="1" lang="ja-JP" altLang="en-US" sz="6600" dirty="0">
+                <a:latin typeface="メイリオ" panose="020B0604030504040204" pitchFamily="50" charset="-128"/>
+                <a:ea typeface="メイリオ" panose="020B0604030504040204" pitchFamily="50" charset="-128"/>
+              </a:rPr>
+              <a:t>新しい順</a:t>
+            </a:r>
+            <a:r>
+              <a:rPr kumimoji="1" lang="en-US" altLang="ja-JP" sz="6600" dirty="0">
+                <a:latin typeface="メイリオ" panose="020B0604030504040204" pitchFamily="50" charset="-128"/>
+                <a:ea typeface="メイリオ" panose="020B0604030504040204" pitchFamily="50" charset="-128"/>
+              </a:rPr>
+              <a:t>)</a:t>
+            </a:r>
           </a:p>
         </p:txBody>
       </p:sp>
     </p:spTree>
     <p:extLst>
       <p:ext uri="{BB962C8B-B14F-4D97-AF65-F5344CB8AC3E}">
-        <p14:creationId xmlns:p14="http://schemas.microsoft.com/office/powerpoint/2010/main" val="4010658385"/>
+        <p14:creationId xmlns:p14="http://schemas.microsoft.com/office/powerpoint/2010/main" val="1627345143"/>
       </p:ext>
     </p:extLst>
   </p:cSld>
@@ -6885,10 +7367,10 @@
       </p:grpSpPr>
       <p:sp>
         <p:nvSpPr>
-          <p:cNvPr id="2" name="テキスト ボックス 1">
+          <p:cNvPr id="3" name="テキスト ボックス 2">
             <a:extLst>
               <a:ext uri="{FF2B5EF4-FFF2-40B4-BE49-F238E27FC236}">
-                <a16:creationId xmlns:a16="http://schemas.microsoft.com/office/drawing/2014/main" id="{58890BA2-147B-4C3F-853F-D8DB86E09C0F}"/>
+                <a16:creationId xmlns:a16="http://schemas.microsoft.com/office/drawing/2014/main" id="{51C27040-C434-4283-A381-EA27DCDDEA17}"/>
               </a:ext>
             </a:extLst>
           </p:cNvPr>
@@ -6897,8 +7379,8 @@
         </p:nvSpPr>
         <p:spPr>
           <a:xfrm>
-            <a:off x="1394460" y="1703070"/>
-            <a:ext cx="3877985" cy="369332"/>
+            <a:off x="491489" y="362494"/>
+            <a:ext cx="1569660" cy="369332"/>
           </a:xfrm>
           <a:prstGeom prst="rect">
             <a:avLst/>
@@ -6912,17 +7394,630 @@
           <a:lstStyle/>
           <a:p>
             <a:r>
-              <a:rPr kumimoji="1" lang="ja-JP" altLang="en-US" dirty="0"/>
-              <a:t>一番自信のあるチーム作品の説明３</a:t>
-            </a:r>
-            <a:endParaRPr kumimoji="1" lang="en-US" altLang="ja-JP" dirty="0"/>
+              <a:rPr kumimoji="1" lang="ja-JP" altLang="en-US" dirty="0">
+                <a:latin typeface="メイリオ" panose="020B0604030504040204" pitchFamily="50" charset="-128"/>
+                <a:ea typeface="メイリオ" panose="020B0604030504040204" pitchFamily="50" charset="-128"/>
+              </a:rPr>
+              <a:t>ゲーム作品１</a:t>
+            </a:r>
+            <a:endParaRPr kumimoji="1" lang="en-US" altLang="ja-JP" dirty="0">
+              <a:latin typeface="メイリオ" panose="020B0604030504040204" pitchFamily="50" charset="-128"/>
+              <a:ea typeface="メイリオ" panose="020B0604030504040204" pitchFamily="50" charset="-128"/>
+            </a:endParaRPr>
+          </a:p>
+        </p:txBody>
+      </p:sp>
+      <p:sp>
+        <p:nvSpPr>
+          <p:cNvPr id="4" name="テキスト ボックス 3">
+            <a:extLst>
+              <a:ext uri="{FF2B5EF4-FFF2-40B4-BE49-F238E27FC236}">
+                <a16:creationId xmlns:a16="http://schemas.microsoft.com/office/drawing/2014/main" id="{0E21A147-0C79-40ED-963F-C4259945323E}"/>
+              </a:ext>
+            </a:extLst>
+          </p:cNvPr>
+          <p:cNvSpPr txBox="1"/>
+          <p:nvPr/>
+        </p:nvSpPr>
+        <p:spPr>
+          <a:xfrm>
+            <a:off x="491490" y="3989614"/>
+            <a:ext cx="1569660" cy="369332"/>
+          </a:xfrm>
+          <a:prstGeom prst="rect">
+            <a:avLst/>
+          </a:prstGeom>
+          <a:noFill/>
+        </p:spPr>
+        <p:txBody>
+          <a:bodyPr wrap="none" rtlCol="0">
+            <a:spAutoFit/>
+          </a:bodyPr>
+          <a:lstStyle/>
+          <a:p>
+            <a:r>
+              <a:rPr kumimoji="1" lang="ja-JP" altLang="en-US" dirty="0">
+                <a:latin typeface="メイリオ" panose="020B0604030504040204" pitchFamily="50" charset="-128"/>
+                <a:ea typeface="メイリオ" panose="020B0604030504040204" pitchFamily="50" charset="-128"/>
+              </a:rPr>
+              <a:t>ゲーム作品２</a:t>
+            </a:r>
+            <a:endParaRPr kumimoji="1" lang="en-US" altLang="ja-JP" dirty="0">
+              <a:latin typeface="メイリオ" panose="020B0604030504040204" pitchFamily="50" charset="-128"/>
+              <a:ea typeface="メイリオ" panose="020B0604030504040204" pitchFamily="50" charset="-128"/>
+            </a:endParaRPr>
+          </a:p>
+        </p:txBody>
+      </p:sp>
+      <p:sp>
+        <p:nvSpPr>
+          <p:cNvPr id="5" name="テキスト ボックス 4">
+            <a:extLst>
+              <a:ext uri="{FF2B5EF4-FFF2-40B4-BE49-F238E27FC236}">
+                <a16:creationId xmlns:a16="http://schemas.microsoft.com/office/drawing/2014/main" id="{E9CF6073-1E8B-4106-A9B1-5E6450D659D8}"/>
+              </a:ext>
+            </a:extLst>
+          </p:cNvPr>
+          <p:cNvSpPr txBox="1"/>
+          <p:nvPr/>
+        </p:nvSpPr>
+        <p:spPr>
+          <a:xfrm>
+            <a:off x="582929" y="1637445"/>
+            <a:ext cx="2526031" cy="1446550"/>
+          </a:xfrm>
+          <a:prstGeom prst="rect">
+            <a:avLst/>
+          </a:prstGeom>
+          <a:noFill/>
+        </p:spPr>
+        <p:txBody>
+          <a:bodyPr wrap="square" rtlCol="0">
+            <a:spAutoFit/>
+          </a:bodyPr>
+          <a:lstStyle/>
+          <a:p>
+            <a:r>
+              <a:rPr kumimoji="1" lang="ja-JP" altLang="en-US" sz="8800" dirty="0"/>
+              <a:t>画像</a:t>
+            </a:r>
+            <a:endParaRPr kumimoji="1" lang="en-US" altLang="ja-JP" sz="8800" dirty="0"/>
+          </a:p>
+        </p:txBody>
+      </p:sp>
+      <p:sp>
+        <p:nvSpPr>
+          <p:cNvPr id="6" name="テキスト ボックス 5">
+            <a:extLst>
+              <a:ext uri="{FF2B5EF4-FFF2-40B4-BE49-F238E27FC236}">
+                <a16:creationId xmlns:a16="http://schemas.microsoft.com/office/drawing/2014/main" id="{F6F2CD01-C918-428A-B6F0-1B665F589E83}"/>
+              </a:ext>
+            </a:extLst>
+          </p:cNvPr>
+          <p:cNvSpPr txBox="1"/>
+          <p:nvPr/>
+        </p:nvSpPr>
+        <p:spPr>
+          <a:xfrm>
+            <a:off x="491489" y="4883565"/>
+            <a:ext cx="2526031" cy="1446550"/>
+          </a:xfrm>
+          <a:prstGeom prst="rect">
+            <a:avLst/>
+          </a:prstGeom>
+          <a:noFill/>
+        </p:spPr>
+        <p:txBody>
+          <a:bodyPr wrap="square" rtlCol="0">
+            <a:spAutoFit/>
+          </a:bodyPr>
+          <a:lstStyle/>
+          <a:p>
+            <a:r>
+              <a:rPr kumimoji="1" lang="ja-JP" altLang="en-US" sz="8800" dirty="0"/>
+              <a:t>画像</a:t>
+            </a:r>
+            <a:endParaRPr kumimoji="1" lang="en-US" altLang="ja-JP" sz="8800" dirty="0"/>
+          </a:p>
+        </p:txBody>
+      </p:sp>
+      <p:sp>
+        <p:nvSpPr>
+          <p:cNvPr id="7" name="テキスト ボックス 6">
+            <a:extLst>
+              <a:ext uri="{FF2B5EF4-FFF2-40B4-BE49-F238E27FC236}">
+                <a16:creationId xmlns:a16="http://schemas.microsoft.com/office/drawing/2014/main" id="{491CE403-E128-4CCF-8775-8749A0A20407}"/>
+              </a:ext>
+            </a:extLst>
+          </p:cNvPr>
+          <p:cNvSpPr txBox="1"/>
+          <p:nvPr/>
+        </p:nvSpPr>
+        <p:spPr>
+          <a:xfrm>
+            <a:off x="4530088" y="511739"/>
+            <a:ext cx="5929828" cy="3477875"/>
+          </a:xfrm>
+          <a:prstGeom prst="rect">
+            <a:avLst/>
+          </a:prstGeom>
+          <a:noFill/>
+        </p:spPr>
+        <p:txBody>
+          <a:bodyPr wrap="none" rtlCol="0">
+            <a:spAutoFit/>
+          </a:bodyPr>
+          <a:lstStyle/>
+          <a:p>
+            <a:r>
+              <a:rPr kumimoji="1" lang="ja-JP" altLang="en-US" sz="2000" dirty="0">
+                <a:latin typeface="メイリオ" panose="020B0604030504040204" pitchFamily="50" charset="-128"/>
+                <a:ea typeface="メイリオ" panose="020B0604030504040204" pitchFamily="50" charset="-128"/>
+              </a:rPr>
+              <a:t>作品名</a:t>
+            </a:r>
+            <a:r>
+              <a:rPr kumimoji="1" lang="en-US" altLang="ja-JP" sz="2000" dirty="0">
+                <a:latin typeface="メイリオ" panose="020B0604030504040204" pitchFamily="50" charset="-128"/>
+                <a:ea typeface="メイリオ" panose="020B0604030504040204" pitchFamily="50" charset="-128"/>
+              </a:rPr>
+              <a:t>		</a:t>
+            </a:r>
+            <a:r>
+              <a:rPr kumimoji="1" lang="ja-JP" altLang="en-US" sz="2000" dirty="0">
+                <a:latin typeface="メイリオ" panose="020B0604030504040204" pitchFamily="50" charset="-128"/>
+                <a:ea typeface="メイリオ" panose="020B0604030504040204" pitchFamily="50" charset="-128"/>
+              </a:rPr>
+              <a:t>キツネたろう二世の大冒険</a:t>
+            </a:r>
+            <a:endParaRPr kumimoji="1" lang="en-US" altLang="ja-JP" sz="2000" dirty="0">
+              <a:latin typeface="メイリオ" panose="020B0604030504040204" pitchFamily="50" charset="-128"/>
+              <a:ea typeface="メイリオ" panose="020B0604030504040204" pitchFamily="50" charset="-128"/>
+            </a:endParaRPr>
+          </a:p>
+          <a:p>
+            <a:r>
+              <a:rPr kumimoji="1" lang="ja-JP" altLang="en-US" sz="2000" dirty="0">
+                <a:latin typeface="メイリオ" panose="020B0604030504040204" pitchFamily="50" charset="-128"/>
+                <a:ea typeface="メイリオ" panose="020B0604030504040204" pitchFamily="50" charset="-128"/>
+              </a:rPr>
+              <a:t>ジャンル</a:t>
+            </a:r>
+            <a:r>
+              <a:rPr kumimoji="1" lang="en-US" altLang="ja-JP" sz="2000" dirty="0">
+                <a:latin typeface="メイリオ" panose="020B0604030504040204" pitchFamily="50" charset="-128"/>
+                <a:ea typeface="メイリオ" panose="020B0604030504040204" pitchFamily="50" charset="-128"/>
+              </a:rPr>
+              <a:t>	</a:t>
+            </a:r>
+            <a:r>
+              <a:rPr kumimoji="1" lang="ja-JP" altLang="en-US" sz="2000" dirty="0">
+                <a:latin typeface="メイリオ" panose="020B0604030504040204" pitchFamily="50" charset="-128"/>
+                <a:ea typeface="メイリオ" panose="020B0604030504040204" pitchFamily="50" charset="-128"/>
+              </a:rPr>
+              <a:t>アクションゲーム</a:t>
+            </a:r>
+            <a:endParaRPr kumimoji="1" lang="en-US" altLang="ja-JP" sz="2000" dirty="0">
+              <a:latin typeface="メイリオ" panose="020B0604030504040204" pitchFamily="50" charset="-128"/>
+              <a:ea typeface="メイリオ" panose="020B0604030504040204" pitchFamily="50" charset="-128"/>
+            </a:endParaRPr>
+          </a:p>
+          <a:p>
+            <a:r>
+              <a:rPr kumimoji="1" lang="ja-JP" altLang="en-US" sz="2000" dirty="0">
+                <a:latin typeface="メイリオ" panose="020B0604030504040204" pitchFamily="50" charset="-128"/>
+                <a:ea typeface="メイリオ" panose="020B0604030504040204" pitchFamily="50" charset="-128"/>
+              </a:rPr>
+              <a:t>製作期間</a:t>
+            </a:r>
+            <a:r>
+              <a:rPr kumimoji="1" lang="en-US" altLang="ja-JP" sz="2000" dirty="0">
+                <a:latin typeface="メイリオ" panose="020B0604030504040204" pitchFamily="50" charset="-128"/>
+                <a:ea typeface="メイリオ" panose="020B0604030504040204" pitchFamily="50" charset="-128"/>
+              </a:rPr>
+              <a:t>	2023/09/04</a:t>
+            </a:r>
+            <a:r>
+              <a:rPr kumimoji="1" lang="ja-JP" altLang="en-US" sz="2000" dirty="0">
+                <a:latin typeface="メイリオ" panose="020B0604030504040204" pitchFamily="50" charset="-128"/>
+                <a:ea typeface="メイリオ" panose="020B0604030504040204" pitchFamily="50" charset="-128"/>
+              </a:rPr>
+              <a:t>～</a:t>
+            </a:r>
+            <a:r>
+              <a:rPr kumimoji="1" lang="en-US" altLang="ja-JP" sz="2000" dirty="0">
+                <a:latin typeface="メイリオ" panose="020B0604030504040204" pitchFamily="50" charset="-128"/>
+                <a:ea typeface="メイリオ" panose="020B0604030504040204" pitchFamily="50" charset="-128"/>
+              </a:rPr>
+              <a:t>2023/12/08</a:t>
+            </a:r>
+          </a:p>
+          <a:p>
+            <a:r>
+              <a:rPr kumimoji="1" lang="ja-JP" altLang="en-US" sz="2000" dirty="0">
+                <a:latin typeface="メイリオ" panose="020B0604030504040204" pitchFamily="50" charset="-128"/>
+                <a:ea typeface="メイリオ" panose="020B0604030504040204" pitchFamily="50" charset="-128"/>
+              </a:rPr>
+              <a:t>制作環境</a:t>
+            </a:r>
+            <a:r>
+              <a:rPr kumimoji="1" lang="en-US" altLang="ja-JP" sz="2000" dirty="0">
+                <a:latin typeface="メイリオ" panose="020B0604030504040204" pitchFamily="50" charset="-128"/>
+                <a:ea typeface="メイリオ" panose="020B0604030504040204" pitchFamily="50" charset="-128"/>
+              </a:rPr>
+              <a:t>	Unity/C#</a:t>
+            </a:r>
+          </a:p>
+          <a:p>
+            <a:r>
+              <a:rPr kumimoji="1" lang="ja-JP" altLang="en-US" sz="2000" dirty="0">
+                <a:latin typeface="メイリオ" panose="020B0604030504040204" pitchFamily="50" charset="-128"/>
+                <a:ea typeface="メイリオ" panose="020B0604030504040204" pitchFamily="50" charset="-128"/>
+              </a:rPr>
+              <a:t>対応機種</a:t>
+            </a:r>
+            <a:r>
+              <a:rPr kumimoji="1" lang="en-US" altLang="ja-JP" sz="2000" dirty="0">
+                <a:latin typeface="メイリオ" panose="020B0604030504040204" pitchFamily="50" charset="-128"/>
+                <a:ea typeface="メイリオ" panose="020B0604030504040204" pitchFamily="50" charset="-128"/>
+              </a:rPr>
+              <a:t>	Windows</a:t>
+            </a:r>
+          </a:p>
+          <a:p>
+            <a:r>
+              <a:rPr kumimoji="1" lang="ja-JP" altLang="en-US" sz="2000" dirty="0">
+                <a:latin typeface="メイリオ" panose="020B0604030504040204" pitchFamily="50" charset="-128"/>
+                <a:ea typeface="メイリオ" panose="020B0604030504040204" pitchFamily="50" charset="-128"/>
+              </a:rPr>
+              <a:t>担当</a:t>
+            </a:r>
+            <a:r>
+              <a:rPr kumimoji="1" lang="en-US" altLang="ja-JP" sz="2000" dirty="0">
+                <a:latin typeface="メイリオ" panose="020B0604030504040204" pitchFamily="50" charset="-128"/>
+                <a:ea typeface="メイリオ" panose="020B0604030504040204" pitchFamily="50" charset="-128"/>
+              </a:rPr>
+              <a:t>		</a:t>
+            </a:r>
+            <a:r>
+              <a:rPr kumimoji="1" lang="ja-JP" altLang="en-US" sz="2000" dirty="0">
+                <a:latin typeface="メイリオ" panose="020B0604030504040204" pitchFamily="50" charset="-128"/>
+                <a:ea typeface="メイリオ" panose="020B0604030504040204" pitchFamily="50" charset="-128"/>
+              </a:rPr>
+              <a:t>バージョン管理、プレイヤーの制御、</a:t>
+            </a:r>
+            <a:endParaRPr kumimoji="1" lang="en-US" altLang="ja-JP" sz="2000" dirty="0">
+              <a:latin typeface="メイリオ" panose="020B0604030504040204" pitchFamily="50" charset="-128"/>
+              <a:ea typeface="メイリオ" panose="020B0604030504040204" pitchFamily="50" charset="-128"/>
+            </a:endParaRPr>
+          </a:p>
+          <a:p>
+            <a:r>
+              <a:rPr kumimoji="1" lang="en-US" altLang="ja-JP" sz="2000" dirty="0">
+                <a:latin typeface="メイリオ" panose="020B0604030504040204" pitchFamily="50" charset="-128"/>
+                <a:ea typeface="メイリオ" panose="020B0604030504040204" pitchFamily="50" charset="-128"/>
+              </a:rPr>
+              <a:t>			2D</a:t>
+            </a:r>
+            <a:r>
+              <a:rPr kumimoji="1" lang="ja-JP" altLang="en-US" sz="2000" dirty="0">
+                <a:latin typeface="メイリオ" panose="020B0604030504040204" pitchFamily="50" charset="-128"/>
+                <a:ea typeface="メイリオ" panose="020B0604030504040204" pitchFamily="50" charset="-128"/>
+              </a:rPr>
+              <a:t>視点のステージ作成</a:t>
+            </a:r>
+            <a:r>
+              <a:rPr kumimoji="1" lang="en-US" altLang="ja-JP" sz="2000" dirty="0">
+                <a:latin typeface="メイリオ" panose="020B0604030504040204" pitchFamily="50" charset="-128"/>
+                <a:ea typeface="メイリオ" panose="020B0604030504040204" pitchFamily="50" charset="-128"/>
+              </a:rPr>
+              <a:t>	</a:t>
+            </a:r>
+            <a:r>
+              <a:rPr kumimoji="1" lang="ja-JP" altLang="en-US" sz="2000" dirty="0">
+                <a:latin typeface="メイリオ" panose="020B0604030504040204" pitchFamily="50" charset="-128"/>
+                <a:ea typeface="メイリオ" panose="020B0604030504040204" pitchFamily="50" charset="-128"/>
+              </a:rPr>
+              <a:t>シーン管理</a:t>
+            </a:r>
+            <a:endParaRPr kumimoji="1" lang="en-US" altLang="ja-JP" sz="2000" dirty="0">
+              <a:latin typeface="メイリオ" panose="020B0604030504040204" pitchFamily="50" charset="-128"/>
+              <a:ea typeface="メイリオ" panose="020B0604030504040204" pitchFamily="50" charset="-128"/>
+            </a:endParaRPr>
+          </a:p>
+          <a:p>
+            <a:endParaRPr kumimoji="1" lang="en-US" altLang="ja-JP" sz="2000" dirty="0">
+              <a:latin typeface="メイリオ" panose="020B0604030504040204" pitchFamily="50" charset="-128"/>
+              <a:ea typeface="メイリオ" panose="020B0604030504040204" pitchFamily="50" charset="-128"/>
+            </a:endParaRPr>
+          </a:p>
+          <a:p>
+            <a:r>
+              <a:rPr kumimoji="1" lang="ja-JP" altLang="en-US" sz="2000" dirty="0">
+                <a:latin typeface="メイリオ" panose="020B0604030504040204" pitchFamily="50" charset="-128"/>
+                <a:ea typeface="メイリオ" panose="020B0604030504040204" pitchFamily="50" charset="-128"/>
+              </a:rPr>
+              <a:t>目的、学んだこと</a:t>
+            </a:r>
+            <a:endParaRPr kumimoji="1" lang="en-US" altLang="ja-JP" sz="2000" dirty="0">
+              <a:latin typeface="メイリオ" panose="020B0604030504040204" pitchFamily="50" charset="-128"/>
+              <a:ea typeface="メイリオ" panose="020B0604030504040204" pitchFamily="50" charset="-128"/>
+            </a:endParaRPr>
+          </a:p>
+          <a:p>
+            <a:r>
+              <a:rPr kumimoji="1" lang="en-US" altLang="ja-JP" sz="2000" dirty="0">
+                <a:latin typeface="メイリオ" panose="020B0604030504040204" pitchFamily="50" charset="-128"/>
+                <a:ea typeface="メイリオ" panose="020B0604030504040204" pitchFamily="50" charset="-128"/>
+              </a:rPr>
+              <a:t>Unity</a:t>
+            </a:r>
+            <a:r>
+              <a:rPr kumimoji="1" lang="ja-JP" altLang="en-US" sz="2000" dirty="0">
+                <a:latin typeface="メイリオ" panose="020B0604030504040204" pitchFamily="50" charset="-128"/>
+                <a:ea typeface="メイリオ" panose="020B0604030504040204" pitchFamily="50" charset="-128"/>
+              </a:rPr>
+              <a:t>を使用したチーム制作の流れ</a:t>
+            </a:r>
+            <a:endParaRPr kumimoji="1" lang="en-US" altLang="ja-JP" sz="2000" dirty="0">
+              <a:latin typeface="メイリオ" panose="020B0604030504040204" pitchFamily="50" charset="-128"/>
+              <a:ea typeface="メイリオ" panose="020B0604030504040204" pitchFamily="50" charset="-128"/>
+            </a:endParaRPr>
+          </a:p>
+          <a:p>
+            <a:r>
+              <a:rPr kumimoji="1" lang="en-US" altLang="ja-JP" sz="2000" dirty="0">
+                <a:latin typeface="メイリオ" panose="020B0604030504040204" pitchFamily="50" charset="-128"/>
+                <a:ea typeface="メイリオ" panose="020B0604030504040204" pitchFamily="50" charset="-128"/>
+              </a:rPr>
+              <a:t>GFF</a:t>
+            </a:r>
+            <a:r>
+              <a:rPr kumimoji="1" lang="ja-JP" altLang="en-US" sz="2000" dirty="0">
+                <a:latin typeface="メイリオ" panose="020B0604030504040204" pitchFamily="50" charset="-128"/>
+                <a:ea typeface="メイリオ" panose="020B0604030504040204" pitchFamily="50" charset="-128"/>
+              </a:rPr>
+              <a:t>アワードに提出</a:t>
+            </a:r>
+            <a:endParaRPr kumimoji="1" lang="en-US" altLang="ja-JP" sz="2000" dirty="0">
+              <a:latin typeface="メイリオ" panose="020B0604030504040204" pitchFamily="50" charset="-128"/>
+              <a:ea typeface="メイリオ" panose="020B0604030504040204" pitchFamily="50" charset="-128"/>
+            </a:endParaRPr>
+          </a:p>
+        </p:txBody>
+      </p:sp>
+      <p:sp>
+        <p:nvSpPr>
+          <p:cNvPr id="9" name="テキスト ボックス 8">
+            <a:extLst>
+              <a:ext uri="{FF2B5EF4-FFF2-40B4-BE49-F238E27FC236}">
+                <a16:creationId xmlns:a16="http://schemas.microsoft.com/office/drawing/2014/main" id="{F7549F22-EC0F-4EAF-BE5B-CAA4FFF91E33}"/>
+              </a:ext>
+            </a:extLst>
+          </p:cNvPr>
+          <p:cNvSpPr txBox="1"/>
+          <p:nvPr/>
+        </p:nvSpPr>
+        <p:spPr>
+          <a:xfrm>
+            <a:off x="4530088" y="4174280"/>
+            <a:ext cx="4826962" cy="2862322"/>
+          </a:xfrm>
+          <a:prstGeom prst="rect">
+            <a:avLst/>
+          </a:prstGeom>
+          <a:noFill/>
+        </p:spPr>
+        <p:txBody>
+          <a:bodyPr wrap="none" rtlCol="0">
+            <a:spAutoFit/>
+          </a:bodyPr>
+          <a:lstStyle/>
+          <a:p>
+            <a:r>
+              <a:rPr kumimoji="1" lang="ja-JP" altLang="en-US" sz="2000" dirty="0">
+                <a:latin typeface="メイリオ" panose="020B0604030504040204" pitchFamily="50" charset="-128"/>
+                <a:ea typeface="メイリオ" panose="020B0604030504040204" pitchFamily="50" charset="-128"/>
+              </a:rPr>
+              <a:t>作品名</a:t>
+            </a:r>
+            <a:r>
+              <a:rPr kumimoji="1" lang="en-US" altLang="ja-JP" sz="2000" dirty="0">
+                <a:latin typeface="メイリオ" panose="020B0604030504040204" pitchFamily="50" charset="-128"/>
+                <a:ea typeface="メイリオ" panose="020B0604030504040204" pitchFamily="50" charset="-128"/>
+              </a:rPr>
+              <a:t>		Don’t Fall</a:t>
+            </a:r>
+          </a:p>
+          <a:p>
+            <a:r>
+              <a:rPr kumimoji="1" lang="ja-JP" altLang="en-US" sz="2000" dirty="0">
+                <a:latin typeface="メイリオ" panose="020B0604030504040204" pitchFamily="50" charset="-128"/>
+                <a:ea typeface="メイリオ" panose="020B0604030504040204" pitchFamily="50" charset="-128"/>
+              </a:rPr>
+              <a:t>ジャンル</a:t>
+            </a:r>
+            <a:r>
+              <a:rPr kumimoji="1" lang="en-US" altLang="ja-JP" sz="2000" dirty="0">
+                <a:latin typeface="メイリオ" panose="020B0604030504040204" pitchFamily="50" charset="-128"/>
+                <a:ea typeface="メイリオ" panose="020B0604030504040204" pitchFamily="50" charset="-128"/>
+              </a:rPr>
+              <a:t>	3D</a:t>
+            </a:r>
+            <a:r>
+              <a:rPr kumimoji="1" lang="ja-JP" altLang="en-US" sz="2000" dirty="0">
+                <a:latin typeface="メイリオ" panose="020B0604030504040204" pitchFamily="50" charset="-128"/>
+                <a:ea typeface="メイリオ" panose="020B0604030504040204" pitchFamily="50" charset="-128"/>
+              </a:rPr>
+              <a:t>アクションゲーム</a:t>
+            </a:r>
+            <a:endParaRPr kumimoji="1" lang="en-US" altLang="ja-JP" sz="2000" dirty="0">
+              <a:latin typeface="メイリオ" panose="020B0604030504040204" pitchFamily="50" charset="-128"/>
+              <a:ea typeface="メイリオ" panose="020B0604030504040204" pitchFamily="50" charset="-128"/>
+            </a:endParaRPr>
+          </a:p>
+          <a:p>
+            <a:r>
+              <a:rPr kumimoji="1" lang="ja-JP" altLang="en-US" sz="2000" dirty="0">
+                <a:latin typeface="メイリオ" panose="020B0604030504040204" pitchFamily="50" charset="-128"/>
+                <a:ea typeface="メイリオ" panose="020B0604030504040204" pitchFamily="50" charset="-128"/>
+              </a:rPr>
+              <a:t>製作期間</a:t>
+            </a:r>
+            <a:r>
+              <a:rPr kumimoji="1" lang="en-US" altLang="ja-JP" sz="2000" dirty="0">
+                <a:latin typeface="メイリオ" panose="020B0604030504040204" pitchFamily="50" charset="-128"/>
+                <a:ea typeface="メイリオ" panose="020B0604030504040204" pitchFamily="50" charset="-128"/>
+              </a:rPr>
+              <a:t>	2023/06/12</a:t>
+            </a:r>
+            <a:r>
+              <a:rPr kumimoji="1" lang="ja-JP" altLang="en-US" sz="2000" dirty="0">
+                <a:latin typeface="メイリオ" panose="020B0604030504040204" pitchFamily="50" charset="-128"/>
+                <a:ea typeface="メイリオ" panose="020B0604030504040204" pitchFamily="50" charset="-128"/>
+              </a:rPr>
+              <a:t>～</a:t>
+            </a:r>
+            <a:r>
+              <a:rPr kumimoji="1" lang="en-US" altLang="ja-JP" sz="2000" dirty="0">
+                <a:latin typeface="メイリオ" panose="020B0604030504040204" pitchFamily="50" charset="-128"/>
+                <a:ea typeface="メイリオ" panose="020B0604030504040204" pitchFamily="50" charset="-128"/>
+              </a:rPr>
+              <a:t>2023/08/11</a:t>
+            </a:r>
+          </a:p>
+          <a:p>
+            <a:r>
+              <a:rPr kumimoji="1" lang="ja-JP" altLang="en-US" sz="2000" dirty="0">
+                <a:latin typeface="メイリオ" panose="020B0604030504040204" pitchFamily="50" charset="-128"/>
+                <a:ea typeface="メイリオ" panose="020B0604030504040204" pitchFamily="50" charset="-128"/>
+              </a:rPr>
+              <a:t>制作環境</a:t>
+            </a:r>
+            <a:r>
+              <a:rPr kumimoji="1" lang="en-US" altLang="ja-JP" sz="2000" dirty="0">
+                <a:latin typeface="メイリオ" panose="020B0604030504040204" pitchFamily="50" charset="-128"/>
+                <a:ea typeface="メイリオ" panose="020B0604030504040204" pitchFamily="50" charset="-128"/>
+              </a:rPr>
+              <a:t>	DX</a:t>
+            </a:r>
+            <a:r>
+              <a:rPr kumimoji="1" lang="ja-JP" altLang="en-US" sz="2000" dirty="0">
+                <a:latin typeface="メイリオ" panose="020B0604030504040204" pitchFamily="50" charset="-128"/>
+                <a:ea typeface="メイリオ" panose="020B0604030504040204" pitchFamily="50" charset="-128"/>
+              </a:rPr>
+              <a:t>ライブラリ</a:t>
+            </a:r>
+            <a:r>
+              <a:rPr kumimoji="1" lang="en-US" altLang="ja-JP" sz="2000" dirty="0">
+                <a:latin typeface="メイリオ" panose="020B0604030504040204" pitchFamily="50" charset="-128"/>
+                <a:ea typeface="メイリオ" panose="020B0604030504040204" pitchFamily="50" charset="-128"/>
+              </a:rPr>
+              <a:t>/C++</a:t>
+            </a:r>
+          </a:p>
+          <a:p>
+            <a:r>
+              <a:rPr kumimoji="1" lang="ja-JP" altLang="en-US" sz="2000" dirty="0">
+                <a:latin typeface="メイリオ" panose="020B0604030504040204" pitchFamily="50" charset="-128"/>
+                <a:ea typeface="メイリオ" panose="020B0604030504040204" pitchFamily="50" charset="-128"/>
+              </a:rPr>
+              <a:t>対応機種</a:t>
+            </a:r>
+            <a:r>
+              <a:rPr kumimoji="1" lang="en-US" altLang="ja-JP" sz="2000" dirty="0">
+                <a:latin typeface="メイリオ" panose="020B0604030504040204" pitchFamily="50" charset="-128"/>
+                <a:ea typeface="メイリオ" panose="020B0604030504040204" pitchFamily="50" charset="-128"/>
+              </a:rPr>
+              <a:t>	Windows</a:t>
+            </a:r>
+          </a:p>
+          <a:p>
+            <a:r>
+              <a:rPr kumimoji="1" lang="ja-JP" altLang="en-US" sz="2000" dirty="0">
+                <a:latin typeface="メイリオ" panose="020B0604030504040204" pitchFamily="50" charset="-128"/>
+                <a:ea typeface="メイリオ" panose="020B0604030504040204" pitchFamily="50" charset="-128"/>
+              </a:rPr>
+              <a:t>担当</a:t>
+            </a:r>
+            <a:r>
+              <a:rPr kumimoji="1" lang="en-US" altLang="ja-JP" sz="2000" dirty="0">
+                <a:latin typeface="メイリオ" panose="020B0604030504040204" pitchFamily="50" charset="-128"/>
+                <a:ea typeface="メイリオ" panose="020B0604030504040204" pitchFamily="50" charset="-128"/>
+              </a:rPr>
+              <a:t>		</a:t>
+            </a:r>
+            <a:r>
+              <a:rPr kumimoji="1" lang="ja-JP" altLang="en-US" sz="2000" dirty="0">
+                <a:latin typeface="メイリオ" panose="020B0604030504040204" pitchFamily="50" charset="-128"/>
+                <a:ea typeface="メイリオ" panose="020B0604030504040204" pitchFamily="50" charset="-128"/>
+              </a:rPr>
+              <a:t>背景と</a:t>
+            </a:r>
+            <a:r>
+              <a:rPr kumimoji="1" lang="en-US" altLang="ja-JP" sz="2000" dirty="0">
+                <a:latin typeface="メイリオ" panose="020B0604030504040204" pitchFamily="50" charset="-128"/>
+                <a:ea typeface="メイリオ" panose="020B0604030504040204" pitchFamily="50" charset="-128"/>
+              </a:rPr>
+              <a:t>3D</a:t>
+            </a:r>
+            <a:r>
+              <a:rPr kumimoji="1" lang="ja-JP" altLang="en-US" sz="2000" dirty="0">
+                <a:latin typeface="メイリオ" panose="020B0604030504040204" pitchFamily="50" charset="-128"/>
+                <a:ea typeface="メイリオ" panose="020B0604030504040204" pitchFamily="50" charset="-128"/>
+              </a:rPr>
+              <a:t>モデル以外</a:t>
+            </a:r>
+            <a:endParaRPr kumimoji="1" lang="en-US" altLang="ja-JP" sz="2000" dirty="0">
+              <a:latin typeface="メイリオ" panose="020B0604030504040204" pitchFamily="50" charset="-128"/>
+              <a:ea typeface="メイリオ" panose="020B0604030504040204" pitchFamily="50" charset="-128"/>
+            </a:endParaRPr>
+          </a:p>
+          <a:p>
+            <a:endParaRPr kumimoji="1" lang="en-US" altLang="ja-JP" sz="2000" dirty="0">
+              <a:latin typeface="メイリオ" panose="020B0604030504040204" pitchFamily="50" charset="-128"/>
+              <a:ea typeface="メイリオ" panose="020B0604030504040204" pitchFamily="50" charset="-128"/>
+            </a:endParaRPr>
+          </a:p>
+          <a:p>
+            <a:r>
+              <a:rPr kumimoji="1" lang="ja-JP" altLang="en-US" sz="2000" dirty="0">
+                <a:latin typeface="メイリオ" panose="020B0604030504040204" pitchFamily="50" charset="-128"/>
+                <a:ea typeface="メイリオ" panose="020B0604030504040204" pitchFamily="50" charset="-128"/>
+              </a:rPr>
+              <a:t>目的、学んだこと</a:t>
+            </a:r>
+            <a:endParaRPr kumimoji="1" lang="en-US" altLang="ja-JP" sz="2000" dirty="0">
+              <a:latin typeface="メイリオ" panose="020B0604030504040204" pitchFamily="50" charset="-128"/>
+              <a:ea typeface="メイリオ" panose="020B0604030504040204" pitchFamily="50" charset="-128"/>
+            </a:endParaRPr>
+          </a:p>
+          <a:p>
+            <a:r>
+              <a:rPr kumimoji="1" lang="en-US" altLang="ja-JP" sz="2000" dirty="0">
+                <a:latin typeface="メイリオ" panose="020B0604030504040204" pitchFamily="50" charset="-128"/>
+                <a:ea typeface="メイリオ" panose="020B0604030504040204" pitchFamily="50" charset="-128"/>
+              </a:rPr>
+              <a:t>3D</a:t>
+            </a:r>
+            <a:r>
+              <a:rPr kumimoji="1" lang="ja-JP" altLang="en-US" sz="2000" dirty="0">
+                <a:latin typeface="メイリオ" panose="020B0604030504040204" pitchFamily="50" charset="-128"/>
+                <a:ea typeface="メイリオ" panose="020B0604030504040204" pitchFamily="50" charset="-128"/>
+              </a:rPr>
+              <a:t>ゲーム制作の基礎知識</a:t>
+            </a:r>
+            <a:endParaRPr kumimoji="1" lang="en-US" altLang="ja-JP" sz="2000" dirty="0">
+              <a:latin typeface="メイリオ" panose="020B0604030504040204" pitchFamily="50" charset="-128"/>
+              <a:ea typeface="メイリオ" panose="020B0604030504040204" pitchFamily="50" charset="-128"/>
+            </a:endParaRPr>
           </a:p>
         </p:txBody>
       </p:sp>
     </p:spTree>
     <p:extLst>
       <p:ext uri="{BB962C8B-B14F-4D97-AF65-F5344CB8AC3E}">
-        <p14:creationId xmlns:p14="http://schemas.microsoft.com/office/powerpoint/2010/main" val="1084993585"/>
+        <p14:creationId xmlns:p14="http://schemas.microsoft.com/office/powerpoint/2010/main" val="576450008"/>
       </p:ext>
     </p:extLst>
   </p:cSld>
